--- a/pp - AbschlusspräsentationX.pptx
+++ b/pp - AbschlusspräsentationX.pptx
@@ -45,8 +45,7 @@
     <p:sldId id="354" r:id="rId39"/>
     <p:sldId id="267" r:id="rId40"/>
     <p:sldId id="318" r:id="rId41"/>
-    <p:sldId id="296" r:id="rId42"/>
-    <p:sldId id="322" r:id="rId43"/>
+    <p:sldId id="356" r:id="rId42"/>
   </p:sldIdLst>
   <p:sldSz cx="12192000" cy="6858000"/>
   <p:notesSz cx="6858000" cy="9144000"/>
@@ -313,7 +312,7 @@
           <a:p>
             <a:fld id="{6652AED0-8AA7-4156-AC4D-3923CE798F0C}" type="datetimeFigureOut">
               <a:rPr lang="es-ES" smtClean="0"/>
-              <a:t>18/06/2021</a:t>
+              <a:t>24/06/2021</a:t>
             </a:fld>
             <a:endParaRPr lang="es-ES"/>
           </a:p>
@@ -513,7 +512,7 @@
           <a:p>
             <a:fld id="{6652AED0-8AA7-4156-AC4D-3923CE798F0C}" type="datetimeFigureOut">
               <a:rPr lang="es-ES" smtClean="0"/>
-              <a:t>18/06/2021</a:t>
+              <a:t>24/06/2021</a:t>
             </a:fld>
             <a:endParaRPr lang="es-ES"/>
           </a:p>
@@ -723,7 +722,7 @@
           <a:p>
             <a:fld id="{6652AED0-8AA7-4156-AC4D-3923CE798F0C}" type="datetimeFigureOut">
               <a:rPr lang="es-ES" smtClean="0"/>
-              <a:t>18/06/2021</a:t>
+              <a:t>24/06/2021</a:t>
             </a:fld>
             <a:endParaRPr lang="es-ES"/>
           </a:p>
@@ -923,7 +922,7 @@
           <a:p>
             <a:fld id="{6652AED0-8AA7-4156-AC4D-3923CE798F0C}" type="datetimeFigureOut">
               <a:rPr lang="es-ES" smtClean="0"/>
-              <a:t>18/06/2021</a:t>
+              <a:t>24/06/2021</a:t>
             </a:fld>
             <a:endParaRPr lang="es-ES"/>
           </a:p>
@@ -1199,7 +1198,7 @@
           <a:p>
             <a:fld id="{6652AED0-8AA7-4156-AC4D-3923CE798F0C}" type="datetimeFigureOut">
               <a:rPr lang="es-ES" smtClean="0"/>
-              <a:t>18/06/2021</a:t>
+              <a:t>24/06/2021</a:t>
             </a:fld>
             <a:endParaRPr lang="es-ES"/>
           </a:p>
@@ -1467,7 +1466,7 @@
           <a:p>
             <a:fld id="{6652AED0-8AA7-4156-AC4D-3923CE798F0C}" type="datetimeFigureOut">
               <a:rPr lang="es-ES" smtClean="0"/>
-              <a:t>18/06/2021</a:t>
+              <a:t>24/06/2021</a:t>
             </a:fld>
             <a:endParaRPr lang="es-ES"/>
           </a:p>
@@ -1882,7 +1881,7 @@
           <a:p>
             <a:fld id="{6652AED0-8AA7-4156-AC4D-3923CE798F0C}" type="datetimeFigureOut">
               <a:rPr lang="es-ES" smtClean="0"/>
-              <a:t>18/06/2021</a:t>
+              <a:t>24/06/2021</a:t>
             </a:fld>
             <a:endParaRPr lang="es-ES"/>
           </a:p>
@@ -2024,7 +2023,7 @@
           <a:p>
             <a:fld id="{6652AED0-8AA7-4156-AC4D-3923CE798F0C}" type="datetimeFigureOut">
               <a:rPr lang="es-ES" smtClean="0"/>
-              <a:t>18/06/2021</a:t>
+              <a:t>24/06/2021</a:t>
             </a:fld>
             <a:endParaRPr lang="es-ES"/>
           </a:p>
@@ -2137,7 +2136,7 @@
           <a:p>
             <a:fld id="{6652AED0-8AA7-4156-AC4D-3923CE798F0C}" type="datetimeFigureOut">
               <a:rPr lang="es-ES" smtClean="0"/>
-              <a:t>18/06/2021</a:t>
+              <a:t>24/06/2021</a:t>
             </a:fld>
             <a:endParaRPr lang="es-ES"/>
           </a:p>
@@ -2450,7 +2449,7 @@
           <a:p>
             <a:fld id="{6652AED0-8AA7-4156-AC4D-3923CE798F0C}" type="datetimeFigureOut">
               <a:rPr lang="es-ES" smtClean="0"/>
-              <a:t>18/06/2021</a:t>
+              <a:t>24/06/2021</a:t>
             </a:fld>
             <a:endParaRPr lang="es-ES"/>
           </a:p>
@@ -2739,7 +2738,7 @@
           <a:p>
             <a:fld id="{6652AED0-8AA7-4156-AC4D-3923CE798F0C}" type="datetimeFigureOut">
               <a:rPr lang="es-ES" smtClean="0"/>
-              <a:t>18/06/2021</a:t>
+              <a:t>24/06/2021</a:t>
             </a:fld>
             <a:endParaRPr lang="es-ES"/>
           </a:p>
@@ -2982,7 +2981,7 @@
           <a:p>
             <a:fld id="{6652AED0-8AA7-4156-AC4D-3923CE798F0C}" type="datetimeFigureOut">
               <a:rPr lang="es-ES" smtClean="0"/>
-              <a:t>18/06/2021</a:t>
+              <a:t>24/06/2021</a:t>
             </a:fld>
             <a:endParaRPr lang="es-ES"/>
           </a:p>
@@ -4268,14 +4267,14 @@
               <p:nvPr>
                 <p:extLst>
                   <p:ext uri="{D42A27DB-BD31-4B8C-83A1-F6EECF244321}">
-                    <p14:modId xmlns:p14="http://schemas.microsoft.com/office/powerpoint/2010/main" val="2272246668"/>
+                    <p14:modId xmlns:p14="http://schemas.microsoft.com/office/powerpoint/2010/main" val="1327747987"/>
                   </p:ext>
                 </p:extLst>
               </p:nvPr>
             </p:nvGraphicFramePr>
             <p:xfrm>
-              <a:off x="1176625" y="2023257"/>
-              <a:ext cx="4273674" cy="2830585"/>
+              <a:off x="1190445" y="2023257"/>
+              <a:ext cx="4259854" cy="2830585"/>
             </p:xfrm>
             <a:graphic>
               <a:graphicData uri="http://schemas.openxmlformats.org/drawingml/2006/table">
@@ -4285,7 +4284,7 @@
                     <a:tableStyleId>{5C22544A-7EE6-4342-B048-85BDC9FD1C3A}</a:tableStyleId>
                   </a:tblPr>
                   <a:tblGrid>
-                    <a:gridCol w="4273674">
+                    <a:gridCol w="4259854">
                       <a:extLst>
                         <a:ext uri="{9D8B030D-6E8A-4147-A177-3AD203B41FA5}">
                           <a16:colId xmlns:a16="http://schemas.microsoft.com/office/drawing/2014/main" val="3539954132"/>
@@ -4374,6 +4373,50 @@
                           </a:pPr>
                           <a:r>
                             <a:rPr lang="es-ES" dirty="0"/>
+                            <a:t>Anzahl Einzelbeben:                    5939</a:t>
+                          </a:r>
+                        </a:p>
+                      </a:txBody>
+                      <a:tcPr>
+                        <a:solidFill>
+                          <a:schemeClr val="bg1">
+                            <a:lumMod val="85000"/>
+                            <a:alpha val="40000"/>
+                          </a:schemeClr>
+                        </a:solidFill>
+                      </a:tcPr>
+                    </a:tc>
+                    <a:extLst>
+                      <a:ext uri="{0D108BD9-81ED-4DB2-BD59-A6C34878D82A}">
+                        <a16:rowId xmlns:a16="http://schemas.microsoft.com/office/drawing/2014/main" val="2767492580"/>
+                      </a:ext>
+                    </a:extLst>
+                  </a:tr>
+                  <a:tr h="468581">
+                    <a:tc>
+                      <a:txBody>
+                        <a:bodyPr/>
+                        <a:lstStyle/>
+                        <a:p>
+                          <a:pPr marL="0" marR="0" lvl="0" indent="0" algn="l" defTabSz="914400" rtl="0" eaLnBrk="1" fontAlgn="auto" latinLnBrk="0" hangingPunct="1">
+                            <a:lnSpc>
+                              <a:spcPct val="100000"/>
+                            </a:lnSpc>
+                            <a:spcBef>
+                              <a:spcPts val="0"/>
+                            </a:spcBef>
+                            <a:spcAft>
+                              <a:spcPts val="0"/>
+                            </a:spcAft>
+                            <a:buClrTx/>
+                            <a:buSzTx/>
+                            <a:buFontTx/>
+                            <a:buNone/>
+                            <a:tabLst/>
+                            <a:defRPr/>
+                          </a:pPr>
+                          <a:r>
+                            <a:rPr lang="es-ES" dirty="0"/>
                             <a:t>Getriggerte Erdbeben:               7772</a:t>
                           </a:r>
                         </a:p>
@@ -4389,7 +4432,7 @@
                     </a:tc>
                     <a:extLst>
                       <a:ext uri="{0D108BD9-81ED-4DB2-BD59-A6C34878D82A}">
-                        <a16:rowId xmlns:a16="http://schemas.microsoft.com/office/drawing/2014/main" val="2767492580"/>
+                        <a16:rowId xmlns:a16="http://schemas.microsoft.com/office/drawing/2014/main" val="576864848"/>
                       </a:ext>
                     </a:extLst>
                   </a:tr>
@@ -4491,33 +4534,6 @@
                       </a:ext>
                     </a:extLst>
                   </a:tr>
-                  <a:tr h="468581">
-                    <a:tc>
-                      <a:txBody>
-                        <a:bodyPr/>
-                        <a:lstStyle/>
-                        <a:p>
-                          <a:r>
-                            <a:rPr lang="es-ES" dirty="0"/>
-                            <a:t>Anzahl Einzelbeben:                    5939</a:t>
-                          </a:r>
-                        </a:p>
-                      </a:txBody>
-                      <a:tcPr>
-                        <a:solidFill>
-                          <a:schemeClr val="bg1">
-                            <a:lumMod val="85000"/>
-                            <a:alpha val="40000"/>
-                          </a:schemeClr>
-                        </a:solidFill>
-                      </a:tcPr>
-                    </a:tc>
-                    <a:extLst>
-                      <a:ext uri="{0D108BD9-81ED-4DB2-BD59-A6C34878D82A}">
-                        <a16:rowId xmlns:a16="http://schemas.microsoft.com/office/drawing/2014/main" val="2460069033"/>
-                      </a:ext>
-                    </a:extLst>
-                  </a:tr>
                 </a:tbl>
               </a:graphicData>
             </a:graphic>
@@ -4539,14 +4555,14 @@
               <p:nvPr>
                 <p:extLst>
                   <p:ext uri="{D42A27DB-BD31-4B8C-83A1-F6EECF244321}">
-                    <p14:modId xmlns:p14="http://schemas.microsoft.com/office/powerpoint/2010/main" val="2272246668"/>
+                    <p14:modId xmlns:p14="http://schemas.microsoft.com/office/powerpoint/2010/main" val="1327747987"/>
                   </p:ext>
                 </p:extLst>
               </p:nvPr>
             </p:nvGraphicFramePr>
             <p:xfrm>
-              <a:off x="1176625" y="2023257"/>
-              <a:ext cx="4273674" cy="2830585"/>
+              <a:off x="1190445" y="2023257"/>
+              <a:ext cx="4259854" cy="2830585"/>
             </p:xfrm>
             <a:graphic>
               <a:graphicData uri="http://schemas.openxmlformats.org/drawingml/2006/table">
@@ -4556,7 +4572,7 @@
                     <a:tableStyleId>{5C22544A-7EE6-4342-B048-85BDC9FD1C3A}</a:tableStyleId>
                   </a:tblPr>
                   <a:tblGrid>
-                    <a:gridCol w="4273674">
+                    <a:gridCol w="4259854">
                       <a:extLst>
                         <a:ext uri="{9D8B030D-6E8A-4147-A177-3AD203B41FA5}">
                           <a16:colId xmlns:a16="http://schemas.microsoft.com/office/drawing/2014/main" val="3539954132"/>
@@ -4645,7 +4661,7 @@
                           </a:pPr>
                           <a:r>
                             <a:rPr lang="es-ES" dirty="0"/>
-                            <a:t>Getriggerte Erdbeben:               7772</a:t>
+                            <a:t>Anzahl Einzelbeben:                    5939</a:t>
                           </a:r>
                         </a:p>
                       </a:txBody>
@@ -4670,6 +4686,50 @@
                         <a:bodyPr/>
                         <a:lstStyle/>
                         <a:p>
+                          <a:pPr marL="0" marR="0" lvl="0" indent="0" algn="l" defTabSz="914400" rtl="0" eaLnBrk="1" fontAlgn="auto" latinLnBrk="0" hangingPunct="1">
+                            <a:lnSpc>
+                              <a:spcPct val="100000"/>
+                            </a:lnSpc>
+                            <a:spcBef>
+                              <a:spcPts val="0"/>
+                            </a:spcBef>
+                            <a:spcAft>
+                              <a:spcPts val="0"/>
+                            </a:spcAft>
+                            <a:buClrTx/>
+                            <a:buSzTx/>
+                            <a:buFontTx/>
+                            <a:buNone/>
+                            <a:tabLst/>
+                            <a:defRPr/>
+                          </a:pPr>
+                          <a:r>
+                            <a:rPr lang="es-ES" dirty="0"/>
+                            <a:t>Getriggerte Erdbeben:               7772</a:t>
+                          </a:r>
+                        </a:p>
+                      </a:txBody>
+                      <a:tcPr>
+                        <a:solidFill>
+                          <a:schemeClr val="bg1">
+                            <a:lumMod val="85000"/>
+                            <a:alpha val="40000"/>
+                          </a:schemeClr>
+                        </a:solidFill>
+                      </a:tcPr>
+                    </a:tc>
+                    <a:extLst>
+                      <a:ext uri="{0D108BD9-81ED-4DB2-BD59-A6C34878D82A}">
+                        <a16:rowId xmlns:a16="http://schemas.microsoft.com/office/drawing/2014/main" val="576864848"/>
+                      </a:ext>
+                    </a:extLst>
+                  </a:tr>
+                  <a:tr h="468581">
+                    <a:tc>
+                      <a:txBody>
+                        <a:bodyPr/>
+                        <a:lstStyle/>
+                        <a:p>
                           <a:endParaRPr lang="de-DE"/>
                         </a:p>
                       </a:txBody>
@@ -4677,7 +4737,7 @@
                         <a:blipFill>
                           <a:blip r:embed="rId2"/>
                           <a:stretch>
-                            <a:fillRect l="-285" t="-314286" r="-570" b="-202597"/>
+                            <a:fillRect l="-143" t="-414286" r="-571" b="-102597"/>
                           </a:stretch>
                         </a:blipFill>
                       </a:tcPr>
@@ -4740,33 +4800,6 @@
                       </a:ext>
                     </a:extLst>
                   </a:tr>
-                  <a:tr h="468581">
-                    <a:tc>
-                      <a:txBody>
-                        <a:bodyPr/>
-                        <a:lstStyle/>
-                        <a:p>
-                          <a:r>
-                            <a:rPr lang="es-ES" dirty="0"/>
-                            <a:t>Anzahl Einzelbeben:                    5939</a:t>
-                          </a:r>
-                        </a:p>
-                      </a:txBody>
-                      <a:tcPr>
-                        <a:solidFill>
-                          <a:schemeClr val="bg1">
-                            <a:lumMod val="85000"/>
-                            <a:alpha val="40000"/>
-                          </a:schemeClr>
-                        </a:solidFill>
-                      </a:tcPr>
-                    </a:tc>
-                    <a:extLst>
-                      <a:ext uri="{0D108BD9-81ED-4DB2-BD59-A6C34878D82A}">
-                        <a16:rowId xmlns:a16="http://schemas.microsoft.com/office/drawing/2014/main" val="2460069033"/>
-                      </a:ext>
-                    </a:extLst>
-                  </a:tr>
                 </a:tbl>
               </a:graphicData>
             </a:graphic>
@@ -4870,8 +4903,8 @@
           </a:p>
         </p:txBody>
       </p:sp>
-      <mc:AlternateContent xmlns:mc="http://schemas.openxmlformats.org/markup-compatibility/2006">
-        <mc:Choice xmlns:a14="http://schemas.microsoft.com/office/drawing/2010/main" Requires="a14">
+      <mc:AlternateContent xmlns:mc="http://schemas.openxmlformats.org/markup-compatibility/2006" xmlns:a14="http://schemas.microsoft.com/office/drawing/2010/main">
+        <mc:Choice Requires="a14">
           <p:graphicFrame>
             <p:nvGraphicFramePr>
               <p:cNvPr id="5" name="Tabelle 4">
@@ -4887,7 +4920,7 @@
               <p:nvPr>
                 <p:extLst>
                   <p:ext uri="{D42A27DB-BD31-4B8C-83A1-F6EECF244321}">
-                    <p14:modId xmlns:p14="http://schemas.microsoft.com/office/powerpoint/2010/main" val="4208938532"/>
+                    <p14:modId xmlns:p14="http://schemas.microsoft.com/office/powerpoint/2010/main" val="2530531396"/>
                   </p:ext>
                 </p:extLst>
               </p:nvPr>
@@ -4991,6 +5024,50 @@
                             <a:tabLst/>
                             <a:defRPr/>
                           </a:pPr>
+                          <a:r>
+                            <a:rPr lang="es-ES" dirty="0"/>
+                            <a:t>Anzahl Einzelbeben:                    4803</a:t>
+                          </a:r>
+                        </a:p>
+                      </a:txBody>
+                      <a:tcPr>
+                        <a:solidFill>
+                          <a:schemeClr val="bg1">
+                            <a:lumMod val="85000"/>
+                            <a:alpha val="40000"/>
+                          </a:schemeClr>
+                        </a:solidFill>
+                      </a:tcPr>
+                    </a:tc>
+                    <a:extLst>
+                      <a:ext uri="{0D108BD9-81ED-4DB2-BD59-A6C34878D82A}">
+                        <a16:rowId xmlns:a16="http://schemas.microsoft.com/office/drawing/2014/main" val="1577672058"/>
+                      </a:ext>
+                    </a:extLst>
+                  </a:tr>
+                  <a:tr h="468581">
+                    <a:tc>
+                      <a:txBody>
+                        <a:bodyPr/>
+                        <a:lstStyle/>
+                        <a:p>
+                          <a:pPr marL="0" marR="0" lvl="0" indent="0" algn="l" defTabSz="914400" rtl="0" eaLnBrk="1" fontAlgn="auto" latinLnBrk="0" hangingPunct="1">
+                            <a:lnSpc>
+                              <a:spcPct val="100000"/>
+                            </a:lnSpc>
+                            <a:spcBef>
+                              <a:spcPts val="0"/>
+                            </a:spcBef>
+                            <a:spcAft>
+                              <a:spcPts val="0"/>
+                            </a:spcAft>
+                            <a:buClrTx/>
+                            <a:buSzTx/>
+                            <a:buFontTx/>
+                            <a:buNone/>
+                            <a:tabLst/>
+                            <a:defRPr/>
+                          </a:pPr>
                           <a14:m>
                             <m:oMathPara xmlns:m="http://schemas.openxmlformats.org/officeDocument/2006/math">
                               <m:oMathParaPr>
@@ -5056,7 +5133,7 @@
                     </a:tc>
                     <a:extLst>
                       <a:ext uri="{0D108BD9-81ED-4DB2-BD59-A6C34878D82A}">
-                        <a16:rowId xmlns:a16="http://schemas.microsoft.com/office/drawing/2014/main" val="1577672058"/>
+                        <a16:rowId xmlns:a16="http://schemas.microsoft.com/office/drawing/2014/main" val="1729558570"/>
                       </a:ext>
                     </a:extLst>
                   </a:tr>
@@ -5124,39 +5201,12 @@
                       </a:ext>
                     </a:extLst>
                   </a:tr>
-                  <a:tr h="468581">
-                    <a:tc>
-                      <a:txBody>
-                        <a:bodyPr/>
-                        <a:lstStyle/>
-                        <a:p>
-                          <a:r>
-                            <a:rPr lang="es-ES" dirty="0"/>
-                            <a:t>Anzahl Einzelbeben:                    4803</a:t>
-                          </a:r>
-                        </a:p>
-                      </a:txBody>
-                      <a:tcPr>
-                        <a:solidFill>
-                          <a:schemeClr val="bg1">
-                            <a:lumMod val="85000"/>
-                            <a:alpha val="40000"/>
-                          </a:schemeClr>
-                        </a:solidFill>
-                      </a:tcPr>
-                    </a:tc>
-                    <a:extLst>
-                      <a:ext uri="{0D108BD9-81ED-4DB2-BD59-A6C34878D82A}">
-                        <a16:rowId xmlns:a16="http://schemas.microsoft.com/office/drawing/2014/main" val="3102559994"/>
-                      </a:ext>
-                    </a:extLst>
-                  </a:tr>
                 </a:tbl>
               </a:graphicData>
             </a:graphic>
           </p:graphicFrame>
         </mc:Choice>
-        <mc:Fallback>
+        <mc:Fallback xmlns="">
           <p:graphicFrame>
             <p:nvGraphicFramePr>
               <p:cNvPr id="5" name="Tabelle 4">
@@ -5172,7 +5222,7 @@
               <p:nvPr>
                 <p:extLst>
                   <p:ext uri="{D42A27DB-BD31-4B8C-83A1-F6EECF244321}">
-                    <p14:modId xmlns:p14="http://schemas.microsoft.com/office/powerpoint/2010/main" val="4208938532"/>
+                    <p14:modId xmlns:p14="http://schemas.microsoft.com/office/powerpoint/2010/main" val="2530531396"/>
                   </p:ext>
                 </p:extLst>
               </p:nvPr>
@@ -5259,6 +5309,50 @@
                         <a:bodyPr/>
                         <a:lstStyle/>
                         <a:p>
+                          <a:pPr marL="0" marR="0" lvl="0" indent="0" algn="l" defTabSz="914400" rtl="0" eaLnBrk="1" fontAlgn="auto" latinLnBrk="0" hangingPunct="1">
+                            <a:lnSpc>
+                              <a:spcPct val="100000"/>
+                            </a:lnSpc>
+                            <a:spcBef>
+                              <a:spcPts val="0"/>
+                            </a:spcBef>
+                            <a:spcAft>
+                              <a:spcPts val="0"/>
+                            </a:spcAft>
+                            <a:buClrTx/>
+                            <a:buSzTx/>
+                            <a:buFontTx/>
+                            <a:buNone/>
+                            <a:tabLst/>
+                            <a:defRPr/>
+                          </a:pPr>
+                          <a:r>
+                            <a:rPr lang="es-ES" dirty="0"/>
+                            <a:t>Anzahl Einzelbeben:                    4803</a:t>
+                          </a:r>
+                        </a:p>
+                      </a:txBody>
+                      <a:tcPr>
+                        <a:solidFill>
+                          <a:schemeClr val="bg1">
+                            <a:lumMod val="85000"/>
+                            <a:alpha val="40000"/>
+                          </a:schemeClr>
+                        </a:solidFill>
+                      </a:tcPr>
+                    </a:tc>
+                    <a:extLst>
+                      <a:ext uri="{0D108BD9-81ED-4DB2-BD59-A6C34878D82A}">
+                        <a16:rowId xmlns:a16="http://schemas.microsoft.com/office/drawing/2014/main" val="1577672058"/>
+                      </a:ext>
+                    </a:extLst>
+                  </a:tr>
+                  <a:tr h="468581">
+                    <a:tc>
+                      <a:txBody>
+                        <a:bodyPr/>
+                        <a:lstStyle/>
+                        <a:p>
                           <a:endParaRPr lang="de-DE"/>
                         </a:p>
                       </a:txBody>
@@ -5266,14 +5360,14 @@
                         <a:blipFill>
                           <a:blip r:embed="rId3"/>
                           <a:stretch>
-                            <a:fillRect l="-142" t="-210256" r="-570" b="-298718"/>
+                            <a:fillRect l="-142" t="-314286" r="-570" b="-202597"/>
                           </a:stretch>
                         </a:blipFill>
                       </a:tcPr>
                     </a:tc>
                     <a:extLst>
                       <a:ext uri="{0D108BD9-81ED-4DB2-BD59-A6C34878D82A}">
-                        <a16:rowId xmlns:a16="http://schemas.microsoft.com/office/drawing/2014/main" val="1577672058"/>
+                        <a16:rowId xmlns:a16="http://schemas.microsoft.com/office/drawing/2014/main" val="1729558570"/>
                       </a:ext>
                     </a:extLst>
                   </a:tr>
@@ -5338,33 +5432,6 @@
                     <a:extLst>
                       <a:ext uri="{0D108BD9-81ED-4DB2-BD59-A6C34878D82A}">
                         <a16:rowId xmlns:a16="http://schemas.microsoft.com/office/drawing/2014/main" val="358980212"/>
-                      </a:ext>
-                    </a:extLst>
-                  </a:tr>
-                  <a:tr h="468581">
-                    <a:tc>
-                      <a:txBody>
-                        <a:bodyPr/>
-                        <a:lstStyle/>
-                        <a:p>
-                          <a:r>
-                            <a:rPr lang="es-ES" dirty="0"/>
-                            <a:t>Anzahl Einzelbeben:                    4803</a:t>
-                          </a:r>
-                        </a:p>
-                      </a:txBody>
-                      <a:tcPr>
-                        <a:solidFill>
-                          <a:schemeClr val="bg1">
-                            <a:lumMod val="85000"/>
-                            <a:alpha val="40000"/>
-                          </a:schemeClr>
-                        </a:solidFill>
-                      </a:tcPr>
-                    </a:tc>
-                    <a:extLst>
-                      <a:ext uri="{0D108BD9-81ED-4DB2-BD59-A6C34878D82A}">
-                        <a16:rowId xmlns:a16="http://schemas.microsoft.com/office/drawing/2014/main" val="3102559994"/>
                       </a:ext>
                     </a:extLst>
                   </a:tr>
@@ -7383,14 +7450,14 @@
           <p:nvPr>
             <p:extLst>
               <p:ext uri="{D42A27DB-BD31-4B8C-83A1-F6EECF244321}">
-                <p14:modId xmlns:p14="http://schemas.microsoft.com/office/powerpoint/2010/main" val="2427358599"/>
+                <p14:modId xmlns:p14="http://schemas.microsoft.com/office/powerpoint/2010/main" val="2397630116"/>
               </p:ext>
             </p:extLst>
           </p:nvPr>
         </p:nvGraphicFramePr>
         <p:xfrm>
           <a:off x="726977" y="2361841"/>
-          <a:ext cx="11298768" cy="3020695"/>
+          <a:ext cx="11298769" cy="3295015"/>
         </p:xfrm>
         <a:graphic>
           <a:graphicData uri="http://schemas.openxmlformats.org/drawingml/2006/table">
@@ -7399,24 +7466,31 @@
                 <a:tableStyleId>{5C22544A-7EE6-4342-B048-85BDC9FD1C3A}</a:tableStyleId>
               </a:tblPr>
               <a:tblGrid>
-                <a:gridCol w="2288150">
+                <a:gridCol w="1939299">
                   <a:extLst>
                     <a:ext uri="{9D8B030D-6E8A-4147-A177-3AD203B41FA5}">
                       <a16:colId xmlns:a16="http://schemas.microsoft.com/office/drawing/2014/main" val="1486060274"/>
                     </a:ext>
                   </a:extLst>
                 </a:gridCol>
-                <a:gridCol w="6978136">
+                <a:gridCol w="5914250">
                   <a:extLst>
                     <a:ext uri="{9D8B030D-6E8A-4147-A177-3AD203B41FA5}">
                       <a16:colId xmlns:a16="http://schemas.microsoft.com/office/drawing/2014/main" val="52045378"/>
                     </a:ext>
                   </a:extLst>
                 </a:gridCol>
-                <a:gridCol w="2032482">
+                <a:gridCol w="1722610">
                   <a:extLst>
                     <a:ext uri="{9D8B030D-6E8A-4147-A177-3AD203B41FA5}">
                       <a16:colId xmlns:a16="http://schemas.microsoft.com/office/drawing/2014/main" val="2439724638"/>
+                    </a:ext>
+                  </a:extLst>
+                </a:gridCol>
+                <a:gridCol w="1722610">
+                  <a:extLst>
+                    <a:ext uri="{9D8B030D-6E8A-4147-A177-3AD203B41FA5}">
+                      <a16:colId xmlns:a16="http://schemas.microsoft.com/office/drawing/2014/main" val="3392475344"/>
                     </a:ext>
                   </a:extLst>
                 </a:gridCol>
@@ -7495,7 +7569,30 @@
                             </a:schemeClr>
                           </a:solidFill>
                         </a:rPr>
-                        <a:t>Einheit u. Range</a:t>
+                        <a:t>Range</a:t>
+                      </a:r>
+                    </a:p>
+                  </a:txBody>
+                  <a:tcPr>
+                    <a:solidFill>
+                      <a:schemeClr val="bg1"/>
+                    </a:solidFill>
+                  </a:tcPr>
+                </a:tc>
+                <a:tc>
+                  <a:txBody>
+                    <a:bodyPr/>
+                    <a:lstStyle/>
+                    <a:p>
+                      <a:r>
+                        <a:rPr lang="es-ES" b="1" dirty="0">
+                          <a:solidFill>
+                            <a:schemeClr val="bg1">
+                              <a:lumMod val="50000"/>
+                            </a:schemeClr>
+                          </a:solidFill>
+                        </a:rPr>
+                        <a:t>Einheit</a:t>
                       </a:r>
                     </a:p>
                   </a:txBody>
@@ -7587,6 +7684,20 @@
                     <a:p>
                       <a:endParaRPr lang="es-ES" dirty="0"/>
                     </a:p>
+                    <a:p>
+                      <a:endParaRPr lang="es-ES" dirty="0"/>
+                    </a:p>
+                  </a:txBody>
+                  <a:tcPr>
+                    <a:solidFill>
+                      <a:schemeClr val="bg1"/>
+                    </a:solidFill>
+                  </a:tcPr>
+                </a:tc>
+                <a:tc>
+                  <a:txBody>
+                    <a:bodyPr/>
+                    <a:lstStyle/>
                     <a:p>
                       <a:endParaRPr lang="es-ES" dirty="0"/>
                     </a:p>
@@ -7702,6 +7813,27 @@
                           <a:schemeClr val="accent2"/>
                         </a:solidFill>
                       </a:endParaRPr>
+                    </a:p>
+                  </a:txBody>
+                  <a:tcPr>
+                    <a:solidFill>
+                      <a:schemeClr val="bg1"/>
+                    </a:solidFill>
+                  </a:tcPr>
+                </a:tc>
+                <a:tc>
+                  <a:txBody>
+                    <a:bodyPr/>
+                    <a:lstStyle/>
+                    <a:p>
+                      <a:r>
+                        <a:rPr lang="es-ES" dirty="0">
+                          <a:solidFill>
+                            <a:schemeClr val="tx1"/>
+                          </a:solidFill>
+                        </a:rPr>
+                        <a:t>Richterskala</a:t>
+                      </a:r>
                     </a:p>
                   </a:txBody>
                   <a:tcPr>
@@ -7850,6 +7982,20 @@
                     </a:solidFill>
                   </a:tcPr>
                 </a:tc>
+                <a:tc>
+                  <a:txBody>
+                    <a:bodyPr/>
+                    <a:lstStyle/>
+                    <a:p>
+                      <a:endParaRPr lang="es-ES" dirty="0"/>
+                    </a:p>
+                  </a:txBody>
+                  <a:tcPr>
+                    <a:solidFill>
+                      <a:schemeClr val="bg1"/>
+                    </a:solidFill>
+                  </a:tcPr>
+                </a:tc>
                 <a:extLst>
                   <a:ext uri="{0D108BD9-81ED-4DB2-BD59-A6C34878D82A}">
                     <a16:rowId xmlns:a16="http://schemas.microsoft.com/office/drawing/2014/main" val="996269889"/>
@@ -7932,7 +8078,24 @@
                     <a:p>
                       <a:r>
                         <a:rPr lang="es-ES" dirty="0"/>
-                        <a:t>(0 - 10) Tage</a:t>
+                        <a:t>(0 - 10) </a:t>
+                      </a:r>
+                    </a:p>
+                  </a:txBody>
+                  <a:tcPr>
+                    <a:solidFill>
+                      <a:schemeClr val="bg1"/>
+                    </a:solidFill>
+                  </a:tcPr>
+                </a:tc>
+                <a:tc>
+                  <a:txBody>
+                    <a:bodyPr/>
+                    <a:lstStyle/>
+                    <a:p>
+                      <a:r>
+                        <a:rPr lang="es-ES" dirty="0"/>
+                        <a:t>Tage</a:t>
                       </a:r>
                     </a:p>
                   </a:txBody>
@@ -8015,6 +8178,129 @@
           </a:p>
         </p:txBody>
       </p:sp>
+      <p:cxnSp>
+        <p:nvCxnSpPr>
+          <p:cNvPr id="12" name="Gerader Verbinder 11">
+            <a:extLst>
+              <a:ext uri="{FF2B5EF4-FFF2-40B4-BE49-F238E27FC236}">
+                <a16:creationId xmlns:a16="http://schemas.microsoft.com/office/drawing/2014/main" id="{008D1CD9-9F70-4885-8AA9-A0598F5A1DFF}"/>
+              </a:ext>
+            </a:extLst>
+          </p:cNvPr>
+          <p:cNvCxnSpPr/>
+          <p:nvPr/>
+        </p:nvCxnSpPr>
+        <p:spPr>
+          <a:xfrm>
+            <a:off x="8877878" y="3042700"/>
+            <a:ext cx="298823" cy="0"/>
+          </a:xfrm>
+          <a:prstGeom prst="line">
+            <a:avLst/>
+          </a:prstGeom>
+          <a:ln w="19050">
+            <a:solidFill>
+              <a:schemeClr val="tx1"/>
+            </a:solidFill>
+          </a:ln>
+        </p:spPr>
+        <p:style>
+          <a:lnRef idx="1">
+            <a:schemeClr val="accent1"/>
+          </a:lnRef>
+          <a:fillRef idx="0">
+            <a:schemeClr val="accent1"/>
+          </a:fillRef>
+          <a:effectRef idx="0">
+            <a:schemeClr val="accent1"/>
+          </a:effectRef>
+          <a:fontRef idx="minor">
+            <a:schemeClr val="tx1"/>
+          </a:fontRef>
+        </p:style>
+      </p:cxnSp>
+      <p:cxnSp>
+        <p:nvCxnSpPr>
+          <p:cNvPr id="13" name="Gerader Verbinder 12">
+            <a:extLst>
+              <a:ext uri="{FF2B5EF4-FFF2-40B4-BE49-F238E27FC236}">
+                <a16:creationId xmlns:a16="http://schemas.microsoft.com/office/drawing/2014/main" id="{1442975C-4308-4570-B9F0-ADB1B137341F}"/>
+              </a:ext>
+            </a:extLst>
+          </p:cNvPr>
+          <p:cNvCxnSpPr/>
+          <p:nvPr/>
+        </p:nvCxnSpPr>
+        <p:spPr>
+          <a:xfrm>
+            <a:off x="10422007" y="3048902"/>
+            <a:ext cx="298823" cy="0"/>
+          </a:xfrm>
+          <a:prstGeom prst="line">
+            <a:avLst/>
+          </a:prstGeom>
+          <a:ln w="19050">
+            <a:solidFill>
+              <a:schemeClr val="tx1"/>
+            </a:solidFill>
+          </a:ln>
+        </p:spPr>
+        <p:style>
+          <a:lnRef idx="1">
+            <a:schemeClr val="accent1"/>
+          </a:lnRef>
+          <a:fillRef idx="0">
+            <a:schemeClr val="accent1"/>
+          </a:fillRef>
+          <a:effectRef idx="0">
+            <a:schemeClr val="accent1"/>
+          </a:effectRef>
+          <a:fontRef idx="minor">
+            <a:schemeClr val="tx1"/>
+          </a:fontRef>
+        </p:style>
+      </p:cxnSp>
+      <p:cxnSp>
+        <p:nvCxnSpPr>
+          <p:cNvPr id="14" name="Gerader Verbinder 13">
+            <a:extLst>
+              <a:ext uri="{FF2B5EF4-FFF2-40B4-BE49-F238E27FC236}">
+                <a16:creationId xmlns:a16="http://schemas.microsoft.com/office/drawing/2014/main" id="{F0AA237F-08F2-4BC7-9E3F-FFFAC1A75F7E}"/>
+              </a:ext>
+            </a:extLst>
+          </p:cNvPr>
+          <p:cNvCxnSpPr/>
+          <p:nvPr/>
+        </p:nvCxnSpPr>
+        <p:spPr>
+          <a:xfrm>
+            <a:off x="10422007" y="4530486"/>
+            <a:ext cx="298823" cy="0"/>
+          </a:xfrm>
+          <a:prstGeom prst="line">
+            <a:avLst/>
+          </a:prstGeom>
+          <a:ln w="19050">
+            <a:solidFill>
+              <a:schemeClr val="tx1"/>
+            </a:solidFill>
+          </a:ln>
+        </p:spPr>
+        <p:style>
+          <a:lnRef idx="1">
+            <a:schemeClr val="accent1"/>
+          </a:lnRef>
+          <a:fillRef idx="0">
+            <a:schemeClr val="accent1"/>
+          </a:fillRef>
+          <a:effectRef idx="0">
+            <a:schemeClr val="accent1"/>
+          </a:effectRef>
+          <a:fontRef idx="minor">
+            <a:schemeClr val="tx1"/>
+          </a:fontRef>
+        </p:style>
+      </p:cxnSp>
     </p:spTree>
     <p:extLst>
       <p:ext uri="{BB962C8B-B14F-4D97-AF65-F5344CB8AC3E}">
@@ -8677,7 +8963,7 @@
         </p:nvGrpSpPr>
         <p:grpSpPr>
           <a:xfrm>
-            <a:off x="6322170" y="1745925"/>
+            <a:off x="6366206" y="1745925"/>
             <a:ext cx="5825794" cy="4610385"/>
             <a:chOff x="6271403" y="1512156"/>
             <a:chExt cx="5923519" cy="4634755"/>
@@ -8949,6 +9235,199 @@
               <a:extLst>
                 <a:ext uri="{FF2B5EF4-FFF2-40B4-BE49-F238E27FC236}">
                   <a16:creationId xmlns:a16="http://schemas.microsoft.com/office/drawing/2014/main" id="{7E1BA802-D3C1-4E1E-BDB8-BEA812406C69}"/>
+                </a:ext>
+              </a:extLst>
+            </p:cNvPr>
+            <p:cNvSpPr txBox="1"/>
+            <p:nvPr/>
+          </p:nvSpPr>
+          <p:spPr>
+            <a:xfrm rot="16200000">
+              <a:off x="-1447410" y="3677403"/>
+              <a:ext cx="3521342" cy="492443"/>
+            </a:xfrm>
+            <a:prstGeom prst="rect">
+              <a:avLst/>
+            </a:prstGeom>
+            <a:noFill/>
+          </p:spPr>
+          <p:txBody>
+            <a:bodyPr wrap="square" rtlCol="0">
+              <a:spAutoFit/>
+            </a:bodyPr>
+            <a:lstStyle/>
+            <a:p>
+              <a:pPr algn="ctr"/>
+              <a:r>
+                <a:rPr lang="es-ES" sz="1300" dirty="0"/>
+                <a:t>Magnitude</a:t>
+              </a:r>
+            </a:p>
+            <a:p>
+              <a:r>
+                <a:rPr lang="es-ES" sz="1300" dirty="0"/>
+                <a:t>3           4            5            6             7           8            9</a:t>
+              </a:r>
+            </a:p>
+          </p:txBody>
+        </p:sp>
+      </p:grpSp>
+      <p:grpSp>
+        <p:nvGrpSpPr>
+          <p:cNvPr id="27" name="Gruppieren 26">
+            <a:extLst>
+              <a:ext uri="{FF2B5EF4-FFF2-40B4-BE49-F238E27FC236}">
+                <a16:creationId xmlns:a16="http://schemas.microsoft.com/office/drawing/2014/main" id="{67EB5C5D-0CA2-457B-BA3D-F58F2DAED561}"/>
+              </a:ext>
+            </a:extLst>
+          </p:cNvPr>
+          <p:cNvGrpSpPr/>
+          <p:nvPr/>
+        </p:nvGrpSpPr>
+        <p:grpSpPr>
+          <a:xfrm>
+            <a:off x="67039" y="1739908"/>
+            <a:ext cx="6302216" cy="4616402"/>
+            <a:chOff x="67039" y="1739908"/>
+            <a:chExt cx="6302216" cy="4616402"/>
+          </a:xfrm>
+        </p:grpSpPr>
+        <p:grpSp>
+          <p:nvGrpSpPr>
+            <p:cNvPr id="28" name="Gruppieren 27">
+              <a:extLst>
+                <a:ext uri="{FF2B5EF4-FFF2-40B4-BE49-F238E27FC236}">
+                  <a16:creationId xmlns:a16="http://schemas.microsoft.com/office/drawing/2014/main" id="{EB1D9EB7-5D2F-44C6-8A0C-59CDB5850D97}"/>
+                </a:ext>
+              </a:extLst>
+            </p:cNvPr>
+            <p:cNvGrpSpPr/>
+            <p:nvPr/>
+          </p:nvGrpSpPr>
+          <p:grpSpPr>
+            <a:xfrm>
+              <a:off x="500373" y="1739908"/>
+              <a:ext cx="5868882" cy="4616402"/>
+              <a:chOff x="283672" y="1468992"/>
+              <a:chExt cx="6023237" cy="4675893"/>
+            </a:xfrm>
+          </p:grpSpPr>
+          <p:pic>
+            <p:nvPicPr>
+              <p:cNvPr id="30" name="Grafik 29">
+                <a:extLst>
+                  <a:ext uri="{FF2B5EF4-FFF2-40B4-BE49-F238E27FC236}">
+                    <a16:creationId xmlns:a16="http://schemas.microsoft.com/office/drawing/2014/main" id="{492FE359-FBE0-40B6-A496-F00C9CCE9BE9}"/>
+                  </a:ext>
+                </a:extLst>
+              </p:cNvPr>
+              <p:cNvPicPr>
+                <a:picLocks noChangeAspect="1"/>
+              </p:cNvPicPr>
+              <p:nvPr/>
+            </p:nvPicPr>
+            <p:blipFill rotWithShape="1">
+              <a:blip r:embed="rId3">
+                <a:extLst>
+                  <a:ext uri="{28A0092B-C50C-407E-A947-70E740481C1C}">
+                    <a14:useLocalDpi xmlns:a14="http://schemas.microsoft.com/office/drawing/2010/main" val="0"/>
+                  </a:ext>
+                </a:extLst>
+              </a:blip>
+              <a:srcRect l="4691" b="8395"/>
+              <a:stretch/>
+            </p:blipFill>
+            <p:spPr>
+              <a:xfrm>
+                <a:off x="283672" y="1827982"/>
+                <a:ext cx="6023237" cy="4040016"/>
+              </a:xfrm>
+              <a:prstGeom prst="rect">
+                <a:avLst/>
+              </a:prstGeom>
+            </p:spPr>
+          </p:pic>
+          <p:sp>
+            <p:nvSpPr>
+              <p:cNvPr id="31" name="Textfeld 30">
+                <a:extLst>
+                  <a:ext uri="{FF2B5EF4-FFF2-40B4-BE49-F238E27FC236}">
+                    <a16:creationId xmlns:a16="http://schemas.microsoft.com/office/drawing/2014/main" id="{B1D14725-35C0-4616-A903-D9B6235DD940}"/>
+                  </a:ext>
+                </a:extLst>
+              </p:cNvPr>
+              <p:cNvSpPr txBox="1"/>
+              <p:nvPr/>
+            </p:nvSpPr>
+            <p:spPr>
+              <a:xfrm>
+                <a:off x="283672" y="1468992"/>
+                <a:ext cx="1012166" cy="400110"/>
+              </a:xfrm>
+              <a:prstGeom prst="rect">
+                <a:avLst/>
+              </a:prstGeom>
+              <a:noFill/>
+            </p:spPr>
+            <p:txBody>
+              <a:bodyPr wrap="square" rtlCol="0">
+                <a:spAutoFit/>
+              </a:bodyPr>
+              <a:lstStyle/>
+              <a:p>
+                <a:r>
+                  <a:rPr lang="es-ES" sz="2000" dirty="0"/>
+                  <a:t>Japan</a:t>
+                </a:r>
+                <a:r>
+                  <a:rPr lang="es-ES" dirty="0"/>
+                  <a:t> </a:t>
+                </a:r>
+              </a:p>
+            </p:txBody>
+          </p:sp>
+          <p:sp>
+            <p:nvSpPr>
+              <p:cNvPr id="32" name="Textfeld 31">
+                <a:extLst>
+                  <a:ext uri="{FF2B5EF4-FFF2-40B4-BE49-F238E27FC236}">
+                    <a16:creationId xmlns:a16="http://schemas.microsoft.com/office/drawing/2014/main" id="{1E284C71-6B4C-45D7-830E-6B96E0535049}"/>
+                  </a:ext>
+                </a:extLst>
+              </p:cNvPr>
+              <p:cNvSpPr txBox="1"/>
+              <p:nvPr/>
+            </p:nvSpPr>
+            <p:spPr>
+              <a:xfrm>
+                <a:off x="1025798" y="5850507"/>
+                <a:ext cx="4612020" cy="294378"/>
+              </a:xfrm>
+              <a:prstGeom prst="rect">
+                <a:avLst/>
+              </a:prstGeom>
+              <a:noFill/>
+            </p:spPr>
+            <p:txBody>
+              <a:bodyPr wrap="square" rtlCol="0">
+                <a:spAutoFit/>
+              </a:bodyPr>
+              <a:lstStyle/>
+              <a:p>
+                <a:r>
+                  <a:rPr lang="es-ES" sz="1300" dirty="0"/>
+                  <a:t>Triggernde Magnitude 	 	Getriggerte Magnitude</a:t>
+                </a:r>
+              </a:p>
+            </p:txBody>
+          </p:sp>
+        </p:grpSp>
+        <p:sp>
+          <p:nvSpPr>
+            <p:cNvPr id="29" name="Textfeld 28">
+              <a:extLst>
+                <a:ext uri="{FF2B5EF4-FFF2-40B4-BE49-F238E27FC236}">
+                  <a16:creationId xmlns:a16="http://schemas.microsoft.com/office/drawing/2014/main" id="{A7C4C16F-D714-41D0-9F93-17953ABBB372}"/>
                 </a:ext>
               </a:extLst>
             </p:cNvPr>
@@ -9169,7 +9648,7 @@
                                           </p:stCondLst>
                                         </p:cTn>
                                         <p:tgtEl>
-                                          <p:spTgt spid="10"/>
+                                          <p:spTgt spid="27"/>
                                         </p:tgtEl>
                                         <p:attrNameLst>
                                           <p:attrName>style.visibility</p:attrName>
@@ -9790,377 +10269,82 @@
           </a:p>
         </p:txBody>
       </p:sp>
-      <mc:AlternateContent xmlns:mc="http://schemas.openxmlformats.org/markup-compatibility/2006">
-        <mc:Choice xmlns:a14="http://schemas.microsoft.com/office/drawing/2010/main" Requires="a14">
-          <p:sp>
-            <p:nvSpPr>
-              <p:cNvPr id="10" name="Textfeld 9">
-                <a:extLst>
-                  <a:ext uri="{FF2B5EF4-FFF2-40B4-BE49-F238E27FC236}">
-                    <a16:creationId xmlns:a16="http://schemas.microsoft.com/office/drawing/2014/main" id="{55F3EFFC-3151-47F0-9B8C-6014F1BA85C7}"/>
-                  </a:ext>
-                </a:extLst>
-              </p:cNvPr>
-              <p:cNvSpPr txBox="1"/>
-              <p:nvPr/>
-            </p:nvSpPr>
-            <p:spPr>
-              <a:xfrm>
-                <a:off x="569008" y="2198831"/>
-                <a:ext cx="11053984" cy="3636188"/>
-              </a:xfrm>
-              <a:prstGeom prst="rect">
-                <a:avLst/>
-              </a:prstGeom>
-              <a:noFill/>
-            </p:spPr>
-            <p:txBody>
-              <a:bodyPr wrap="square">
-                <a:spAutoFit/>
-              </a:bodyPr>
-              <a:lstStyle/>
-              <a:p>
-                <a:pPr marL="342900" indent="-342900">
-                  <a:lnSpc>
-                    <a:spcPct val="120000"/>
-                  </a:lnSpc>
-                  <a:buFont typeface="Arial" panose="020B0604020202020204" pitchFamily="34" charset="0"/>
-                  <a:buChar char="•"/>
-                </a:pPr>
-                <a:r>
-                  <a:rPr lang="de-DE" sz="2000" dirty="0"/>
-                  <a:t>Semiparametrische Regression: </a:t>
-                </a:r>
-              </a:p>
-              <a:p>
-                <a:pPr marL="800100" lvl="1" indent="-342900">
-                  <a:lnSpc>
-                    <a:spcPct val="120000"/>
-                  </a:lnSpc>
-                  <a:buFont typeface="Arial" panose="020B0604020202020204" pitchFamily="34" charset="0"/>
-                  <a:buChar char="•"/>
-                </a:pPr>
-                <a:r>
-                  <a:rPr lang="de-DE" sz="2000" dirty="0"/>
-                  <a:t>Nicht parametrisch: nicht zwingend parametrische </a:t>
-                </a:r>
-                <a:r>
-                  <a:rPr lang="de-DE" sz="2000" dirty="0" err="1"/>
-                  <a:t>Smoothingfunktion</a:t>
-                </a:r>
-                <a:r>
-                  <a:rPr lang="de-DE" sz="2000" dirty="0"/>
-                  <a:t> der erklärenden Variablen</a:t>
-                </a:r>
-              </a:p>
-              <a:p>
-                <a:pPr marL="800100" lvl="1" indent="-342900">
-                  <a:lnSpc>
-                    <a:spcPct val="120000"/>
-                  </a:lnSpc>
-                  <a:buFont typeface="Arial" panose="020B0604020202020204" pitchFamily="34" charset="0"/>
-                  <a:buChar char="•"/>
-                </a:pPr>
-                <a:r>
-                  <a:rPr lang="de-DE" sz="2000" dirty="0"/>
-                  <a:t>Parametrisch: braucht parametrische Verteilungsannahme für die Zielvariable</a:t>
-                </a:r>
-              </a:p>
-              <a:p>
-                <a:pPr marL="342900" indent="-342900">
-                  <a:lnSpc>
-                    <a:spcPct val="120000"/>
-                  </a:lnSpc>
-                  <a:buFont typeface="Arial" panose="020B0604020202020204" pitchFamily="34" charset="0"/>
-                  <a:buChar char="•"/>
-                </a:pPr>
-                <a:r>
-                  <a:rPr lang="de-DE" sz="2000" dirty="0"/>
-                  <a:t>Modellierung von Lage-, Skalen- und Formparameter </a:t>
-                </a:r>
-              </a:p>
-              <a:p>
-                <a:pPr marL="800100" lvl="1" indent="-342900">
-                  <a:lnSpc>
-                    <a:spcPct val="120000"/>
-                  </a:lnSpc>
-                  <a:buFont typeface="Arial" panose="020B0604020202020204" pitchFamily="34" charset="0"/>
-                  <a:buChar char="•"/>
-                </a:pPr>
-                <a:r>
-                  <a:rPr lang="de-DE" sz="2000" dirty="0"/>
-                  <a:t>variiert je nach Verteilungsannahme</a:t>
-                </a:r>
-              </a:p>
-              <a:p>
-                <a:pPr marL="342900" indent="-342900">
-                  <a:lnSpc>
-                    <a:spcPct val="120000"/>
-                  </a:lnSpc>
-                  <a:buFont typeface="Arial" panose="020B0604020202020204" pitchFamily="34" charset="0"/>
-                  <a:buChar char="•"/>
-                </a:pPr>
-                <a:r>
-                  <a:rPr lang="de-DE" sz="2000" dirty="0"/>
-                  <a:t>Flexible Modellierung der Zielvariable</a:t>
-                </a:r>
-              </a:p>
-              <a:p>
-                <a:pPr marL="342900" indent="-342900">
-                  <a:spcAft>
-                    <a:spcPts val="1800"/>
-                  </a:spcAft>
-                  <a:buFont typeface="Arial" panose="020B0604020202020204" pitchFamily="34" charset="0"/>
-                  <a:buChar char="•"/>
-                </a:pPr>
-                <a:r>
-                  <a:rPr lang="de-DE" sz="2000" dirty="0"/>
-                  <a:t>Unabhängige Y</a:t>
-                </a:r>
-                <a:r>
-                  <a:rPr lang="de-DE" sz="2000" baseline="-25000" dirty="0"/>
-                  <a:t>i</a:t>
-                </a:r>
-                <a:r>
-                  <a:rPr lang="de-DE" sz="2000" dirty="0"/>
-                  <a:t> mit bedingter Dichte </a:t>
-                </a:r>
-                <a:r>
-                  <a:rPr lang="de-DE" sz="2000" dirty="0" err="1"/>
-                  <a:t>f</a:t>
-                </a:r>
-                <a:r>
-                  <a:rPr lang="de-DE" sz="2000" baseline="-25000" dirty="0" err="1"/>
-                  <a:t>y</a:t>
-                </a:r>
-                <a:r>
-                  <a:rPr lang="de-DE" sz="2000" dirty="0"/>
-                  <a:t>(</a:t>
-                </a:r>
-                <a:r>
-                  <a:rPr lang="de-DE" sz="2000" dirty="0" err="1"/>
-                  <a:t>y</a:t>
-                </a:r>
-                <a:r>
-                  <a:rPr lang="de-DE" sz="2000" baseline="-25000" dirty="0" err="1"/>
-                  <a:t>i</a:t>
-                </a:r>
-                <a:r>
-                  <a:rPr lang="de-DE" sz="2000" dirty="0"/>
-                  <a:t> ǀ </a:t>
-                </a:r>
-                <a:r>
-                  <a:rPr lang="el-GR" sz="2000" dirty="0"/>
-                  <a:t>μ</a:t>
-                </a:r>
-                <a:r>
-                  <a:rPr lang="de-DE" sz="2000" baseline="-25000" dirty="0"/>
-                  <a:t>i ,</a:t>
-                </a:r>
-                <a:r>
-                  <a:rPr lang="de-DE" sz="2000" dirty="0"/>
-                  <a:t> </a:t>
-                </a:r>
-                <a:r>
-                  <a:rPr lang="el-GR" sz="2000" dirty="0"/>
-                  <a:t>σ</a:t>
-                </a:r>
-                <a:r>
-                  <a:rPr lang="de-DE" sz="2000" baseline="-25000" dirty="0"/>
-                  <a:t>i , </a:t>
-                </a:r>
-                <a:r>
-                  <a:rPr lang="el-GR" sz="2000" dirty="0"/>
-                  <a:t>ν</a:t>
-                </a:r>
-                <a:r>
-                  <a:rPr lang="de-DE" sz="2000" baseline="-25000" dirty="0"/>
-                  <a:t>i , </a:t>
-                </a:r>
-                <a:r>
-                  <a:rPr lang="el-GR" sz="2000" dirty="0"/>
-                  <a:t>τ</a:t>
-                </a:r>
-                <a:r>
-                  <a:rPr lang="de-DE" sz="2000" baseline="-25000" dirty="0"/>
-                  <a:t>i </a:t>
-                </a:r>
-                <a:r>
-                  <a:rPr lang="de-DE" sz="2000" dirty="0"/>
-                  <a:t>)</a:t>
-                </a:r>
-              </a:p>
-              <a:p>
-                <a:pPr marL="342900" indent="-342900">
-                  <a:buFont typeface="Arial" panose="020B0604020202020204" pitchFamily="34" charset="0"/>
-                  <a:buChar char="•"/>
-                </a:pPr>
-                <a:r>
-                  <a:rPr lang="de-DE" sz="2000" dirty="0"/>
-                  <a:t>Theoretische Modellgleichung:          </a:t>
-                </a:r>
-                <a:r>
-                  <a:rPr lang="el-GR" sz="2000" dirty="0"/>
-                  <a:t>μ</a:t>
-                </a:r>
-                <a:r>
-                  <a:rPr lang="de-DE" sz="2000" baseline="-25000" dirty="0"/>
-                  <a:t>i</a:t>
-                </a:r>
-                <a:r>
-                  <a:rPr lang="de-DE" sz="2000" dirty="0"/>
-                  <a:t> = </a:t>
-                </a:r>
-                <a:r>
-                  <a:rPr lang="el-GR" sz="2000" dirty="0"/>
-                  <a:t>β</a:t>
-                </a:r>
-                <a:r>
-                  <a:rPr lang="de-DE" sz="2000" baseline="-25000" dirty="0"/>
-                  <a:t>0</a:t>
-                </a:r>
-                <a:r>
-                  <a:rPr lang="de-DE" sz="2000" dirty="0"/>
-                  <a:t> +</a:t>
-                </a:r>
-                <a14:m>
-                  <m:oMath xmlns:m="http://schemas.openxmlformats.org/officeDocument/2006/math">
-                    <m:nary>
-                      <m:naryPr>
-                        <m:chr m:val="∑"/>
-                        <m:limLoc m:val="undOvr"/>
-                        <m:grow m:val="on"/>
-                        <m:ctrlPr>
-                          <a:rPr lang="de-DE" sz="2000" i="1" smtClean="0">
-                            <a:latin typeface="Cambria Math" panose="02040503050406030204" pitchFamily="18" charset="0"/>
-                          </a:rPr>
-                        </m:ctrlPr>
-                      </m:naryPr>
-                      <m:sub>
-                        <m:r>
-                          <a:rPr lang="de-DE" sz="2000" i="1" smtClean="0">
-                            <a:latin typeface="Cambria Math" panose="02040503050406030204" pitchFamily="18" charset="0"/>
-                          </a:rPr>
-                          <m:t>𝑘</m:t>
-                        </m:r>
-                        <m:r>
-                          <a:rPr lang="de-DE" sz="2000" i="0" smtClean="0">
-                            <a:latin typeface="Cambria Math" panose="02040503050406030204" pitchFamily="18" charset="0"/>
-                          </a:rPr>
-                          <m:t>=1</m:t>
-                        </m:r>
-                      </m:sub>
-                      <m:sup>
-                        <m:r>
-                          <a:rPr lang="de-DE" sz="2000" i="1" smtClean="0">
-                            <a:latin typeface="Cambria Math" panose="02040503050406030204" pitchFamily="18" charset="0"/>
-                          </a:rPr>
-                          <m:t>𝑝</m:t>
-                        </m:r>
-                      </m:sup>
-                      <m:e>
-                        <m:r>
-                          <a:rPr lang="de-DE" sz="2000" b="0" i="1" smtClean="0">
-                            <a:latin typeface="Cambria Math" panose="02040503050406030204" pitchFamily="18" charset="0"/>
-                          </a:rPr>
-                          <m:t>𝑓</m:t>
-                        </m:r>
-                        <m:r>
-                          <a:rPr lang="de-DE" sz="2000" b="0" i="1" baseline="-25000" smtClean="0">
-                            <a:latin typeface="Cambria Math" panose="02040503050406030204" pitchFamily="18" charset="0"/>
-                          </a:rPr>
-                          <m:t>𝑘</m:t>
-                        </m:r>
-                        <m:r>
-                          <a:rPr lang="de-DE" sz="2000" b="0" i="1" smtClean="0">
-                            <a:latin typeface="Cambria Math" panose="02040503050406030204" pitchFamily="18" charset="0"/>
-                          </a:rPr>
-                          <m:t>(</m:t>
-                        </m:r>
-                        <m:r>
-                          <a:rPr lang="de-DE" sz="2000" b="0" i="1" smtClean="0">
-                            <a:latin typeface="Cambria Math" panose="02040503050406030204" pitchFamily="18" charset="0"/>
-                          </a:rPr>
-                          <m:t>𝑥𝑘</m:t>
-                        </m:r>
-                        <m:r>
-                          <a:rPr lang="de-DE" sz="2000" b="0" i="1" baseline="-25000" smtClean="0">
-                            <a:latin typeface="Cambria Math" panose="02040503050406030204" pitchFamily="18" charset="0"/>
-                          </a:rPr>
-                          <m:t>𝑖</m:t>
-                        </m:r>
-                        <m:r>
-                          <a:rPr lang="de-DE" sz="2000" b="0" i="1" smtClean="0">
-                            <a:latin typeface="Cambria Math" panose="02040503050406030204" pitchFamily="18" charset="0"/>
-                          </a:rPr>
-                          <m:t>)</m:t>
-                        </m:r>
-                      </m:e>
-                    </m:nary>
-                  </m:oMath>
-                </a14:m>
-                <a:r>
-                  <a:rPr lang="de-DE" sz="2000" dirty="0"/>
-                  <a:t>      für i = 1, ... , n     Beobachtungen</a:t>
-                </a:r>
-              </a:p>
-              <a:p>
-                <a:pPr marL="0" indent="0">
-                  <a:buNone/>
-                </a:pPr>
-                <a:r>
-                  <a:rPr lang="de-DE" sz="2000" dirty="0"/>
-                  <a:t>						                     für k = 1, … , p     Einflussvariablen</a:t>
-                </a:r>
-              </a:p>
-            </p:txBody>
-          </p:sp>
-        </mc:Choice>
-        <mc:Fallback>
-          <p:sp>
-            <p:nvSpPr>
-              <p:cNvPr id="10" name="Textfeld 9">
-                <a:extLst>
-                  <a:ext uri="{FF2B5EF4-FFF2-40B4-BE49-F238E27FC236}">
-                    <a16:creationId xmlns:a16="http://schemas.microsoft.com/office/drawing/2014/main" id="{55F3EFFC-3151-47F0-9B8C-6014F1BA85C7}"/>
-                  </a:ext>
-                </a:extLst>
-              </p:cNvPr>
-              <p:cNvSpPr txBox="1">
-                <a:spLocks noRot="1" noChangeAspect="1" noMove="1" noResize="1" noEditPoints="1" noAdjustHandles="1" noChangeArrowheads="1" noChangeShapeType="1" noTextEdit="1"/>
-              </p:cNvSpPr>
-              <p:nvPr/>
-            </p:nvSpPr>
-            <p:spPr>
-              <a:xfrm>
-                <a:off x="569008" y="2198831"/>
-                <a:ext cx="11053984" cy="3636188"/>
-              </a:xfrm>
-              <a:prstGeom prst="rect">
-                <a:avLst/>
-              </a:prstGeom>
-              <a:blipFill>
-                <a:blip r:embed="rId2"/>
-                <a:stretch>
-                  <a:fillRect l="-496" b="-14430"/>
-                </a:stretch>
-              </a:blipFill>
-            </p:spPr>
-            <p:txBody>
-              <a:bodyPr/>
-              <a:lstStyle/>
-              <a:p>
-                <a:r>
-                  <a:rPr lang="es-ES">
-                    <a:noFill/>
-                  </a:rPr>
-                  <a:t> </a:t>
-                </a:r>
-              </a:p>
-            </p:txBody>
-          </p:sp>
-        </mc:Fallback>
-      </mc:AlternateContent>
+      <p:sp>
+        <p:nvSpPr>
+          <p:cNvPr id="10" name="Textfeld 9">
+            <a:extLst>
+              <a:ext uri="{FF2B5EF4-FFF2-40B4-BE49-F238E27FC236}">
+                <a16:creationId xmlns:a16="http://schemas.microsoft.com/office/drawing/2014/main" id="{55F3EFFC-3151-47F0-9B8C-6014F1BA85C7}"/>
+              </a:ext>
+            </a:extLst>
+          </p:cNvPr>
+          <p:cNvSpPr txBox="1"/>
+          <p:nvPr/>
+        </p:nvSpPr>
+        <p:spPr>
+          <a:xfrm>
+            <a:off x="569008" y="2198831"/>
+            <a:ext cx="11053984" cy="1175706"/>
+          </a:xfrm>
+          <a:prstGeom prst="rect">
+            <a:avLst/>
+          </a:prstGeom>
+          <a:noFill/>
+        </p:spPr>
+        <p:txBody>
+          <a:bodyPr wrap="square">
+            <a:spAutoFit/>
+          </a:bodyPr>
+          <a:lstStyle/>
+          <a:p>
+            <a:pPr marL="342900" indent="-342900">
+              <a:lnSpc>
+                <a:spcPct val="120000"/>
+              </a:lnSpc>
+              <a:buFont typeface="Arial" panose="020B0604020202020204" pitchFamily="34" charset="0"/>
+              <a:buChar char="•"/>
+            </a:pPr>
+            <a:r>
+              <a:rPr lang="de-DE" sz="2000" dirty="0"/>
+              <a:t>Semiparametrische Regression: </a:t>
+            </a:r>
+          </a:p>
+          <a:p>
+            <a:pPr marL="800100" lvl="1" indent="-342900">
+              <a:lnSpc>
+                <a:spcPct val="120000"/>
+              </a:lnSpc>
+              <a:buFont typeface="Arial" panose="020B0604020202020204" pitchFamily="34" charset="0"/>
+              <a:buChar char="•"/>
+            </a:pPr>
+            <a:r>
+              <a:rPr lang="de-DE" sz="2000" dirty="0"/>
+              <a:t>Nicht parametrisch: nicht zwingend parametrische </a:t>
+            </a:r>
+            <a:r>
+              <a:rPr lang="de-DE" sz="2000" dirty="0" err="1"/>
+              <a:t>Smoothingfunktion</a:t>
+            </a:r>
+            <a:r>
+              <a:rPr lang="de-DE" sz="2000" dirty="0"/>
+              <a:t> der erklärenden Variablen</a:t>
+            </a:r>
+          </a:p>
+          <a:p>
+            <a:pPr marL="800100" lvl="1" indent="-342900">
+              <a:lnSpc>
+                <a:spcPct val="120000"/>
+              </a:lnSpc>
+              <a:buFont typeface="Arial" panose="020B0604020202020204" pitchFamily="34" charset="0"/>
+              <a:buChar char="•"/>
+            </a:pPr>
+            <a:r>
+              <a:rPr lang="de-DE" sz="2000" dirty="0"/>
+              <a:t>Parametrisch: braucht parametrische Verteilungsannahme für die Zielvariable</a:t>
+            </a:r>
+          </a:p>
+        </p:txBody>
+      </p:sp>
       <p:sp>
         <p:nvSpPr>
           <p:cNvPr id="14" name="Titel 26">
@@ -10219,6 +10403,922 @@
           </a:p>
         </p:txBody>
       </p:sp>
+      <mc:AlternateContent xmlns:mc="http://schemas.openxmlformats.org/markup-compatibility/2006" xmlns:a14="http://schemas.microsoft.com/office/drawing/2010/main">
+        <mc:Choice Requires="a14">
+          <p:sp>
+            <p:nvSpPr>
+              <p:cNvPr id="11" name="Textfeld 10">
+                <a:extLst>
+                  <a:ext uri="{FF2B5EF4-FFF2-40B4-BE49-F238E27FC236}">
+                    <a16:creationId xmlns:a16="http://schemas.microsoft.com/office/drawing/2014/main" id="{32781E49-AC39-4EBE-820D-B6BDF2BB5556}"/>
+                  </a:ext>
+                </a:extLst>
+              </p:cNvPr>
+              <p:cNvSpPr txBox="1"/>
+              <p:nvPr/>
+            </p:nvSpPr>
+            <p:spPr>
+              <a:xfrm>
+                <a:off x="569007" y="4614470"/>
+                <a:ext cx="10654552" cy="1343253"/>
+              </a:xfrm>
+              <a:prstGeom prst="rect">
+                <a:avLst/>
+              </a:prstGeom>
+              <a:noFill/>
+            </p:spPr>
+            <p:txBody>
+              <a:bodyPr wrap="square">
+                <a:spAutoFit/>
+              </a:bodyPr>
+              <a:lstStyle/>
+              <a:p>
+                <a:pPr marL="342900" marR="0" lvl="0" indent="-342900" algn="l" defTabSz="914400" rtl="0" eaLnBrk="1" fontAlgn="auto" latinLnBrk="0" hangingPunct="1">
+                  <a:lnSpc>
+                    <a:spcPct val="100000"/>
+                  </a:lnSpc>
+                  <a:spcBef>
+                    <a:spcPts val="0"/>
+                  </a:spcBef>
+                  <a:spcAft>
+                    <a:spcPts val="1800"/>
+                  </a:spcAft>
+                  <a:buClrTx/>
+                  <a:buSzTx/>
+                  <a:buFont typeface="Arial" panose="020B0604020202020204" pitchFamily="34" charset="0"/>
+                  <a:buChar char="•"/>
+                  <a:tabLst/>
+                  <a:defRPr/>
+                </a:pPr>
+                <a:r>
+                  <a:rPr kumimoji="0" lang="de-DE" sz="2000" b="0" i="0" u="none" strike="noStrike" kern="1200" cap="none" spc="0" normalizeH="0" baseline="0" noProof="0" dirty="0">
+                    <a:ln>
+                      <a:noFill/>
+                    </a:ln>
+                    <a:solidFill>
+                      <a:prstClr val="black"/>
+                    </a:solidFill>
+                    <a:effectLst/>
+                    <a:uLnTx/>
+                    <a:uFillTx/>
+                    <a:latin typeface="Calibri" panose="020F0502020204030204"/>
+                    <a:ea typeface="+mn-ea"/>
+                    <a:cs typeface="+mn-cs"/>
+                  </a:rPr>
+                  <a:t>Unabhängige Y</a:t>
+                </a:r>
+                <a:r>
+                  <a:rPr kumimoji="0" lang="de-DE" sz="2000" b="0" i="0" u="none" strike="noStrike" kern="1200" cap="none" spc="0" normalizeH="0" baseline="-25000" noProof="0" dirty="0">
+                    <a:ln>
+                      <a:noFill/>
+                    </a:ln>
+                    <a:solidFill>
+                      <a:prstClr val="black"/>
+                    </a:solidFill>
+                    <a:effectLst/>
+                    <a:uLnTx/>
+                    <a:uFillTx/>
+                    <a:latin typeface="Calibri" panose="020F0502020204030204"/>
+                    <a:ea typeface="+mn-ea"/>
+                    <a:cs typeface="+mn-cs"/>
+                  </a:rPr>
+                  <a:t>i</a:t>
+                </a:r>
+                <a:r>
+                  <a:rPr kumimoji="0" lang="de-DE" sz="2000" b="0" i="0" u="none" strike="noStrike" kern="1200" cap="none" spc="0" normalizeH="0" baseline="0" noProof="0" dirty="0">
+                    <a:ln>
+                      <a:noFill/>
+                    </a:ln>
+                    <a:solidFill>
+                      <a:prstClr val="black"/>
+                    </a:solidFill>
+                    <a:effectLst/>
+                    <a:uLnTx/>
+                    <a:uFillTx/>
+                    <a:latin typeface="Calibri" panose="020F0502020204030204"/>
+                    <a:ea typeface="+mn-ea"/>
+                    <a:cs typeface="+mn-cs"/>
+                  </a:rPr>
+                  <a:t> mit bedingter Dichte </a:t>
+                </a:r>
+                <a:r>
+                  <a:rPr kumimoji="0" lang="de-DE" sz="2000" b="0" i="0" u="none" strike="noStrike" kern="1200" cap="none" spc="0" normalizeH="0" baseline="0" noProof="0" dirty="0" err="1">
+                    <a:ln>
+                      <a:noFill/>
+                    </a:ln>
+                    <a:solidFill>
+                      <a:prstClr val="black"/>
+                    </a:solidFill>
+                    <a:effectLst/>
+                    <a:uLnTx/>
+                    <a:uFillTx/>
+                    <a:latin typeface="Calibri" panose="020F0502020204030204"/>
+                    <a:ea typeface="+mn-ea"/>
+                    <a:cs typeface="+mn-cs"/>
+                  </a:rPr>
+                  <a:t>f</a:t>
+                </a:r>
+                <a:r>
+                  <a:rPr kumimoji="0" lang="de-DE" sz="2000" b="0" i="0" u="none" strike="noStrike" kern="1200" cap="none" spc="0" normalizeH="0" baseline="-25000" noProof="0" dirty="0" err="1">
+                    <a:ln>
+                      <a:noFill/>
+                    </a:ln>
+                    <a:solidFill>
+                      <a:prstClr val="black"/>
+                    </a:solidFill>
+                    <a:effectLst/>
+                    <a:uLnTx/>
+                    <a:uFillTx/>
+                    <a:latin typeface="Calibri" panose="020F0502020204030204"/>
+                    <a:ea typeface="+mn-ea"/>
+                    <a:cs typeface="+mn-cs"/>
+                  </a:rPr>
+                  <a:t>y</a:t>
+                </a:r>
+                <a:r>
+                  <a:rPr kumimoji="0" lang="de-DE" sz="2000" b="0" i="0" u="none" strike="noStrike" kern="1200" cap="none" spc="0" normalizeH="0" baseline="0" noProof="0" dirty="0">
+                    <a:ln>
+                      <a:noFill/>
+                    </a:ln>
+                    <a:solidFill>
+                      <a:prstClr val="black"/>
+                    </a:solidFill>
+                    <a:effectLst/>
+                    <a:uLnTx/>
+                    <a:uFillTx/>
+                    <a:latin typeface="Calibri" panose="020F0502020204030204"/>
+                    <a:ea typeface="+mn-ea"/>
+                    <a:cs typeface="+mn-cs"/>
+                  </a:rPr>
+                  <a:t>(</a:t>
+                </a:r>
+                <a:r>
+                  <a:rPr kumimoji="0" lang="de-DE" sz="2000" b="0" i="0" u="none" strike="noStrike" kern="1200" cap="none" spc="0" normalizeH="0" baseline="0" noProof="0" dirty="0" err="1">
+                    <a:ln>
+                      <a:noFill/>
+                    </a:ln>
+                    <a:solidFill>
+                      <a:prstClr val="black"/>
+                    </a:solidFill>
+                    <a:effectLst/>
+                    <a:uLnTx/>
+                    <a:uFillTx/>
+                    <a:latin typeface="Calibri" panose="020F0502020204030204"/>
+                    <a:ea typeface="+mn-ea"/>
+                    <a:cs typeface="+mn-cs"/>
+                  </a:rPr>
+                  <a:t>y</a:t>
+                </a:r>
+                <a:r>
+                  <a:rPr kumimoji="0" lang="de-DE" sz="2000" b="0" i="0" u="none" strike="noStrike" kern="1200" cap="none" spc="0" normalizeH="0" baseline="-25000" noProof="0" dirty="0" err="1">
+                    <a:ln>
+                      <a:noFill/>
+                    </a:ln>
+                    <a:solidFill>
+                      <a:prstClr val="black"/>
+                    </a:solidFill>
+                    <a:effectLst/>
+                    <a:uLnTx/>
+                    <a:uFillTx/>
+                    <a:latin typeface="Calibri" panose="020F0502020204030204"/>
+                    <a:ea typeface="+mn-ea"/>
+                    <a:cs typeface="+mn-cs"/>
+                  </a:rPr>
+                  <a:t>i</a:t>
+                </a:r>
+                <a:r>
+                  <a:rPr kumimoji="0" lang="de-DE" sz="2000" b="0" i="0" u="none" strike="noStrike" kern="1200" cap="none" spc="0" normalizeH="0" baseline="0" noProof="0" dirty="0">
+                    <a:ln>
+                      <a:noFill/>
+                    </a:ln>
+                    <a:solidFill>
+                      <a:prstClr val="black"/>
+                    </a:solidFill>
+                    <a:effectLst/>
+                    <a:uLnTx/>
+                    <a:uFillTx/>
+                    <a:latin typeface="Calibri" panose="020F0502020204030204"/>
+                    <a:ea typeface="+mn-ea"/>
+                    <a:cs typeface="+mn-cs"/>
+                  </a:rPr>
+                  <a:t> ǀ </a:t>
+                </a:r>
+                <a:r>
+                  <a:rPr kumimoji="0" lang="el-GR" sz="2000" b="0" i="0" u="none" strike="noStrike" kern="1200" cap="none" spc="0" normalizeH="0" baseline="0" noProof="0" dirty="0">
+                    <a:ln>
+                      <a:noFill/>
+                    </a:ln>
+                    <a:solidFill>
+                      <a:prstClr val="black"/>
+                    </a:solidFill>
+                    <a:effectLst/>
+                    <a:uLnTx/>
+                    <a:uFillTx/>
+                    <a:latin typeface="Calibri" panose="020F0502020204030204"/>
+                    <a:ea typeface="+mn-ea"/>
+                    <a:cs typeface="+mn-cs"/>
+                  </a:rPr>
+                  <a:t>μ</a:t>
+                </a:r>
+                <a:r>
+                  <a:rPr kumimoji="0" lang="de-DE" sz="2000" b="0" i="0" u="none" strike="noStrike" kern="1200" cap="none" spc="0" normalizeH="0" baseline="-25000" noProof="0" dirty="0">
+                    <a:ln>
+                      <a:noFill/>
+                    </a:ln>
+                    <a:solidFill>
+                      <a:prstClr val="black"/>
+                    </a:solidFill>
+                    <a:effectLst/>
+                    <a:uLnTx/>
+                    <a:uFillTx/>
+                    <a:latin typeface="Calibri" panose="020F0502020204030204"/>
+                    <a:ea typeface="+mn-ea"/>
+                    <a:cs typeface="+mn-cs"/>
+                  </a:rPr>
+                  <a:t>i ,</a:t>
+                </a:r>
+                <a:r>
+                  <a:rPr kumimoji="0" lang="de-DE" sz="2000" b="0" i="0" u="none" strike="noStrike" kern="1200" cap="none" spc="0" normalizeH="0" baseline="0" noProof="0" dirty="0">
+                    <a:ln>
+                      <a:noFill/>
+                    </a:ln>
+                    <a:solidFill>
+                      <a:prstClr val="black"/>
+                    </a:solidFill>
+                    <a:effectLst/>
+                    <a:uLnTx/>
+                    <a:uFillTx/>
+                    <a:latin typeface="Calibri" panose="020F0502020204030204"/>
+                    <a:ea typeface="+mn-ea"/>
+                    <a:cs typeface="+mn-cs"/>
+                  </a:rPr>
+                  <a:t> </a:t>
+                </a:r>
+                <a:r>
+                  <a:rPr kumimoji="0" lang="el-GR" sz="2000" b="0" i="0" u="none" strike="noStrike" kern="1200" cap="none" spc="0" normalizeH="0" baseline="0" noProof="0" dirty="0">
+                    <a:ln>
+                      <a:noFill/>
+                    </a:ln>
+                    <a:solidFill>
+                      <a:prstClr val="black"/>
+                    </a:solidFill>
+                    <a:effectLst/>
+                    <a:uLnTx/>
+                    <a:uFillTx/>
+                    <a:latin typeface="Calibri" panose="020F0502020204030204"/>
+                    <a:ea typeface="+mn-ea"/>
+                    <a:cs typeface="+mn-cs"/>
+                  </a:rPr>
+                  <a:t>σ</a:t>
+                </a:r>
+                <a:r>
+                  <a:rPr kumimoji="0" lang="de-DE" sz="2000" b="0" i="0" u="none" strike="noStrike" kern="1200" cap="none" spc="0" normalizeH="0" baseline="-25000" noProof="0" dirty="0">
+                    <a:ln>
+                      <a:noFill/>
+                    </a:ln>
+                    <a:solidFill>
+                      <a:prstClr val="black"/>
+                    </a:solidFill>
+                    <a:effectLst/>
+                    <a:uLnTx/>
+                    <a:uFillTx/>
+                    <a:latin typeface="Calibri" panose="020F0502020204030204"/>
+                    <a:ea typeface="+mn-ea"/>
+                    <a:cs typeface="+mn-cs"/>
+                  </a:rPr>
+                  <a:t>i , </a:t>
+                </a:r>
+                <a:r>
+                  <a:rPr kumimoji="0" lang="el-GR" sz="2000" b="0" i="0" u="none" strike="noStrike" kern="1200" cap="none" spc="0" normalizeH="0" baseline="0" noProof="0" dirty="0">
+                    <a:ln>
+                      <a:noFill/>
+                    </a:ln>
+                    <a:solidFill>
+                      <a:prstClr val="black"/>
+                    </a:solidFill>
+                    <a:effectLst/>
+                    <a:uLnTx/>
+                    <a:uFillTx/>
+                    <a:latin typeface="Calibri" panose="020F0502020204030204"/>
+                    <a:ea typeface="+mn-ea"/>
+                    <a:cs typeface="+mn-cs"/>
+                  </a:rPr>
+                  <a:t>ν</a:t>
+                </a:r>
+                <a:r>
+                  <a:rPr kumimoji="0" lang="de-DE" sz="2000" b="0" i="0" u="none" strike="noStrike" kern="1200" cap="none" spc="0" normalizeH="0" baseline="-25000" noProof="0" dirty="0">
+                    <a:ln>
+                      <a:noFill/>
+                    </a:ln>
+                    <a:solidFill>
+                      <a:prstClr val="black"/>
+                    </a:solidFill>
+                    <a:effectLst/>
+                    <a:uLnTx/>
+                    <a:uFillTx/>
+                    <a:latin typeface="Calibri" panose="020F0502020204030204"/>
+                    <a:ea typeface="+mn-ea"/>
+                    <a:cs typeface="+mn-cs"/>
+                  </a:rPr>
+                  <a:t>i , </a:t>
+                </a:r>
+                <a:r>
+                  <a:rPr kumimoji="0" lang="el-GR" sz="2000" b="0" i="0" u="none" strike="noStrike" kern="1200" cap="none" spc="0" normalizeH="0" baseline="0" noProof="0" dirty="0">
+                    <a:ln>
+                      <a:noFill/>
+                    </a:ln>
+                    <a:solidFill>
+                      <a:prstClr val="black"/>
+                    </a:solidFill>
+                    <a:effectLst/>
+                    <a:uLnTx/>
+                    <a:uFillTx/>
+                    <a:latin typeface="Calibri" panose="020F0502020204030204"/>
+                    <a:ea typeface="+mn-ea"/>
+                    <a:cs typeface="+mn-cs"/>
+                  </a:rPr>
+                  <a:t>τ</a:t>
+                </a:r>
+                <a:r>
+                  <a:rPr kumimoji="0" lang="de-DE" sz="2000" b="0" i="0" u="none" strike="noStrike" kern="1200" cap="none" spc="0" normalizeH="0" baseline="-25000" noProof="0" dirty="0">
+                    <a:ln>
+                      <a:noFill/>
+                    </a:ln>
+                    <a:solidFill>
+                      <a:prstClr val="black"/>
+                    </a:solidFill>
+                    <a:effectLst/>
+                    <a:uLnTx/>
+                    <a:uFillTx/>
+                    <a:latin typeface="Calibri" panose="020F0502020204030204"/>
+                    <a:ea typeface="+mn-ea"/>
+                    <a:cs typeface="+mn-cs"/>
+                  </a:rPr>
+                  <a:t>i </a:t>
+                </a:r>
+                <a:r>
+                  <a:rPr kumimoji="0" lang="de-DE" sz="2000" b="0" i="0" u="none" strike="noStrike" kern="1200" cap="none" spc="0" normalizeH="0" baseline="0" noProof="0" dirty="0">
+                    <a:ln>
+                      <a:noFill/>
+                    </a:ln>
+                    <a:solidFill>
+                      <a:prstClr val="black"/>
+                    </a:solidFill>
+                    <a:effectLst/>
+                    <a:uLnTx/>
+                    <a:uFillTx/>
+                    <a:latin typeface="Calibri" panose="020F0502020204030204"/>
+                    <a:ea typeface="+mn-ea"/>
+                    <a:cs typeface="+mn-cs"/>
+                  </a:rPr>
+                  <a:t>)</a:t>
+                </a:r>
+              </a:p>
+              <a:p>
+                <a:pPr marL="342900" marR="0" lvl="0" indent="-342900" algn="l" defTabSz="914400" rtl="0" eaLnBrk="1" fontAlgn="auto" latinLnBrk="0" hangingPunct="1">
+                  <a:lnSpc>
+                    <a:spcPct val="100000"/>
+                  </a:lnSpc>
+                  <a:spcBef>
+                    <a:spcPts val="0"/>
+                  </a:spcBef>
+                  <a:spcAft>
+                    <a:spcPts val="0"/>
+                  </a:spcAft>
+                  <a:buClrTx/>
+                  <a:buSzTx/>
+                  <a:buFont typeface="Arial" panose="020B0604020202020204" pitchFamily="34" charset="0"/>
+                  <a:buChar char="•"/>
+                  <a:tabLst/>
+                  <a:defRPr/>
+                </a:pPr>
+                <a:r>
+                  <a:rPr kumimoji="0" lang="de-DE" sz="2000" b="0" i="0" u="none" strike="noStrike" kern="1200" cap="none" spc="0" normalizeH="0" baseline="0" noProof="0" dirty="0">
+                    <a:ln>
+                      <a:noFill/>
+                    </a:ln>
+                    <a:solidFill>
+                      <a:prstClr val="black"/>
+                    </a:solidFill>
+                    <a:effectLst/>
+                    <a:uLnTx/>
+                    <a:uFillTx/>
+                    <a:latin typeface="Calibri" panose="020F0502020204030204"/>
+                    <a:ea typeface="+mn-ea"/>
+                    <a:cs typeface="+mn-cs"/>
+                  </a:rPr>
+                  <a:t>Theoretische Modellgleichung:          </a:t>
+                </a:r>
+                <a:r>
+                  <a:rPr kumimoji="0" lang="el-GR" sz="2000" b="0" i="0" u="none" strike="noStrike" kern="1200" cap="none" spc="0" normalizeH="0" baseline="0" noProof="0" dirty="0">
+                    <a:ln>
+                      <a:noFill/>
+                    </a:ln>
+                    <a:solidFill>
+                      <a:prstClr val="black"/>
+                    </a:solidFill>
+                    <a:effectLst/>
+                    <a:uLnTx/>
+                    <a:uFillTx/>
+                    <a:latin typeface="Calibri" panose="020F0502020204030204"/>
+                    <a:ea typeface="+mn-ea"/>
+                    <a:cs typeface="+mn-cs"/>
+                  </a:rPr>
+                  <a:t>μ</a:t>
+                </a:r>
+                <a:r>
+                  <a:rPr kumimoji="0" lang="de-DE" sz="2000" b="0" i="0" u="none" strike="noStrike" kern="1200" cap="none" spc="0" normalizeH="0" baseline="-25000" noProof="0" dirty="0">
+                    <a:ln>
+                      <a:noFill/>
+                    </a:ln>
+                    <a:solidFill>
+                      <a:prstClr val="black"/>
+                    </a:solidFill>
+                    <a:effectLst/>
+                    <a:uLnTx/>
+                    <a:uFillTx/>
+                    <a:latin typeface="Calibri" panose="020F0502020204030204"/>
+                    <a:ea typeface="+mn-ea"/>
+                    <a:cs typeface="+mn-cs"/>
+                  </a:rPr>
+                  <a:t>i</a:t>
+                </a:r>
+                <a:r>
+                  <a:rPr kumimoji="0" lang="de-DE" sz="2000" b="0" i="0" u="none" strike="noStrike" kern="1200" cap="none" spc="0" normalizeH="0" baseline="0" noProof="0" dirty="0">
+                    <a:ln>
+                      <a:noFill/>
+                    </a:ln>
+                    <a:solidFill>
+                      <a:prstClr val="black"/>
+                    </a:solidFill>
+                    <a:effectLst/>
+                    <a:uLnTx/>
+                    <a:uFillTx/>
+                    <a:latin typeface="Calibri" panose="020F0502020204030204"/>
+                    <a:ea typeface="+mn-ea"/>
+                    <a:cs typeface="+mn-cs"/>
+                  </a:rPr>
+                  <a:t> = </a:t>
+                </a:r>
+                <a:r>
+                  <a:rPr kumimoji="0" lang="el-GR" sz="2000" b="0" i="0" u="none" strike="noStrike" kern="1200" cap="none" spc="0" normalizeH="0" baseline="0" noProof="0" dirty="0">
+                    <a:ln>
+                      <a:noFill/>
+                    </a:ln>
+                    <a:solidFill>
+                      <a:prstClr val="black"/>
+                    </a:solidFill>
+                    <a:effectLst/>
+                    <a:uLnTx/>
+                    <a:uFillTx/>
+                    <a:latin typeface="Calibri" panose="020F0502020204030204"/>
+                    <a:ea typeface="+mn-ea"/>
+                    <a:cs typeface="+mn-cs"/>
+                  </a:rPr>
+                  <a:t>β</a:t>
+                </a:r>
+                <a:r>
+                  <a:rPr kumimoji="0" lang="de-DE" sz="2000" b="0" i="0" u="none" strike="noStrike" kern="1200" cap="none" spc="0" normalizeH="0" baseline="-25000" noProof="0" dirty="0">
+                    <a:ln>
+                      <a:noFill/>
+                    </a:ln>
+                    <a:solidFill>
+                      <a:prstClr val="black"/>
+                    </a:solidFill>
+                    <a:effectLst/>
+                    <a:uLnTx/>
+                    <a:uFillTx/>
+                    <a:latin typeface="Calibri" panose="020F0502020204030204"/>
+                    <a:ea typeface="+mn-ea"/>
+                    <a:cs typeface="+mn-cs"/>
+                  </a:rPr>
+                  <a:t>0</a:t>
+                </a:r>
+                <a:r>
+                  <a:rPr kumimoji="0" lang="de-DE" sz="2000" b="0" i="0" u="none" strike="noStrike" kern="1200" cap="none" spc="0" normalizeH="0" baseline="0" noProof="0" dirty="0">
+                    <a:ln>
+                      <a:noFill/>
+                    </a:ln>
+                    <a:solidFill>
+                      <a:prstClr val="black"/>
+                    </a:solidFill>
+                    <a:effectLst/>
+                    <a:uLnTx/>
+                    <a:uFillTx/>
+                    <a:latin typeface="Calibri" panose="020F0502020204030204"/>
+                    <a:ea typeface="+mn-ea"/>
+                    <a:cs typeface="+mn-cs"/>
+                  </a:rPr>
+                  <a:t> +</a:t>
+                </a:r>
+                <a14:m>
+                  <m:oMath xmlns:m="http://schemas.openxmlformats.org/officeDocument/2006/math">
+                    <m:nary>
+                      <m:naryPr>
+                        <m:chr m:val="∑"/>
+                        <m:limLoc m:val="undOvr"/>
+                        <m:grow m:val="on"/>
+                        <m:ctrlPr>
+                          <a:rPr kumimoji="0" lang="de-DE" sz="2000" b="0" i="1" u="none" strike="noStrike" kern="1200" cap="none" spc="0" normalizeH="0" baseline="0" noProof="0" smtClean="0">
+                            <a:ln>
+                              <a:noFill/>
+                            </a:ln>
+                            <a:solidFill>
+                              <a:prstClr val="black"/>
+                            </a:solidFill>
+                            <a:effectLst/>
+                            <a:uLnTx/>
+                            <a:uFillTx/>
+                            <a:latin typeface="Cambria Math" panose="02040503050406030204" pitchFamily="18" charset="0"/>
+                            <a:ea typeface="+mn-ea"/>
+                            <a:cs typeface="+mn-cs"/>
+                          </a:rPr>
+                        </m:ctrlPr>
+                      </m:naryPr>
+                      <m:sub>
+                        <m:r>
+                          <a:rPr kumimoji="0" lang="de-DE" sz="2000" b="0" i="1" u="none" strike="noStrike" kern="1200" cap="none" spc="0" normalizeH="0" baseline="0" noProof="0" smtClean="0">
+                            <a:ln>
+                              <a:noFill/>
+                            </a:ln>
+                            <a:solidFill>
+                              <a:prstClr val="black"/>
+                            </a:solidFill>
+                            <a:effectLst/>
+                            <a:uLnTx/>
+                            <a:uFillTx/>
+                            <a:latin typeface="Cambria Math" panose="02040503050406030204" pitchFamily="18" charset="0"/>
+                            <a:ea typeface="+mn-ea"/>
+                            <a:cs typeface="+mn-cs"/>
+                          </a:rPr>
+                          <m:t>𝑘</m:t>
+                        </m:r>
+                        <m:r>
+                          <a:rPr kumimoji="0" lang="de-DE" sz="2000" b="0" i="0" u="none" strike="noStrike" kern="1200" cap="none" spc="0" normalizeH="0" baseline="0" noProof="0" smtClean="0">
+                            <a:ln>
+                              <a:noFill/>
+                            </a:ln>
+                            <a:solidFill>
+                              <a:prstClr val="black"/>
+                            </a:solidFill>
+                            <a:effectLst/>
+                            <a:uLnTx/>
+                            <a:uFillTx/>
+                            <a:latin typeface="Cambria Math" panose="02040503050406030204" pitchFamily="18" charset="0"/>
+                            <a:ea typeface="+mn-ea"/>
+                            <a:cs typeface="+mn-cs"/>
+                          </a:rPr>
+                          <m:t>=1</m:t>
+                        </m:r>
+                      </m:sub>
+                      <m:sup>
+                        <m:r>
+                          <a:rPr kumimoji="0" lang="de-DE" sz="2000" b="0" i="1" u="none" strike="noStrike" kern="1200" cap="none" spc="0" normalizeH="0" baseline="0" noProof="0" smtClean="0">
+                            <a:ln>
+                              <a:noFill/>
+                            </a:ln>
+                            <a:solidFill>
+                              <a:prstClr val="black"/>
+                            </a:solidFill>
+                            <a:effectLst/>
+                            <a:uLnTx/>
+                            <a:uFillTx/>
+                            <a:latin typeface="Cambria Math" panose="02040503050406030204" pitchFamily="18" charset="0"/>
+                            <a:ea typeface="+mn-ea"/>
+                            <a:cs typeface="+mn-cs"/>
+                          </a:rPr>
+                          <m:t>𝑝</m:t>
+                        </m:r>
+                      </m:sup>
+                      <m:e>
+                        <m:r>
+                          <a:rPr kumimoji="0" lang="de-DE" sz="2000" b="0" i="1" u="none" strike="noStrike" kern="1200" cap="none" spc="0" normalizeH="0" baseline="0" noProof="0" smtClean="0">
+                            <a:ln>
+                              <a:noFill/>
+                            </a:ln>
+                            <a:solidFill>
+                              <a:prstClr val="black"/>
+                            </a:solidFill>
+                            <a:effectLst/>
+                            <a:uLnTx/>
+                            <a:uFillTx/>
+                            <a:latin typeface="Cambria Math" panose="02040503050406030204" pitchFamily="18" charset="0"/>
+                            <a:ea typeface="+mn-ea"/>
+                            <a:cs typeface="+mn-cs"/>
+                          </a:rPr>
+                          <m:t>𝑓</m:t>
+                        </m:r>
+                        <m:r>
+                          <a:rPr kumimoji="0" lang="de-DE" sz="2000" b="0" i="1" u="none" strike="noStrike" kern="1200" cap="none" spc="0" normalizeH="0" baseline="-25000" noProof="0" smtClean="0">
+                            <a:ln>
+                              <a:noFill/>
+                            </a:ln>
+                            <a:solidFill>
+                              <a:prstClr val="black"/>
+                            </a:solidFill>
+                            <a:effectLst/>
+                            <a:uLnTx/>
+                            <a:uFillTx/>
+                            <a:latin typeface="Cambria Math" panose="02040503050406030204" pitchFamily="18" charset="0"/>
+                            <a:ea typeface="+mn-ea"/>
+                            <a:cs typeface="+mn-cs"/>
+                          </a:rPr>
+                          <m:t>𝑘</m:t>
+                        </m:r>
+                        <m:r>
+                          <a:rPr kumimoji="0" lang="de-DE" sz="2000" b="0" i="1" u="none" strike="noStrike" kern="1200" cap="none" spc="0" normalizeH="0" baseline="0" noProof="0" smtClean="0">
+                            <a:ln>
+                              <a:noFill/>
+                            </a:ln>
+                            <a:solidFill>
+                              <a:prstClr val="black"/>
+                            </a:solidFill>
+                            <a:effectLst/>
+                            <a:uLnTx/>
+                            <a:uFillTx/>
+                            <a:latin typeface="Cambria Math" panose="02040503050406030204" pitchFamily="18" charset="0"/>
+                            <a:ea typeface="+mn-ea"/>
+                            <a:cs typeface="+mn-cs"/>
+                          </a:rPr>
+                          <m:t>(</m:t>
+                        </m:r>
+                        <m:r>
+                          <a:rPr kumimoji="0" lang="de-DE" sz="2000" b="0" i="1" u="none" strike="noStrike" kern="1200" cap="none" spc="0" normalizeH="0" baseline="0" noProof="0" smtClean="0">
+                            <a:ln>
+                              <a:noFill/>
+                            </a:ln>
+                            <a:solidFill>
+                              <a:prstClr val="black"/>
+                            </a:solidFill>
+                            <a:effectLst/>
+                            <a:uLnTx/>
+                            <a:uFillTx/>
+                            <a:latin typeface="Cambria Math" panose="02040503050406030204" pitchFamily="18" charset="0"/>
+                            <a:ea typeface="+mn-ea"/>
+                            <a:cs typeface="+mn-cs"/>
+                          </a:rPr>
+                          <m:t>𝑥𝑘𝑖</m:t>
+                        </m:r>
+                        <m:r>
+                          <a:rPr kumimoji="0" lang="de-DE" sz="2000" b="0" i="1" u="none" strike="noStrike" kern="1200" cap="none" spc="0" normalizeH="0" baseline="0" noProof="0" smtClean="0">
+                            <a:ln>
+                              <a:noFill/>
+                            </a:ln>
+                            <a:solidFill>
+                              <a:prstClr val="black"/>
+                            </a:solidFill>
+                            <a:effectLst/>
+                            <a:uLnTx/>
+                            <a:uFillTx/>
+                            <a:latin typeface="Cambria Math" panose="02040503050406030204" pitchFamily="18" charset="0"/>
+                            <a:ea typeface="+mn-ea"/>
+                            <a:cs typeface="+mn-cs"/>
+                          </a:rPr>
+                          <m:t>)</m:t>
+                        </m:r>
+                      </m:e>
+                    </m:nary>
+                  </m:oMath>
+                </a14:m>
+                <a:r>
+                  <a:rPr kumimoji="0" lang="de-DE" sz="2000" b="0" i="0" u="none" strike="noStrike" kern="1200" cap="none" spc="0" normalizeH="0" baseline="0" noProof="0" dirty="0">
+                    <a:ln>
+                      <a:noFill/>
+                    </a:ln>
+                    <a:solidFill>
+                      <a:prstClr val="black"/>
+                    </a:solidFill>
+                    <a:effectLst/>
+                    <a:uLnTx/>
+                    <a:uFillTx/>
+                    <a:latin typeface="Calibri" panose="020F0502020204030204"/>
+                    <a:ea typeface="+mn-ea"/>
+                    <a:cs typeface="+mn-cs"/>
+                  </a:rPr>
+                  <a:t>      für i = 1, ... , n     Beobachtungen</a:t>
+                </a:r>
+              </a:p>
+              <a:p>
+                <a:pPr marL="0" marR="0" lvl="0" indent="0" algn="l" defTabSz="914400" rtl="0" eaLnBrk="1" fontAlgn="auto" latinLnBrk="0" hangingPunct="1">
+                  <a:lnSpc>
+                    <a:spcPct val="100000"/>
+                  </a:lnSpc>
+                  <a:spcBef>
+                    <a:spcPts val="0"/>
+                  </a:spcBef>
+                  <a:spcAft>
+                    <a:spcPts val="0"/>
+                  </a:spcAft>
+                  <a:buClrTx/>
+                  <a:buSzTx/>
+                  <a:buFontTx/>
+                  <a:buNone/>
+                  <a:tabLst/>
+                  <a:defRPr/>
+                </a:pPr>
+                <a:r>
+                  <a:rPr kumimoji="0" lang="de-DE" sz="2000" b="0" i="0" u="none" strike="noStrike" kern="1200" cap="none" spc="0" normalizeH="0" baseline="0" noProof="0" dirty="0">
+                    <a:ln>
+                      <a:noFill/>
+                    </a:ln>
+                    <a:solidFill>
+                      <a:prstClr val="black"/>
+                    </a:solidFill>
+                    <a:effectLst/>
+                    <a:uLnTx/>
+                    <a:uFillTx/>
+                    <a:latin typeface="Calibri" panose="020F0502020204030204"/>
+                    <a:ea typeface="+mn-ea"/>
+                    <a:cs typeface="+mn-cs"/>
+                  </a:rPr>
+                  <a:t>						                     für k = 1, … , p     Einflussvariablen</a:t>
+                </a:r>
+              </a:p>
+            </p:txBody>
+          </p:sp>
+        </mc:Choice>
+        <mc:Fallback xmlns="">
+          <p:sp>
+            <p:nvSpPr>
+              <p:cNvPr id="11" name="Textfeld 10">
+                <a:extLst>
+                  <a:ext uri="{FF2B5EF4-FFF2-40B4-BE49-F238E27FC236}">
+                    <a16:creationId xmlns:a16="http://schemas.microsoft.com/office/drawing/2014/main" id="{32781E49-AC39-4EBE-820D-B6BDF2BB5556}"/>
+                  </a:ext>
+                </a:extLst>
+              </p:cNvPr>
+              <p:cNvSpPr txBox="1">
+                <a:spLocks noRot="1" noChangeAspect="1" noMove="1" noResize="1" noEditPoints="1" noAdjustHandles="1" noChangeArrowheads="1" noChangeShapeType="1" noTextEdit="1"/>
+              </p:cNvSpPr>
+              <p:nvPr/>
+            </p:nvSpPr>
+            <p:spPr>
+              <a:xfrm>
+                <a:off x="569007" y="4614470"/>
+                <a:ext cx="10654552" cy="1343253"/>
+              </a:xfrm>
+              <a:prstGeom prst="rect">
+                <a:avLst/>
+              </a:prstGeom>
+              <a:blipFill>
+                <a:blip r:embed="rId2"/>
+                <a:stretch>
+                  <a:fillRect l="-515" t="-6818" b="-46364"/>
+                </a:stretch>
+              </a:blipFill>
+            </p:spPr>
+            <p:txBody>
+              <a:bodyPr/>
+              <a:lstStyle/>
+              <a:p>
+                <a:r>
+                  <a:rPr lang="es-ES">
+                    <a:noFill/>
+                  </a:rPr>
+                  <a:t> </a:t>
+                </a:r>
+              </a:p>
+            </p:txBody>
+          </p:sp>
+        </mc:Fallback>
+      </mc:AlternateContent>
+      <p:sp>
+        <p:nvSpPr>
+          <p:cNvPr id="12" name="Textfeld 11">
+            <a:extLst>
+              <a:ext uri="{FF2B5EF4-FFF2-40B4-BE49-F238E27FC236}">
+                <a16:creationId xmlns:a16="http://schemas.microsoft.com/office/drawing/2014/main" id="{DA142FFC-CF1C-46AC-9763-A3848FF05FAE}"/>
+              </a:ext>
+            </a:extLst>
+          </p:cNvPr>
+          <p:cNvSpPr txBox="1"/>
+          <p:nvPr/>
+        </p:nvSpPr>
+        <p:spPr>
+          <a:xfrm>
+            <a:off x="569007" y="3374537"/>
+            <a:ext cx="10654551" cy="1175706"/>
+          </a:xfrm>
+          <a:prstGeom prst="rect">
+            <a:avLst/>
+          </a:prstGeom>
+          <a:noFill/>
+        </p:spPr>
+        <p:txBody>
+          <a:bodyPr wrap="square">
+            <a:spAutoFit/>
+          </a:bodyPr>
+          <a:lstStyle/>
+          <a:p>
+            <a:pPr marL="342900" marR="0" lvl="0" indent="-342900" algn="l" defTabSz="914400" rtl="0" eaLnBrk="1" fontAlgn="auto" latinLnBrk="0" hangingPunct="1">
+              <a:lnSpc>
+                <a:spcPct val="120000"/>
+              </a:lnSpc>
+              <a:spcBef>
+                <a:spcPts val="0"/>
+              </a:spcBef>
+              <a:spcAft>
+                <a:spcPts val="0"/>
+              </a:spcAft>
+              <a:buClrTx/>
+              <a:buSzTx/>
+              <a:buFont typeface="Arial" panose="020B0604020202020204" pitchFamily="34" charset="0"/>
+              <a:buChar char="•"/>
+              <a:tabLst/>
+              <a:defRPr/>
+            </a:pPr>
+            <a:r>
+              <a:rPr kumimoji="0" lang="de-DE" sz="2000" b="0" i="0" u="none" strike="noStrike" kern="1200" cap="none" spc="0" normalizeH="0" baseline="0" noProof="0" dirty="0">
+                <a:ln>
+                  <a:noFill/>
+                </a:ln>
+                <a:solidFill>
+                  <a:prstClr val="black"/>
+                </a:solidFill>
+                <a:effectLst/>
+                <a:uLnTx/>
+                <a:uFillTx/>
+                <a:latin typeface="Calibri" panose="020F0502020204030204"/>
+                <a:ea typeface="+mn-ea"/>
+                <a:cs typeface="+mn-cs"/>
+              </a:rPr>
+              <a:t>Modellierung von Lage-, Skalen- und Formparameter </a:t>
+            </a:r>
+          </a:p>
+          <a:p>
+            <a:pPr marL="800100" marR="0" lvl="1" indent="-342900" algn="l" defTabSz="914400" rtl="0" eaLnBrk="1" fontAlgn="auto" latinLnBrk="0" hangingPunct="1">
+              <a:lnSpc>
+                <a:spcPct val="120000"/>
+              </a:lnSpc>
+              <a:spcBef>
+                <a:spcPts val="0"/>
+              </a:spcBef>
+              <a:spcAft>
+                <a:spcPts val="0"/>
+              </a:spcAft>
+              <a:buClrTx/>
+              <a:buSzTx/>
+              <a:buFont typeface="Arial" panose="020B0604020202020204" pitchFamily="34" charset="0"/>
+              <a:buChar char="•"/>
+              <a:tabLst/>
+              <a:defRPr/>
+            </a:pPr>
+            <a:r>
+              <a:rPr kumimoji="0" lang="de-DE" sz="2000" b="0" i="0" u="none" strike="noStrike" kern="1200" cap="none" spc="0" normalizeH="0" baseline="0" noProof="0" dirty="0">
+                <a:ln>
+                  <a:noFill/>
+                </a:ln>
+                <a:solidFill>
+                  <a:prstClr val="black"/>
+                </a:solidFill>
+                <a:effectLst/>
+                <a:uLnTx/>
+                <a:uFillTx/>
+                <a:latin typeface="Calibri" panose="020F0502020204030204"/>
+                <a:ea typeface="+mn-ea"/>
+                <a:cs typeface="+mn-cs"/>
+              </a:rPr>
+              <a:t>variiert je nach Verteilungsannahme</a:t>
+            </a:r>
+          </a:p>
+          <a:p>
+            <a:pPr marL="342900" marR="0" lvl="0" indent="-342900" algn="l" defTabSz="914400" rtl="0" eaLnBrk="1" fontAlgn="auto" latinLnBrk="0" hangingPunct="1">
+              <a:lnSpc>
+                <a:spcPct val="120000"/>
+              </a:lnSpc>
+              <a:spcBef>
+                <a:spcPts val="0"/>
+              </a:spcBef>
+              <a:spcAft>
+                <a:spcPts val="0"/>
+              </a:spcAft>
+              <a:buClrTx/>
+              <a:buSzTx/>
+              <a:buFont typeface="Arial" panose="020B0604020202020204" pitchFamily="34" charset="0"/>
+              <a:buChar char="•"/>
+              <a:tabLst/>
+              <a:defRPr/>
+            </a:pPr>
+            <a:r>
+              <a:rPr kumimoji="0" lang="de-DE" sz="2000" b="0" i="0" u="none" strike="noStrike" kern="1200" cap="none" spc="0" normalizeH="0" baseline="0" noProof="0" dirty="0">
+                <a:ln>
+                  <a:noFill/>
+                </a:ln>
+                <a:solidFill>
+                  <a:prstClr val="black"/>
+                </a:solidFill>
+                <a:effectLst/>
+                <a:uLnTx/>
+                <a:uFillTx/>
+                <a:latin typeface="Calibri" panose="020F0502020204030204"/>
+                <a:ea typeface="+mn-ea"/>
+                <a:cs typeface="+mn-cs"/>
+              </a:rPr>
+              <a:t>Flexible Modellierung der Zielvariable</a:t>
+            </a:r>
+          </a:p>
+        </p:txBody>
+      </p:sp>
     </p:spTree>
     <p:extLst>
       <p:ext uri="{BB962C8B-B14F-4D97-AF65-F5344CB8AC3E}">
@@ -10229,6 +11329,176 @@
   <p:clrMapOvr>
     <a:masterClrMapping/>
   </p:clrMapOvr>
+  <p:timing>
+    <p:tnLst>
+      <p:par>
+        <p:cTn id="1" dur="indefinite" restart="never" nodeType="tmRoot">
+          <p:childTnLst>
+            <p:seq concurrent="1" nextAc="seek">
+              <p:cTn id="2" dur="indefinite" nodeType="mainSeq">
+                <p:childTnLst>
+                  <p:par>
+                    <p:cTn id="3" fill="hold">
+                      <p:stCondLst>
+                        <p:cond delay="indefinite"/>
+                      </p:stCondLst>
+                      <p:childTnLst>
+                        <p:par>
+                          <p:cTn id="4" fill="hold">
+                            <p:stCondLst>
+                              <p:cond delay="0"/>
+                            </p:stCondLst>
+                            <p:childTnLst>
+                              <p:par>
+                                <p:cTn id="5" presetID="1" presetClass="entr" presetSubtype="0" fill="hold" grpId="0" nodeType="clickEffect">
+                                  <p:stCondLst>
+                                    <p:cond delay="0"/>
+                                  </p:stCondLst>
+                                  <p:childTnLst>
+                                    <p:set>
+                                      <p:cBhvr>
+                                        <p:cTn id="6" dur="1" fill="hold">
+                                          <p:stCondLst>
+                                            <p:cond delay="0"/>
+                                          </p:stCondLst>
+                                        </p:cTn>
+                                        <p:tgtEl>
+                                          <p:spTgt spid="10"/>
+                                        </p:tgtEl>
+                                        <p:attrNameLst>
+                                          <p:attrName>style.visibility</p:attrName>
+                                        </p:attrNameLst>
+                                      </p:cBhvr>
+                                      <p:to>
+                                        <p:strVal val="visible"/>
+                                      </p:to>
+                                    </p:set>
+                                  </p:childTnLst>
+                                </p:cTn>
+                              </p:par>
+                            </p:childTnLst>
+                          </p:cTn>
+                        </p:par>
+                      </p:childTnLst>
+                    </p:cTn>
+                  </p:par>
+                  <p:par>
+                    <p:cTn id="7" fill="hold">
+                      <p:stCondLst>
+                        <p:cond delay="indefinite"/>
+                      </p:stCondLst>
+                      <p:childTnLst>
+                        <p:par>
+                          <p:cTn id="8" fill="hold">
+                            <p:stCondLst>
+                              <p:cond delay="0"/>
+                            </p:stCondLst>
+                            <p:childTnLst>
+                              <p:par>
+                                <p:cTn id="9" presetID="1" presetClass="entr" presetSubtype="0" fill="hold" grpId="0" nodeType="clickEffect">
+                                  <p:stCondLst>
+                                    <p:cond delay="0"/>
+                                  </p:stCondLst>
+                                  <p:childTnLst>
+                                    <p:set>
+                                      <p:cBhvr>
+                                        <p:cTn id="10" dur="1" fill="hold">
+                                          <p:stCondLst>
+                                            <p:cond delay="0"/>
+                                          </p:stCondLst>
+                                        </p:cTn>
+                                        <p:tgtEl>
+                                          <p:spTgt spid="12"/>
+                                        </p:tgtEl>
+                                        <p:attrNameLst>
+                                          <p:attrName>style.visibility</p:attrName>
+                                        </p:attrNameLst>
+                                      </p:cBhvr>
+                                      <p:to>
+                                        <p:strVal val="visible"/>
+                                      </p:to>
+                                    </p:set>
+                                  </p:childTnLst>
+                                </p:cTn>
+                              </p:par>
+                            </p:childTnLst>
+                          </p:cTn>
+                        </p:par>
+                      </p:childTnLst>
+                    </p:cTn>
+                  </p:par>
+                  <p:par>
+                    <p:cTn id="11" fill="hold">
+                      <p:stCondLst>
+                        <p:cond delay="indefinite"/>
+                      </p:stCondLst>
+                      <p:childTnLst>
+                        <p:par>
+                          <p:cTn id="12" fill="hold">
+                            <p:stCondLst>
+                              <p:cond delay="0"/>
+                            </p:stCondLst>
+                            <p:childTnLst>
+                              <p:par>
+                                <p:cTn id="13" presetID="1" presetClass="entr" presetSubtype="0" fill="hold" grpId="0" nodeType="clickEffect">
+                                  <p:stCondLst>
+                                    <p:cond delay="0"/>
+                                  </p:stCondLst>
+                                  <p:childTnLst>
+                                    <p:set>
+                                      <p:cBhvr>
+                                        <p:cTn id="14" dur="1" fill="hold">
+                                          <p:stCondLst>
+                                            <p:cond delay="0"/>
+                                          </p:stCondLst>
+                                        </p:cTn>
+                                        <p:tgtEl>
+                                          <p:spTgt spid="11"/>
+                                        </p:tgtEl>
+                                        <p:attrNameLst>
+                                          <p:attrName>style.visibility</p:attrName>
+                                        </p:attrNameLst>
+                                      </p:cBhvr>
+                                      <p:to>
+                                        <p:strVal val="visible"/>
+                                      </p:to>
+                                    </p:set>
+                                  </p:childTnLst>
+                                </p:cTn>
+                              </p:par>
+                            </p:childTnLst>
+                          </p:cTn>
+                        </p:par>
+                      </p:childTnLst>
+                    </p:cTn>
+                  </p:par>
+                </p:childTnLst>
+              </p:cTn>
+              <p:prevCondLst>
+                <p:cond evt="onPrev" delay="0">
+                  <p:tgtEl>
+                    <p:sldTgt/>
+                  </p:tgtEl>
+                </p:cond>
+              </p:prevCondLst>
+              <p:nextCondLst>
+                <p:cond evt="onNext" delay="0">
+                  <p:tgtEl>
+                    <p:sldTgt/>
+                  </p:tgtEl>
+                </p:cond>
+              </p:nextCondLst>
+            </p:seq>
+          </p:childTnLst>
+        </p:cTn>
+      </p:par>
+    </p:tnLst>
+    <p:bldLst>
+      <p:bldP spid="10" grpId="0"/>
+      <p:bldP spid="11" grpId="0"/>
+      <p:bldP spid="12" grpId="0"/>
+    </p:bldLst>
+  </p:timing>
 </p:sld>
 </file>
 
@@ -11452,303 +12722,6 @@
       </p:sp>
       <p:sp>
         <p:nvSpPr>
-          <p:cNvPr id="10" name="Rechteck: abgerundete Ecken 9">
-            <a:extLst>
-              <a:ext uri="{FF2B5EF4-FFF2-40B4-BE49-F238E27FC236}">
-                <a16:creationId xmlns:a16="http://schemas.microsoft.com/office/drawing/2014/main" id="{CB70792B-1CB2-4775-AD04-B97E0EE69D08}"/>
-              </a:ext>
-            </a:extLst>
-          </p:cNvPr>
-          <p:cNvSpPr/>
-          <p:nvPr/>
-        </p:nvSpPr>
-        <p:spPr>
-          <a:xfrm>
-            <a:off x="780455" y="3661479"/>
-            <a:ext cx="10609288" cy="1117211"/>
-          </a:xfrm>
-          <a:prstGeom prst="roundRect">
-            <a:avLst/>
-          </a:prstGeom>
-          <a:solidFill>
-            <a:schemeClr val="accent6">
-              <a:lumMod val="60000"/>
-              <a:lumOff val="40000"/>
-              <a:alpha val="62000"/>
-            </a:schemeClr>
-          </a:solidFill>
-          <a:ln>
-            <a:solidFill>
-              <a:schemeClr val="accent6">
-                <a:lumMod val="75000"/>
-              </a:schemeClr>
-            </a:solidFill>
-          </a:ln>
-        </p:spPr>
-        <p:style>
-          <a:lnRef idx="2">
-            <a:schemeClr val="accent1">
-              <a:shade val="50000"/>
-            </a:schemeClr>
-          </a:lnRef>
-          <a:fillRef idx="1">
-            <a:schemeClr val="accent1"/>
-          </a:fillRef>
-          <a:effectRef idx="0">
-            <a:schemeClr val="accent1"/>
-          </a:effectRef>
-          <a:fontRef idx="minor">
-            <a:schemeClr val="lt1"/>
-          </a:fontRef>
-        </p:style>
-        <p:txBody>
-          <a:bodyPr rtlCol="0" anchor="ctr"/>
-          <a:lstStyle/>
-          <a:p>
-            <a:pPr algn="ctr">
-              <a:spcAft>
-                <a:spcPts val="600"/>
-              </a:spcAft>
-            </a:pPr>
-            <a:endParaRPr lang="es-ES" b="1" dirty="0"/>
-          </a:p>
-          <a:p>
-            <a:pPr algn="ctr">
-              <a:spcAft>
-                <a:spcPts val="600"/>
-              </a:spcAft>
-            </a:pPr>
-            <a:r>
-              <a:rPr lang="es-ES" sz="1800" b="1" dirty="0">
-                <a:solidFill>
-                  <a:schemeClr val="tx1"/>
-                </a:solidFill>
-              </a:rPr>
-              <a:t>Getriggerte Magnitude  ~  </a:t>
-            </a:r>
-            <a:r>
-              <a:rPr lang="es-ES" sz="1800" dirty="0">
-                <a:solidFill>
-                  <a:schemeClr val="tx1"/>
-                </a:solidFill>
-              </a:rPr>
-              <a:t>pb(</a:t>
-            </a:r>
-            <a:r>
-              <a:rPr lang="es-ES" sz="1800" b="1" dirty="0">
-                <a:solidFill>
-                  <a:schemeClr val="tx1"/>
-                </a:solidFill>
-              </a:rPr>
-              <a:t>triggernde Magnitude</a:t>
-            </a:r>
-            <a:r>
-              <a:rPr lang="es-ES" sz="1800" dirty="0">
-                <a:solidFill>
-                  <a:schemeClr val="tx1"/>
-                </a:solidFill>
-              </a:rPr>
-              <a:t>) +  pb(</a:t>
-            </a:r>
-            <a:r>
-              <a:rPr lang="es-ES" sz="1800" b="1" dirty="0">
-                <a:solidFill>
-                  <a:schemeClr val="tx1"/>
-                </a:solidFill>
-              </a:rPr>
-              <a:t>heat Flow</a:t>
-            </a:r>
-            <a:r>
-              <a:rPr lang="es-ES" sz="1800" dirty="0">
-                <a:solidFill>
-                  <a:schemeClr val="tx1"/>
-                </a:solidFill>
-              </a:rPr>
-              <a:t>) + pb(</a:t>
-            </a:r>
-            <a:r>
-              <a:rPr lang="es-ES" sz="1800" b="1" dirty="0">
-                <a:solidFill>
-                  <a:schemeClr val="tx1"/>
-                </a:solidFill>
-              </a:rPr>
-              <a:t>strain Rate</a:t>
-            </a:r>
-            <a:r>
-              <a:rPr lang="es-ES" sz="1800" dirty="0">
-                <a:solidFill>
-                  <a:schemeClr val="tx1"/>
-                </a:solidFill>
-              </a:rPr>
-              <a:t>) +  </a:t>
-            </a:r>
-          </a:p>
-          <a:p>
-            <a:pPr algn="ctr">
-              <a:spcAft>
-                <a:spcPts val="600"/>
-              </a:spcAft>
-            </a:pPr>
-            <a:r>
-              <a:rPr lang="es-ES" dirty="0">
-                <a:solidFill>
-                  <a:schemeClr val="tx1"/>
-                </a:solidFill>
-              </a:rPr>
-              <a:t>	                  </a:t>
-            </a:r>
-            <a:r>
-              <a:rPr lang="es-ES" sz="1800" dirty="0">
-                <a:solidFill>
-                  <a:schemeClr val="tx1"/>
-                </a:solidFill>
-              </a:rPr>
-              <a:t>pb(</a:t>
-            </a:r>
-            <a:r>
-              <a:rPr lang="es-ES" sz="1800" b="1" dirty="0">
-                <a:solidFill>
-                  <a:schemeClr val="tx1"/>
-                </a:solidFill>
-              </a:rPr>
-              <a:t>dip</a:t>
-            </a:r>
-            <a:r>
-              <a:rPr lang="es-ES" sz="1800" dirty="0">
-                <a:solidFill>
-                  <a:schemeClr val="tx1"/>
-                </a:solidFill>
-              </a:rPr>
-              <a:t>) + pb(</a:t>
-            </a:r>
-            <a:r>
-              <a:rPr lang="es-ES" sz="1800" b="1" dirty="0">
-                <a:solidFill>
-                  <a:schemeClr val="tx1"/>
-                </a:solidFill>
-              </a:rPr>
-              <a:t>depth</a:t>
-            </a:r>
-            <a:r>
-              <a:rPr lang="es-ES" sz="1800" dirty="0">
-                <a:solidFill>
-                  <a:schemeClr val="tx1"/>
-                </a:solidFill>
-              </a:rPr>
-              <a:t>) + cy(</a:t>
-            </a:r>
-            <a:r>
-              <a:rPr lang="es-ES" sz="1800" b="1" dirty="0">
-                <a:solidFill>
-                  <a:schemeClr val="tx1"/>
-                </a:solidFill>
-              </a:rPr>
-              <a:t>rake</a:t>
-            </a:r>
-            <a:r>
-              <a:rPr lang="es-ES" sz="1800" dirty="0">
-                <a:solidFill>
-                  <a:schemeClr val="tx1"/>
-                </a:solidFill>
-              </a:rPr>
-              <a:t>) + pb(</a:t>
-            </a:r>
-            <a:r>
-              <a:rPr lang="es-ES" sz="1800" b="1" dirty="0">
-                <a:solidFill>
-                  <a:schemeClr val="tx1"/>
-                </a:solidFill>
-              </a:rPr>
-              <a:t>mantle Thickness</a:t>
-            </a:r>
-            <a:r>
-              <a:rPr lang="es-ES" sz="1800" dirty="0">
-                <a:solidFill>
-                  <a:schemeClr val="tx1"/>
-                </a:solidFill>
-              </a:rPr>
-              <a:t>) + </a:t>
-            </a:r>
-          </a:p>
-          <a:p>
-            <a:pPr algn="ctr">
-              <a:spcAft>
-                <a:spcPts val="600"/>
-              </a:spcAft>
-            </a:pPr>
-            <a:r>
-              <a:rPr lang="es-ES" dirty="0">
-                <a:solidFill>
-                  <a:schemeClr val="tx1"/>
-                </a:solidFill>
-              </a:rPr>
-              <a:t>			             </a:t>
-            </a:r>
-            <a:r>
-              <a:rPr lang="es-ES" sz="1800" dirty="0">
-                <a:solidFill>
-                  <a:schemeClr val="tx1"/>
-                </a:solidFill>
-              </a:rPr>
-              <a:t>pb(</a:t>
-            </a:r>
-            <a:r>
-              <a:rPr lang="es-ES" sz="1800" b="1" dirty="0">
-                <a:solidFill>
-                  <a:schemeClr val="tx1"/>
-                </a:solidFill>
-              </a:rPr>
-              <a:t>crustal Thickness</a:t>
-            </a:r>
-            <a:r>
-              <a:rPr lang="es-ES" sz="1800" dirty="0">
-                <a:solidFill>
-                  <a:schemeClr val="tx1"/>
-                </a:solidFill>
-              </a:rPr>
-              <a:t>) + pb(</a:t>
-            </a:r>
-            <a:r>
-              <a:rPr lang="es-ES" sz="1800" b="1" dirty="0">
-                <a:solidFill>
-                  <a:schemeClr val="tx1"/>
-                </a:solidFill>
-              </a:rPr>
-              <a:t>completeness Magnitude</a:t>
-            </a:r>
-            <a:r>
-              <a:rPr lang="es-ES" sz="1800" dirty="0">
-                <a:solidFill>
-                  <a:schemeClr val="tx1"/>
-                </a:solidFill>
-              </a:rPr>
-              <a:t>) + pb(</a:t>
-            </a:r>
-            <a:r>
-              <a:rPr lang="es-ES" sz="1800" b="1" dirty="0">
-                <a:solidFill>
-                  <a:schemeClr val="tx1"/>
-                </a:solidFill>
-              </a:rPr>
-              <a:t>Zeitdifferenz</a:t>
-            </a:r>
-            <a:r>
-              <a:rPr lang="es-ES" sz="1800" dirty="0">
-                <a:solidFill>
-                  <a:schemeClr val="tx1"/>
-                </a:solidFill>
-              </a:rPr>
-              <a:t>)</a:t>
-            </a:r>
-          </a:p>
-          <a:p>
-            <a:pPr algn="ctr"/>
-            <a:endParaRPr lang="es-ES" dirty="0"/>
-          </a:p>
-        </p:txBody>
-      </p:sp>
-      <p:sp>
-        <p:nvSpPr>
           <p:cNvPr id="11" name="Titel 26">
             <a:extLst>
               <a:ext uri="{FF2B5EF4-FFF2-40B4-BE49-F238E27FC236}">
@@ -11860,12 +12833,375 @@
           </a:p>
         </p:txBody>
       </p:sp>
-      <p:sp>
-        <p:nvSpPr>
-          <p:cNvPr id="5" name="Textfeld 4">
-            <a:extLst>
-              <a:ext uri="{FF2B5EF4-FFF2-40B4-BE49-F238E27FC236}">
-                <a16:creationId xmlns:a16="http://schemas.microsoft.com/office/drawing/2014/main" id="{AC238ED5-8360-4E92-BBD2-1F183AA104CE}"/>
+      <p:grpSp>
+        <p:nvGrpSpPr>
+          <p:cNvPr id="14" name="Gruppieren 13">
+            <a:extLst>
+              <a:ext uri="{FF2B5EF4-FFF2-40B4-BE49-F238E27FC236}">
+                <a16:creationId xmlns:a16="http://schemas.microsoft.com/office/drawing/2014/main" id="{DB3A34B4-8C83-453F-9326-0A5D2DD20DFB}"/>
+              </a:ext>
+            </a:extLst>
+          </p:cNvPr>
+          <p:cNvGrpSpPr/>
+          <p:nvPr/>
+        </p:nvGrpSpPr>
+        <p:grpSpPr>
+          <a:xfrm>
+            <a:off x="307749" y="3276600"/>
+            <a:ext cx="11921705" cy="1502090"/>
+            <a:chOff x="307749" y="3276600"/>
+            <a:chExt cx="11921705" cy="1502090"/>
+          </a:xfrm>
+        </p:grpSpPr>
+        <p:sp>
+          <p:nvSpPr>
+            <p:cNvPr id="10" name="Rechteck: abgerundete Ecken 9">
+              <a:extLst>
+                <a:ext uri="{FF2B5EF4-FFF2-40B4-BE49-F238E27FC236}">
+                  <a16:creationId xmlns:a16="http://schemas.microsoft.com/office/drawing/2014/main" id="{CB70792B-1CB2-4775-AD04-B97E0EE69D08}"/>
+                </a:ext>
+              </a:extLst>
+            </p:cNvPr>
+            <p:cNvSpPr/>
+            <p:nvPr/>
+          </p:nvSpPr>
+          <p:spPr>
+            <a:xfrm>
+              <a:off x="780455" y="3661479"/>
+              <a:ext cx="10609288" cy="1117211"/>
+            </a:xfrm>
+            <a:prstGeom prst="roundRect">
+              <a:avLst/>
+            </a:prstGeom>
+            <a:solidFill>
+              <a:schemeClr val="accent6">
+                <a:lumMod val="60000"/>
+                <a:lumOff val="40000"/>
+                <a:alpha val="62000"/>
+              </a:schemeClr>
+            </a:solidFill>
+            <a:ln>
+              <a:solidFill>
+                <a:schemeClr val="accent6">
+                  <a:lumMod val="75000"/>
+                </a:schemeClr>
+              </a:solidFill>
+            </a:ln>
+          </p:spPr>
+          <p:style>
+            <a:lnRef idx="2">
+              <a:schemeClr val="accent1">
+                <a:shade val="50000"/>
+              </a:schemeClr>
+            </a:lnRef>
+            <a:fillRef idx="1">
+              <a:schemeClr val="accent1"/>
+            </a:fillRef>
+            <a:effectRef idx="0">
+              <a:schemeClr val="accent1"/>
+            </a:effectRef>
+            <a:fontRef idx="minor">
+              <a:schemeClr val="lt1"/>
+            </a:fontRef>
+          </p:style>
+          <p:txBody>
+            <a:bodyPr rtlCol="0" anchor="ctr"/>
+            <a:lstStyle/>
+            <a:p>
+              <a:pPr algn="ctr">
+                <a:spcAft>
+                  <a:spcPts val="600"/>
+                </a:spcAft>
+              </a:pPr>
+              <a:endParaRPr lang="es-ES" b="1" dirty="0"/>
+            </a:p>
+            <a:p>
+              <a:pPr algn="ctr">
+                <a:spcAft>
+                  <a:spcPts val="600"/>
+                </a:spcAft>
+              </a:pPr>
+              <a:r>
+                <a:rPr lang="es-ES" sz="1800" b="1" dirty="0">
+                  <a:solidFill>
+                    <a:schemeClr val="tx1"/>
+                  </a:solidFill>
+                </a:rPr>
+                <a:t>Getriggerte Magnitude  ~  </a:t>
+              </a:r>
+              <a:r>
+                <a:rPr lang="es-ES" sz="1800" dirty="0">
+                  <a:solidFill>
+                    <a:schemeClr val="tx1"/>
+                  </a:solidFill>
+                </a:rPr>
+                <a:t>pb(</a:t>
+              </a:r>
+              <a:r>
+                <a:rPr lang="es-ES" sz="1800" b="1" dirty="0">
+                  <a:solidFill>
+                    <a:schemeClr val="tx1"/>
+                  </a:solidFill>
+                </a:rPr>
+                <a:t>triggernde Magnitude</a:t>
+              </a:r>
+              <a:r>
+                <a:rPr lang="es-ES" sz="1800" dirty="0">
+                  <a:solidFill>
+                    <a:schemeClr val="tx1"/>
+                  </a:solidFill>
+                </a:rPr>
+                <a:t>) +  pb(</a:t>
+              </a:r>
+              <a:r>
+                <a:rPr lang="es-ES" sz="1800" b="1" dirty="0">
+                  <a:solidFill>
+                    <a:schemeClr val="tx1"/>
+                  </a:solidFill>
+                </a:rPr>
+                <a:t>heat Flow</a:t>
+              </a:r>
+              <a:r>
+                <a:rPr lang="es-ES" sz="1800" dirty="0">
+                  <a:solidFill>
+                    <a:schemeClr val="tx1"/>
+                  </a:solidFill>
+                </a:rPr>
+                <a:t>) + pb(</a:t>
+              </a:r>
+              <a:r>
+                <a:rPr lang="es-ES" sz="1800" b="1" dirty="0">
+                  <a:solidFill>
+                    <a:schemeClr val="tx1"/>
+                  </a:solidFill>
+                </a:rPr>
+                <a:t>strain Rate</a:t>
+              </a:r>
+              <a:r>
+                <a:rPr lang="es-ES" sz="1800" dirty="0">
+                  <a:solidFill>
+                    <a:schemeClr val="tx1"/>
+                  </a:solidFill>
+                </a:rPr>
+                <a:t>) +  </a:t>
+              </a:r>
+            </a:p>
+            <a:p>
+              <a:pPr algn="ctr">
+                <a:spcAft>
+                  <a:spcPts val="600"/>
+                </a:spcAft>
+              </a:pPr>
+              <a:r>
+                <a:rPr lang="es-ES" dirty="0">
+                  <a:solidFill>
+                    <a:schemeClr val="tx1"/>
+                  </a:solidFill>
+                </a:rPr>
+                <a:t>	                  </a:t>
+              </a:r>
+              <a:r>
+                <a:rPr lang="es-ES" sz="1800" dirty="0">
+                  <a:solidFill>
+                    <a:schemeClr val="tx1"/>
+                  </a:solidFill>
+                </a:rPr>
+                <a:t>pb(</a:t>
+              </a:r>
+              <a:r>
+                <a:rPr lang="es-ES" sz="1800" b="1" dirty="0">
+                  <a:solidFill>
+                    <a:schemeClr val="tx1"/>
+                  </a:solidFill>
+                </a:rPr>
+                <a:t>dip</a:t>
+              </a:r>
+              <a:r>
+                <a:rPr lang="es-ES" sz="1800" dirty="0">
+                  <a:solidFill>
+                    <a:schemeClr val="tx1"/>
+                  </a:solidFill>
+                </a:rPr>
+                <a:t>) + pb(</a:t>
+              </a:r>
+              <a:r>
+                <a:rPr lang="es-ES" sz="1800" b="1" dirty="0">
+                  <a:solidFill>
+                    <a:schemeClr val="tx1"/>
+                  </a:solidFill>
+                </a:rPr>
+                <a:t>depth</a:t>
+              </a:r>
+              <a:r>
+                <a:rPr lang="es-ES" sz="1800" dirty="0">
+                  <a:solidFill>
+                    <a:schemeClr val="tx1"/>
+                  </a:solidFill>
+                </a:rPr>
+                <a:t>) + cy(</a:t>
+              </a:r>
+              <a:r>
+                <a:rPr lang="es-ES" sz="1800" b="1" dirty="0">
+                  <a:solidFill>
+                    <a:schemeClr val="tx1"/>
+                  </a:solidFill>
+                </a:rPr>
+                <a:t>rake</a:t>
+              </a:r>
+              <a:r>
+                <a:rPr lang="es-ES" sz="1800" dirty="0">
+                  <a:solidFill>
+                    <a:schemeClr val="tx1"/>
+                  </a:solidFill>
+                </a:rPr>
+                <a:t>) + pb(</a:t>
+              </a:r>
+              <a:r>
+                <a:rPr lang="es-ES" sz="1800" b="1" dirty="0">
+                  <a:solidFill>
+                    <a:schemeClr val="tx1"/>
+                  </a:solidFill>
+                </a:rPr>
+                <a:t>mantle Thickness</a:t>
+              </a:r>
+              <a:r>
+                <a:rPr lang="es-ES" sz="1800" dirty="0">
+                  <a:solidFill>
+                    <a:schemeClr val="tx1"/>
+                  </a:solidFill>
+                </a:rPr>
+                <a:t>) + </a:t>
+              </a:r>
+            </a:p>
+            <a:p>
+              <a:pPr algn="ctr">
+                <a:spcAft>
+                  <a:spcPts val="600"/>
+                </a:spcAft>
+              </a:pPr>
+              <a:r>
+                <a:rPr lang="es-ES" dirty="0">
+                  <a:solidFill>
+                    <a:schemeClr val="tx1"/>
+                  </a:solidFill>
+                </a:rPr>
+                <a:t>			             </a:t>
+              </a:r>
+              <a:r>
+                <a:rPr lang="es-ES" sz="1800" dirty="0">
+                  <a:solidFill>
+                    <a:schemeClr val="tx1"/>
+                  </a:solidFill>
+                </a:rPr>
+                <a:t>pb(</a:t>
+              </a:r>
+              <a:r>
+                <a:rPr lang="es-ES" sz="1800" b="1" dirty="0">
+                  <a:solidFill>
+                    <a:schemeClr val="tx1"/>
+                  </a:solidFill>
+                </a:rPr>
+                <a:t>crustal Thickness</a:t>
+              </a:r>
+              <a:r>
+                <a:rPr lang="es-ES" sz="1800" dirty="0">
+                  <a:solidFill>
+                    <a:schemeClr val="tx1"/>
+                  </a:solidFill>
+                </a:rPr>
+                <a:t>) + pb(</a:t>
+              </a:r>
+              <a:r>
+                <a:rPr lang="es-ES" sz="1800" b="1" dirty="0">
+                  <a:solidFill>
+                    <a:schemeClr val="tx1"/>
+                  </a:solidFill>
+                </a:rPr>
+                <a:t>completeness Magnitude</a:t>
+              </a:r>
+              <a:r>
+                <a:rPr lang="es-ES" sz="1800" dirty="0">
+                  <a:solidFill>
+                    <a:schemeClr val="tx1"/>
+                  </a:solidFill>
+                </a:rPr>
+                <a:t>) + pb(</a:t>
+              </a:r>
+              <a:r>
+                <a:rPr lang="es-ES" sz="1800" b="1" dirty="0">
+                  <a:solidFill>
+                    <a:schemeClr val="tx1"/>
+                  </a:solidFill>
+                </a:rPr>
+                <a:t>Zeitdifferenz</a:t>
+              </a:r>
+              <a:r>
+                <a:rPr lang="es-ES" sz="1800" dirty="0">
+                  <a:solidFill>
+                    <a:schemeClr val="tx1"/>
+                  </a:solidFill>
+                </a:rPr>
+                <a:t>)</a:t>
+              </a:r>
+            </a:p>
+            <a:p>
+              <a:pPr algn="ctr"/>
+              <a:endParaRPr lang="es-ES" dirty="0"/>
+            </a:p>
+          </p:txBody>
+        </p:sp>
+        <p:sp>
+          <p:nvSpPr>
+            <p:cNvPr id="5" name="Textfeld 4">
+              <a:extLst>
+                <a:ext uri="{FF2B5EF4-FFF2-40B4-BE49-F238E27FC236}">
+                  <a16:creationId xmlns:a16="http://schemas.microsoft.com/office/drawing/2014/main" id="{AC238ED5-8360-4E92-BBD2-1F183AA104CE}"/>
+                </a:ext>
+              </a:extLst>
+            </p:cNvPr>
+            <p:cNvSpPr txBox="1"/>
+            <p:nvPr/>
+          </p:nvSpPr>
+          <p:spPr>
+            <a:xfrm>
+              <a:off x="307749" y="3276600"/>
+              <a:ext cx="11921705" cy="400110"/>
+            </a:xfrm>
+            <a:prstGeom prst="rect">
+              <a:avLst/>
+            </a:prstGeom>
+            <a:noFill/>
+          </p:spPr>
+          <p:txBody>
+            <a:bodyPr wrap="square" rtlCol="0">
+              <a:spAutoFit/>
+            </a:bodyPr>
+            <a:lstStyle/>
+            <a:p>
+              <a:pPr>
+                <a:spcAft>
+                  <a:spcPts val="600"/>
+                </a:spcAft>
+              </a:pPr>
+              <a:r>
+                <a:rPr lang="es-ES" sz="2000" dirty="0"/>
+                <a:t>Modellgleichung:</a:t>
+              </a:r>
+              <a:endParaRPr lang="de-DE" sz="2000" dirty="0">
+                <a:solidFill>
+                  <a:srgbClr val="FF0000"/>
+                </a:solidFill>
+              </a:endParaRPr>
+            </a:p>
+          </p:txBody>
+        </p:sp>
+      </p:grpSp>
+      <p:sp>
+        <p:nvSpPr>
+          <p:cNvPr id="13" name="Textfeld 12">
+            <a:extLst>
+              <a:ext uri="{FF2B5EF4-FFF2-40B4-BE49-F238E27FC236}">
+                <a16:creationId xmlns:a16="http://schemas.microsoft.com/office/drawing/2014/main" id="{BA50115C-88EC-42CB-83A8-342A11293D0F}"/>
               </a:ext>
             </a:extLst>
           </p:cNvPr>
@@ -11874,8 +13210,8 @@
         </p:nvSpPr>
         <p:spPr>
           <a:xfrm>
-            <a:off x="307749" y="3276600"/>
-            <a:ext cx="11921705" cy="3016210"/>
+            <a:off x="307749" y="4912400"/>
+            <a:ext cx="10893156" cy="1477328"/>
           </a:xfrm>
           <a:prstGeom prst="rect">
             <a:avLst/>
@@ -11883,50 +13219,10 @@
           <a:noFill/>
         </p:spPr>
         <p:txBody>
-          <a:bodyPr wrap="square" rtlCol="0">
+          <a:bodyPr wrap="square">
             <a:spAutoFit/>
           </a:bodyPr>
           <a:lstStyle/>
-          <a:p>
-            <a:pPr>
-              <a:spcAft>
-                <a:spcPts val="600"/>
-              </a:spcAft>
-            </a:pPr>
-            <a:r>
-              <a:rPr lang="es-ES" sz="2000" dirty="0"/>
-              <a:t>Modellgleichung: </a:t>
-            </a:r>
-            <a:endParaRPr lang="de-DE" sz="2000" dirty="0">
-              <a:solidFill>
-                <a:srgbClr val="FF0000"/>
-              </a:solidFill>
-            </a:endParaRPr>
-          </a:p>
-          <a:p>
-            <a:pPr algn="ctr">
-              <a:spcAft>
-                <a:spcPts val="600"/>
-              </a:spcAft>
-            </a:pPr>
-            <a:endParaRPr lang="es-ES" sz="2000" dirty="0"/>
-          </a:p>
-          <a:p>
-            <a:pPr algn="ctr">
-              <a:spcAft>
-                <a:spcPts val="600"/>
-              </a:spcAft>
-            </a:pPr>
-            <a:endParaRPr lang="es-ES" sz="2000" dirty="0"/>
-          </a:p>
-          <a:p>
-            <a:pPr algn="ctr">
-              <a:spcAft>
-                <a:spcPts val="600"/>
-              </a:spcAft>
-            </a:pPr>
-            <a:endParaRPr lang="es-ES" sz="2000" dirty="0"/>
-          </a:p>
           <a:p>
             <a:pPr marL="742950" lvl="1" indent="-285750">
               <a:spcAft>
@@ -12023,7 +13319,7 @@
                             </p:stCondLst>
                             <p:childTnLst>
                               <p:par>
-                                <p:cTn id="5" presetID="1" presetClass="entr" presetSubtype="0" fill="hold" nodeType="clickEffect">
+                                <p:cTn id="5" presetID="1" presetClass="entr" presetSubtype="0" fill="hold" grpId="0" nodeType="clickEffect">
                                   <p:stCondLst>
                                     <p:cond delay="0"/>
                                   </p:stCondLst>
@@ -12036,135 +13332,7 @@
                                           </p:stCondLst>
                                         </p:cTn>
                                         <p:tgtEl>
-                                          <p:spTgt spid="2">
-                                            <p:txEl>
-                                              <p:pRg st="0" end="0"/>
-                                            </p:txEl>
-                                          </p:spTgt>
-                                        </p:tgtEl>
-                                        <p:attrNameLst>
-                                          <p:attrName>style.visibility</p:attrName>
-                                        </p:attrNameLst>
-                                      </p:cBhvr>
-                                      <p:to>
-                                        <p:strVal val="visible"/>
-                                      </p:to>
-                                    </p:set>
-                                  </p:childTnLst>
-                                </p:cTn>
-                              </p:par>
-                              <p:par>
-                                <p:cTn id="7" presetID="1" presetClass="entr" presetSubtype="0" fill="hold" nodeType="withEffect">
-                                  <p:stCondLst>
-                                    <p:cond delay="0"/>
-                                  </p:stCondLst>
-                                  <p:childTnLst>
-                                    <p:set>
-                                      <p:cBhvr>
-                                        <p:cTn id="8" dur="1" fill="hold">
-                                          <p:stCondLst>
-                                            <p:cond delay="0"/>
-                                          </p:stCondLst>
-                                        </p:cTn>
-                                        <p:tgtEl>
-                                          <p:spTgt spid="2">
-                                            <p:txEl>
-                                              <p:pRg st="1" end="1"/>
-                                            </p:txEl>
-                                          </p:spTgt>
-                                        </p:tgtEl>
-                                        <p:attrNameLst>
-                                          <p:attrName>style.visibility</p:attrName>
-                                        </p:attrNameLst>
-                                      </p:cBhvr>
-                                      <p:to>
-                                        <p:strVal val="visible"/>
-                                      </p:to>
-                                    </p:set>
-                                  </p:childTnLst>
-                                </p:cTn>
-                              </p:par>
-                              <p:par>
-                                <p:cTn id="9" presetID="1" presetClass="entr" presetSubtype="0" fill="hold" nodeType="withEffect">
-                                  <p:stCondLst>
-                                    <p:cond delay="0"/>
-                                  </p:stCondLst>
-                                  <p:childTnLst>
-                                    <p:set>
-                                      <p:cBhvr>
-                                        <p:cTn id="10" dur="1" fill="hold">
-                                          <p:stCondLst>
-                                            <p:cond delay="0"/>
-                                          </p:stCondLst>
-                                        </p:cTn>
-                                        <p:tgtEl>
-                                          <p:spTgt spid="2">
-                                            <p:txEl>
-                                              <p:pRg st="2" end="2"/>
-                                            </p:txEl>
-                                          </p:spTgt>
-                                        </p:tgtEl>
-                                        <p:attrNameLst>
-                                          <p:attrName>style.visibility</p:attrName>
-                                        </p:attrNameLst>
-                                      </p:cBhvr>
-                                      <p:to>
-                                        <p:strVal val="visible"/>
-                                      </p:to>
-                                    </p:set>
-                                  </p:childTnLst>
-                                </p:cTn>
-                              </p:par>
-                              <p:par>
-                                <p:cTn id="11" presetID="1" presetClass="entr" presetSubtype="0" fill="hold" nodeType="withEffect">
-                                  <p:stCondLst>
-                                    <p:cond delay="0"/>
-                                  </p:stCondLst>
-                                  <p:childTnLst>
-                                    <p:set>
-                                      <p:cBhvr>
-                                        <p:cTn id="12" dur="1" fill="hold">
-                                          <p:stCondLst>
-                                            <p:cond delay="0"/>
-                                          </p:stCondLst>
-                                        </p:cTn>
-                                        <p:tgtEl>
-                                          <p:spTgt spid="2">
-                                            <p:txEl>
-                                              <p:pRg st="3" end="3"/>
-                                            </p:txEl>
-                                          </p:spTgt>
-                                        </p:tgtEl>
-                                        <p:attrNameLst>
-                                          <p:attrName>style.visibility</p:attrName>
-                                        </p:attrNameLst>
-                                      </p:cBhvr>
-                                      <p:to>
-                                        <p:strVal val="visible"/>
-                                      </p:to>
-                                    </p:set>
-                                  </p:childTnLst>
-                                </p:cTn>
-                              </p:par>
-                              <p:par>
-                                <p:cTn id="13" presetID="1" presetClass="entr" presetSubtype="0" fill="hold" nodeType="withEffect">
-                                  <p:stCondLst>
-                                    <p:cond delay="0"/>
-                                  </p:stCondLst>
-                                  <p:childTnLst>
-                                    <p:set>
-                                      <p:cBhvr>
-                                        <p:cTn id="14" dur="1" fill="hold">
-                                          <p:stCondLst>
-                                            <p:cond delay="0"/>
-                                          </p:stCondLst>
-                                        </p:cTn>
-                                        <p:tgtEl>
-                                          <p:spTgt spid="2">
-                                            <p:txEl>
-                                              <p:pRg st="4" end="4"/>
-                                            </p:txEl>
-                                          </p:spTgt>
+                                          <p:spTgt spid="2"/>
                                         </p:tgtEl>
                                         <p:attrNameLst>
                                           <p:attrName>style.visibility</p:attrName>
@@ -12184,32 +13352,32 @@
                     </p:cTn>
                   </p:par>
                   <p:par>
-                    <p:cTn id="15" fill="hold">
+                    <p:cTn id="7" fill="hold">
                       <p:stCondLst>
                         <p:cond delay="indefinite"/>
                       </p:stCondLst>
                       <p:childTnLst>
                         <p:par>
-                          <p:cTn id="16" fill="hold">
+                          <p:cTn id="8" fill="hold">
                             <p:stCondLst>
                               <p:cond delay="0"/>
                             </p:stCondLst>
                             <p:childTnLst>
                               <p:par>
-                                <p:cTn id="17" presetID="1" presetClass="entr" presetSubtype="0" fill="hold" grpId="0" nodeType="clickEffect">
+                                <p:cTn id="9" presetID="1" presetClass="entr" presetSubtype="0" fill="hold" nodeType="clickEffect">
                                   <p:stCondLst>
                                     <p:cond delay="0"/>
                                   </p:stCondLst>
                                   <p:childTnLst>
                                     <p:set>
                                       <p:cBhvr>
-                                        <p:cTn id="18" dur="1" fill="hold">
+                                        <p:cTn id="10" dur="1" fill="hold">
                                           <p:stCondLst>
                                             <p:cond delay="0"/>
                                           </p:stCondLst>
                                         </p:cTn>
                                         <p:tgtEl>
-                                          <p:spTgt spid="5"/>
+                                          <p:spTgt spid="14"/>
                                         </p:tgtEl>
                                         <p:attrNameLst>
                                           <p:attrName>style.visibility</p:attrName>
@@ -12222,21 +13390,39 @@
                                   </p:childTnLst>
                                 </p:cTn>
                               </p:par>
+                            </p:childTnLst>
+                          </p:cTn>
+                        </p:par>
+                      </p:childTnLst>
+                    </p:cTn>
+                  </p:par>
+                  <p:par>
+                    <p:cTn id="11" fill="hold">
+                      <p:stCondLst>
+                        <p:cond delay="indefinite"/>
+                      </p:stCondLst>
+                      <p:childTnLst>
+                        <p:par>
+                          <p:cTn id="12" fill="hold">
+                            <p:stCondLst>
+                              <p:cond delay="0"/>
+                            </p:stCondLst>
+                            <p:childTnLst>
                               <p:par>
-                                <p:cTn id="19" presetID="1" presetClass="entr" presetSubtype="0" fill="hold" grpId="0" nodeType="withEffect">
+                                <p:cTn id="13" presetID="1" presetClass="entr" presetSubtype="0" fill="hold" grpId="0" nodeType="clickEffect">
                                   <p:stCondLst>
                                     <p:cond delay="0"/>
                                   </p:stCondLst>
                                   <p:childTnLst>
                                     <p:set>
                                       <p:cBhvr>
-                                        <p:cTn id="20" dur="1" fill="hold">
+                                        <p:cTn id="14" dur="1" fill="hold">
                                           <p:stCondLst>
                                             <p:cond delay="0"/>
                                           </p:stCondLst>
                                         </p:cTn>
                                         <p:tgtEl>
-                                          <p:spTgt spid="10"/>
+                                          <p:spTgt spid="13"/>
                                         </p:tgtEl>
                                         <p:attrNameLst>
                                           <p:attrName>style.visibility</p:attrName>
@@ -12277,8 +13463,8 @@
       </p:par>
     </p:tnLst>
     <p:bldLst>
-      <p:bldP spid="10" grpId="0" animBg="1"/>
-      <p:bldP spid="5" grpId="0"/>
+      <p:bldP spid="2" grpId="0"/>
+      <p:bldP spid="13" grpId="0"/>
     </p:bldLst>
   </p:timing>
 </p:sld>
@@ -12623,6 +13809,41 @@
           <a:chExt cx="0" cy="0"/>
         </a:xfrm>
       </p:grpSpPr>
+      <p:pic>
+        <p:nvPicPr>
+          <p:cNvPr id="5" name="Grafik 4">
+            <a:extLst>
+              <a:ext uri="{FF2B5EF4-FFF2-40B4-BE49-F238E27FC236}">
+                <a16:creationId xmlns:a16="http://schemas.microsoft.com/office/drawing/2014/main" id="{FD566A7E-4498-441F-A65D-572E89574511}"/>
+              </a:ext>
+            </a:extLst>
+          </p:cNvPr>
+          <p:cNvPicPr>
+            <a:picLocks noChangeAspect="1"/>
+          </p:cNvPicPr>
+          <p:nvPr/>
+        </p:nvPicPr>
+        <p:blipFill rotWithShape="1">
+          <a:blip r:embed="rId2">
+            <a:extLst>
+              <a:ext uri="{28A0092B-C50C-407E-A947-70E740481C1C}">
+                <a14:useLocalDpi xmlns:a14="http://schemas.microsoft.com/office/drawing/2010/main" val="0"/>
+              </a:ext>
+            </a:extLst>
+          </a:blip>
+          <a:srcRect l="4368" t="14153" r="4214" b="3224"/>
+          <a:stretch/>
+        </p:blipFill>
+        <p:spPr>
+          <a:xfrm>
+            <a:off x="1982297" y="2166642"/>
+            <a:ext cx="7631686" cy="4029832"/>
+          </a:xfrm>
+          <a:prstGeom prst="rect">
+            <a:avLst/>
+          </a:prstGeom>
+        </p:spPr>
+      </p:pic>
       <p:sp>
         <p:nvSpPr>
           <p:cNvPr id="4" name="Foliennummernplatzhalter 3">
@@ -12941,41 +14162,6 @@
           </a:p>
         </p:txBody>
       </p:sp>
-      <p:pic>
-        <p:nvPicPr>
-          <p:cNvPr id="13" name="Grafik 12">
-            <a:extLst>
-              <a:ext uri="{FF2B5EF4-FFF2-40B4-BE49-F238E27FC236}">
-                <a16:creationId xmlns:a16="http://schemas.microsoft.com/office/drawing/2014/main" id="{FD2BDF5B-D31D-4790-88DF-673C1B6F9CD5}"/>
-              </a:ext>
-            </a:extLst>
-          </p:cNvPr>
-          <p:cNvPicPr>
-            <a:picLocks noChangeAspect="1"/>
-          </p:cNvPicPr>
-          <p:nvPr/>
-        </p:nvPicPr>
-        <p:blipFill rotWithShape="1">
-          <a:blip r:embed="rId2">
-            <a:extLst>
-              <a:ext uri="{28A0092B-C50C-407E-A947-70E740481C1C}">
-                <a14:useLocalDpi xmlns:a14="http://schemas.microsoft.com/office/drawing/2010/main" val="0"/>
-              </a:ext>
-            </a:extLst>
-          </a:blip>
-          <a:srcRect l="3897" t="3536" r="3753" b="3943"/>
-          <a:stretch/>
-        </p:blipFill>
-        <p:spPr>
-          <a:xfrm>
-            <a:off x="2039061" y="1551248"/>
-            <a:ext cx="8009626" cy="4270192"/>
-          </a:xfrm>
-          <a:prstGeom prst="rect">
-            <a:avLst/>
-          </a:prstGeom>
-        </p:spPr>
-      </p:pic>
       <p:sp>
         <p:nvSpPr>
           <p:cNvPr id="17" name="Textfeld 16">
@@ -12990,7 +14176,7 @@
         </p:nvSpPr>
         <p:spPr>
           <a:xfrm rot="16200000">
-            <a:off x="-180666" y="3369170"/>
+            <a:off x="-232423" y="3550593"/>
             <a:ext cx="3505745" cy="523220"/>
           </a:xfrm>
           <a:prstGeom prst="rect">
@@ -13033,10 +14219,10 @@
         </p:nvGrpSpPr>
         <p:grpSpPr>
           <a:xfrm>
-            <a:off x="9201511" y="4249271"/>
-            <a:ext cx="2616678" cy="501008"/>
-            <a:chOff x="9161254" y="4600079"/>
-            <a:chExt cx="2616678" cy="501008"/>
+            <a:off x="7740770" y="5270652"/>
+            <a:ext cx="2899817" cy="1176326"/>
+            <a:chOff x="8878115" y="3924761"/>
+            <a:chExt cx="2899817" cy="1176326"/>
           </a:xfrm>
         </p:grpSpPr>
         <p:sp>
@@ -13120,9 +14306,9 @@
             <p:nvPr/>
           </p:nvCxnSpPr>
           <p:spPr>
-            <a:xfrm flipH="1">
-              <a:off x="9161254" y="4850583"/>
-              <a:ext cx="1092678" cy="250504"/>
+            <a:xfrm flipH="1" flipV="1">
+              <a:off x="8878115" y="3924761"/>
+              <a:ext cx="1375817" cy="925822"/>
             </a:xfrm>
             <a:prstGeom prst="straightConnector1">
               <a:avLst/>
@@ -13164,10 +14350,10 @@
         </p:nvGrpSpPr>
         <p:grpSpPr>
           <a:xfrm>
-            <a:off x="3638912" y="2374102"/>
-            <a:ext cx="3821500" cy="661945"/>
-            <a:chOff x="8978663" y="4105543"/>
-            <a:chExt cx="3821500" cy="661945"/>
+            <a:off x="8436634" y="1427930"/>
+            <a:ext cx="3129951" cy="1560533"/>
+            <a:chOff x="9670212" y="4105543"/>
+            <a:chExt cx="3129951" cy="1560533"/>
           </a:xfrm>
         </p:grpSpPr>
         <p:sp>
@@ -13252,8 +14438,8 @@
           </p:nvCxnSpPr>
           <p:spPr>
             <a:xfrm flipH="1">
-              <a:off x="8978663" y="4436516"/>
-              <a:ext cx="1092676" cy="272876"/>
+              <a:off x="9670212" y="4436516"/>
+              <a:ext cx="401127" cy="1229560"/>
             </a:xfrm>
             <a:prstGeom prst="straightConnector1">
               <a:avLst/>
@@ -13281,45 +14467,6 @@
           </p:style>
         </p:cxnSp>
       </p:grpSp>
-      <p:sp>
-        <p:nvSpPr>
-          <p:cNvPr id="2" name="Textfeld 1">
-            <a:extLst>
-              <a:ext uri="{FF2B5EF4-FFF2-40B4-BE49-F238E27FC236}">
-                <a16:creationId xmlns:a16="http://schemas.microsoft.com/office/drawing/2014/main" id="{A59917CD-54DA-4C65-A5D8-461533A91C42}"/>
-              </a:ext>
-            </a:extLst>
-          </p:cNvPr>
-          <p:cNvSpPr txBox="1"/>
-          <p:nvPr/>
-        </p:nvSpPr>
-        <p:spPr>
-          <a:xfrm>
-            <a:off x="9903012" y="1398494"/>
-            <a:ext cx="1092678" cy="923330"/>
-          </a:xfrm>
-          <a:prstGeom prst="rect">
-            <a:avLst/>
-          </a:prstGeom>
-          <a:noFill/>
-        </p:spPr>
-        <p:txBody>
-          <a:bodyPr wrap="square" rtlCol="0">
-            <a:spAutoFit/>
-          </a:bodyPr>
-          <a:lstStyle/>
-          <a:p>
-            <a:r>
-              <a:rPr lang="es-ES" dirty="0">
-                <a:solidFill>
-                  <a:srgbClr val="FF0000"/>
-                </a:solidFill>
-              </a:rPr>
-              <a:t>Evtl anderes Beispiel</a:t>
-            </a:r>
-          </a:p>
-        </p:txBody>
-      </p:sp>
     </p:spTree>
     <p:extLst>
       <p:ext uri="{BB962C8B-B14F-4D97-AF65-F5344CB8AC3E}">
@@ -14849,12 +15996,75 @@
           </a:p>
         </p:txBody>
       </p:sp>
+      <p:sp>
+        <p:nvSpPr>
+          <p:cNvPr id="21" name="Textfeld 20">
+            <a:extLst>
+              <a:ext uri="{FF2B5EF4-FFF2-40B4-BE49-F238E27FC236}">
+                <a16:creationId xmlns:a16="http://schemas.microsoft.com/office/drawing/2014/main" id="{4D543779-0E56-4317-ABC3-93BD74B56590}"/>
+              </a:ext>
+            </a:extLst>
+          </p:cNvPr>
+          <p:cNvSpPr txBox="1"/>
+          <p:nvPr/>
+        </p:nvSpPr>
+        <p:spPr>
+          <a:xfrm>
+            <a:off x="8610600" y="2486212"/>
+            <a:ext cx="3169024" cy="2523768"/>
+          </a:xfrm>
+          <a:prstGeom prst="rect">
+            <a:avLst/>
+          </a:prstGeom>
+          <a:noFill/>
+        </p:spPr>
+        <p:txBody>
+          <a:bodyPr wrap="square" rtlCol="0">
+            <a:spAutoFit/>
+          </a:bodyPr>
+          <a:lstStyle/>
+          <a:p>
+            <a:pPr marL="342900" indent="-342900">
+              <a:buFont typeface="Arial" panose="020B0604020202020204" pitchFamily="34" charset="0"/>
+              <a:buChar char="•"/>
+            </a:pPr>
+            <a:r>
+              <a:rPr lang="es-ES" sz="2000" dirty="0"/>
+              <a:t>Effekt der Completeness Magnitude deutlich größer als bei der triggernden Magnitude</a:t>
+            </a:r>
+          </a:p>
+          <a:p>
+            <a:pPr marL="342900" indent="-342900">
+              <a:buFont typeface="Arial" panose="020B0604020202020204" pitchFamily="34" charset="0"/>
+              <a:buChar char="•"/>
+            </a:pPr>
+            <a:endParaRPr lang="es-ES" sz="900" dirty="0"/>
+          </a:p>
+          <a:p>
+            <a:pPr marL="342900" indent="-342900">
+              <a:buFont typeface="Arial" panose="020B0604020202020204" pitchFamily="34" charset="0"/>
+              <a:buChar char="•"/>
+            </a:pPr>
+            <a:r>
+              <a:rPr lang="es-ES" sz="2000" dirty="0"/>
+              <a:t>Achtung: Completeness Magnitude keine physikalische Größe</a:t>
+            </a:r>
+          </a:p>
+          <a:p>
+            <a:pPr marL="342900" indent="-342900">
+              <a:buFont typeface="Arial" panose="020B0604020202020204" pitchFamily="34" charset="0"/>
+              <a:buChar char="•"/>
+            </a:pPr>
+            <a:endParaRPr lang="es-ES" sz="900" dirty="0"/>
+          </a:p>
+        </p:txBody>
+      </p:sp>
       <p:grpSp>
         <p:nvGrpSpPr>
-          <p:cNvPr id="20" name="Gruppieren 19">
-            <a:extLst>
-              <a:ext uri="{FF2B5EF4-FFF2-40B4-BE49-F238E27FC236}">
-                <a16:creationId xmlns:a16="http://schemas.microsoft.com/office/drawing/2014/main" id="{E844C535-AADB-44FF-A9CE-C675561205E4}"/>
+          <p:cNvPr id="11" name="Gruppieren 10">
+            <a:extLst>
+              <a:ext uri="{FF2B5EF4-FFF2-40B4-BE49-F238E27FC236}">
+                <a16:creationId xmlns:a16="http://schemas.microsoft.com/office/drawing/2014/main" id="{A55D8076-C2B4-4C92-A841-02442CB7DD7A}"/>
               </a:ext>
             </a:extLst>
           </p:cNvPr>
@@ -14863,10 +16073,10 @@
         </p:nvGrpSpPr>
         <p:grpSpPr>
           <a:xfrm>
-            <a:off x="241173" y="2061708"/>
-            <a:ext cx="8011640" cy="4239698"/>
-            <a:chOff x="241173" y="2061708"/>
-            <a:chExt cx="8011640" cy="4239698"/>
+            <a:off x="302057" y="2049041"/>
+            <a:ext cx="7812043" cy="3807148"/>
+            <a:chOff x="230583" y="1946683"/>
+            <a:chExt cx="7812043" cy="3807148"/>
           </a:xfrm>
         </p:grpSpPr>
         <p:grpSp>
@@ -14883,47 +16093,12 @@
           </p:nvGrpSpPr>
           <p:grpSpPr>
             <a:xfrm>
-              <a:off x="241173" y="2061708"/>
-              <a:ext cx="8011640" cy="4239698"/>
-              <a:chOff x="223244" y="2025748"/>
-              <a:chExt cx="8011640" cy="4239698"/>
+              <a:off x="230583" y="1946683"/>
+              <a:ext cx="5502313" cy="3807148"/>
+              <a:chOff x="212654" y="1910723"/>
+              <a:chExt cx="5502313" cy="3807148"/>
             </a:xfrm>
           </p:grpSpPr>
-          <p:pic>
-            <p:nvPicPr>
-              <p:cNvPr id="13" name="Grafik 12">
-                <a:extLst>
-                  <a:ext uri="{FF2B5EF4-FFF2-40B4-BE49-F238E27FC236}">
-                    <a16:creationId xmlns:a16="http://schemas.microsoft.com/office/drawing/2014/main" id="{DFC526A0-26E7-43CA-AE77-1F748BE95F28}"/>
-                  </a:ext>
-                </a:extLst>
-              </p:cNvPr>
-              <p:cNvPicPr>
-                <a:picLocks noChangeAspect="1"/>
-              </p:cNvPicPr>
-              <p:nvPr/>
-            </p:nvPicPr>
-            <p:blipFill rotWithShape="1">
-              <a:blip r:embed="rId2">
-                <a:extLst>
-                  <a:ext uri="{28A0092B-C50C-407E-A947-70E740481C1C}">
-                    <a14:useLocalDpi xmlns:a14="http://schemas.microsoft.com/office/drawing/2010/main" val="0"/>
-                  </a:ext>
-                </a:extLst>
-              </a:blip>
-              <a:srcRect l="4829" t="14578" r="4192" b="10848"/>
-              <a:stretch/>
-            </p:blipFill>
-            <p:spPr>
-              <a:xfrm>
-                <a:off x="838200" y="2025748"/>
-                <a:ext cx="7396684" cy="3931921"/>
-              </a:xfrm>
-              <a:prstGeom prst="rect">
-                <a:avLst/>
-              </a:prstGeom>
-            </p:spPr>
-          </p:pic>
           <p:sp>
             <p:nvSpPr>
               <p:cNvPr id="14" name="Textfeld 13">
@@ -14938,7 +16113,7 @@
             </p:nvSpPr>
             <p:spPr>
               <a:xfrm>
-                <a:off x="4168093" y="5957669"/>
+                <a:off x="4195656" y="5410094"/>
                 <a:ext cx="1519311" cy="307777"/>
               </a:xfrm>
               <a:prstGeom prst="rect">
@@ -14973,7 +16148,7 @@
             </p:nvSpPr>
             <p:spPr>
               <a:xfrm rot="16200000">
-                <a:off x="-1222719" y="3730097"/>
+                <a:off x="-1233309" y="3356686"/>
                 <a:ext cx="3415145" cy="523220"/>
               </a:xfrm>
               <a:prstGeom prst="rect">
@@ -14996,12 +16171,47 @@
             </p:txBody>
           </p:sp>
         </p:grpSp>
+        <p:pic>
+          <p:nvPicPr>
+            <p:cNvPr id="3" name="Grafik 2">
+              <a:extLst>
+                <a:ext uri="{FF2B5EF4-FFF2-40B4-BE49-F238E27FC236}">
+                  <a16:creationId xmlns:a16="http://schemas.microsoft.com/office/drawing/2014/main" id="{875FCCE6-2F01-4F54-8841-B146ADEA088B}"/>
+                </a:ext>
+              </a:extLst>
+            </p:cNvPr>
+            <p:cNvPicPr>
+              <a:picLocks noChangeAspect="1"/>
+            </p:cNvPicPr>
+            <p:nvPr/>
+          </p:nvPicPr>
+          <p:blipFill rotWithShape="1">
+            <a:blip r:embed="rId2">
+              <a:extLst>
+                <a:ext uri="{28A0092B-C50C-407E-A947-70E740481C1C}">
+                  <a14:useLocalDpi xmlns:a14="http://schemas.microsoft.com/office/drawing/2010/main" val="0"/>
+                </a:ext>
+              </a:extLst>
+            </a:blip>
+            <a:srcRect l="4648" t="15292" r="4014" b="11804"/>
+            <a:stretch/>
+          </p:blipFill>
+          <p:spPr>
+            <a:xfrm>
+              <a:off x="864121" y="2147617"/>
+              <a:ext cx="7178505" cy="3347560"/>
+            </a:xfrm>
+            <a:prstGeom prst="rect">
+              <a:avLst/>
+            </a:prstGeom>
+          </p:spPr>
+        </p:pic>
         <p:sp>
           <p:nvSpPr>
-            <p:cNvPr id="17" name="Textfeld 16">
+            <p:cNvPr id="22" name="Textfeld 21">
               <a:extLst>
                 <a:ext uri="{FF2B5EF4-FFF2-40B4-BE49-F238E27FC236}">
-                  <a16:creationId xmlns:a16="http://schemas.microsoft.com/office/drawing/2014/main" id="{B0CB401F-9C5C-4344-BEE6-278E8C40D09C}"/>
+                  <a16:creationId xmlns:a16="http://schemas.microsoft.com/office/drawing/2014/main" id="{4C7BE5BD-6D88-4A8F-B641-5AD4A1B39759}"/>
                 </a:ext>
               </a:extLst>
             </p:cNvPr>
@@ -15010,8 +16220,8 @@
           </p:nvSpPr>
           <p:spPr>
             <a:xfrm>
-              <a:off x="3675528" y="2673530"/>
-              <a:ext cx="2196353" cy="307777"/>
+              <a:off x="3519416" y="2406271"/>
+              <a:ext cx="2144404" cy="307777"/>
             </a:xfrm>
             <a:prstGeom prst="rect">
               <a:avLst/>
@@ -15019,7 +16229,7 @@
             <a:noFill/>
           </p:spPr>
           <p:txBody>
-            <a:bodyPr wrap="square" rtlCol="0">
+            <a:bodyPr wrap="square">
               <a:spAutoFit/>
             </a:bodyPr>
             <a:lstStyle/>
@@ -15033,10 +16243,10 @@
         </p:sp>
         <p:sp>
           <p:nvSpPr>
-            <p:cNvPr id="19" name="Textfeld 18">
+            <p:cNvPr id="23" name="Textfeld 22">
               <a:extLst>
                 <a:ext uri="{FF2B5EF4-FFF2-40B4-BE49-F238E27FC236}">
-                  <a16:creationId xmlns:a16="http://schemas.microsoft.com/office/drawing/2014/main" id="{2C746045-38C7-44C7-B0C6-91F8904A8572}"/>
+                  <a16:creationId xmlns:a16="http://schemas.microsoft.com/office/drawing/2014/main" id="{4F63B2C2-EE78-476A-932A-73F427D8DBB2}"/>
                 </a:ext>
               </a:extLst>
             </p:cNvPr>
@@ -15045,8 +16255,8 @@
           </p:nvSpPr>
           <p:spPr>
             <a:xfrm>
-              <a:off x="6173694" y="4906534"/>
-              <a:ext cx="1978212" cy="307777"/>
+              <a:off x="6016957" y="4087925"/>
+              <a:ext cx="1878273" cy="304801"/>
             </a:xfrm>
             <a:prstGeom prst="rect">
               <a:avLst/>
@@ -15054,7 +16264,7 @@
             <a:noFill/>
           </p:spPr>
           <p:txBody>
-            <a:bodyPr wrap="square" rtlCol="0">
+            <a:bodyPr wrap="square">
               <a:spAutoFit/>
             </a:bodyPr>
             <a:lstStyle/>
@@ -15067,78 +16277,6 @@
           </p:txBody>
         </p:sp>
       </p:grpSp>
-      <p:sp>
-        <p:nvSpPr>
-          <p:cNvPr id="21" name="Textfeld 20">
-            <a:extLst>
-              <a:ext uri="{FF2B5EF4-FFF2-40B4-BE49-F238E27FC236}">
-                <a16:creationId xmlns:a16="http://schemas.microsoft.com/office/drawing/2014/main" id="{4D543779-0E56-4317-ABC3-93BD74B56590}"/>
-              </a:ext>
-            </a:extLst>
-          </p:cNvPr>
-          <p:cNvSpPr txBox="1"/>
-          <p:nvPr/>
-        </p:nvSpPr>
-        <p:spPr>
-          <a:xfrm>
-            <a:off x="8610600" y="2486212"/>
-            <a:ext cx="3169024" cy="2831544"/>
-          </a:xfrm>
-          <a:prstGeom prst="rect">
-            <a:avLst/>
-          </a:prstGeom>
-          <a:noFill/>
-        </p:spPr>
-        <p:txBody>
-          <a:bodyPr wrap="square" rtlCol="0">
-            <a:spAutoFit/>
-          </a:bodyPr>
-          <a:lstStyle/>
-          <a:p>
-            <a:pPr marL="342900" indent="-342900">
-              <a:buFont typeface="Arial" panose="020B0604020202020204" pitchFamily="34" charset="0"/>
-              <a:buChar char="•"/>
-            </a:pPr>
-            <a:r>
-              <a:rPr lang="es-ES" sz="2000" dirty="0"/>
-              <a:t>Effekt der Completeness Magnitude deutlich größer als bei der triggernden Magnitude</a:t>
-            </a:r>
-          </a:p>
-          <a:p>
-            <a:pPr marL="342900" indent="-342900">
-              <a:buFont typeface="Arial" panose="020B0604020202020204" pitchFamily="34" charset="0"/>
-              <a:buChar char="•"/>
-            </a:pPr>
-            <a:endParaRPr lang="es-ES" sz="900" dirty="0"/>
-          </a:p>
-          <a:p>
-            <a:pPr marL="342900" indent="-342900">
-              <a:buFont typeface="Arial" panose="020B0604020202020204" pitchFamily="34" charset="0"/>
-              <a:buChar char="•"/>
-            </a:pPr>
-            <a:r>
-              <a:rPr lang="es-ES" sz="2000" dirty="0"/>
-              <a:t>Achtung: Completeness Magnitude keine physikalische Größe</a:t>
-            </a:r>
-          </a:p>
-          <a:p>
-            <a:pPr marL="342900" indent="-342900">
-              <a:buFont typeface="Arial" panose="020B0604020202020204" pitchFamily="34" charset="0"/>
-              <a:buChar char="•"/>
-            </a:pPr>
-            <a:endParaRPr lang="es-ES" sz="900" dirty="0"/>
-          </a:p>
-          <a:p>
-            <a:r>
-              <a:rPr lang="es-ES" sz="2000" dirty="0">
-                <a:sym typeface="Wingdings" panose="05000000000000000000" pitchFamily="2" charset="2"/>
-              </a:rPr>
-              <a:t> _______</a:t>
-            </a:r>
-            <a:endParaRPr lang="es-ES" sz="2000" dirty="0"/>
-          </a:p>
-        </p:txBody>
-      </p:sp>
     </p:spTree>
     <p:extLst>
       <p:ext uri="{BB962C8B-B14F-4D97-AF65-F5344CB8AC3E}">
@@ -15988,10 +17126,10 @@
       </p:sp>
       <p:grpSp>
         <p:nvGrpSpPr>
-          <p:cNvPr id="17" name="Gruppieren 16">
-            <a:extLst>
-              <a:ext uri="{FF2B5EF4-FFF2-40B4-BE49-F238E27FC236}">
-                <a16:creationId xmlns:a16="http://schemas.microsoft.com/office/drawing/2014/main" id="{B4092989-931C-4A5D-9327-A71AE6CC24EA}"/>
+          <p:cNvPr id="14" name="Gruppieren 13">
+            <a:extLst>
+              <a:ext uri="{FF2B5EF4-FFF2-40B4-BE49-F238E27FC236}">
+                <a16:creationId xmlns:a16="http://schemas.microsoft.com/office/drawing/2014/main" id="{45F74E9E-F0D1-4AE9-894D-EAF7994F757E}"/>
               </a:ext>
             </a:extLst>
           </p:cNvPr>
@@ -16000,152 +17138,18 @@
         </p:nvGrpSpPr>
         <p:grpSpPr>
           <a:xfrm>
-            <a:off x="741084" y="1982782"/>
-            <a:ext cx="7159808" cy="4245941"/>
-            <a:chOff x="460190" y="1943788"/>
-            <a:chExt cx="7159808" cy="4245941"/>
+            <a:off x="347220" y="1855155"/>
+            <a:ext cx="5025017" cy="3950652"/>
+            <a:chOff x="66326" y="1816161"/>
+            <a:chExt cx="5025017" cy="3950652"/>
           </a:xfrm>
         </p:grpSpPr>
-        <p:grpSp>
-          <p:nvGrpSpPr>
-            <p:cNvPr id="14" name="Gruppieren 13">
+        <p:sp>
+          <p:nvSpPr>
+            <p:cNvPr id="19" name="Textfeld 18">
               <a:extLst>
                 <a:ext uri="{FF2B5EF4-FFF2-40B4-BE49-F238E27FC236}">
-                  <a16:creationId xmlns:a16="http://schemas.microsoft.com/office/drawing/2014/main" id="{45F74E9E-F0D1-4AE9-894D-EAF7994F757E}"/>
-                </a:ext>
-              </a:extLst>
-            </p:cNvPr>
-            <p:cNvGrpSpPr/>
-            <p:nvPr/>
-          </p:nvGrpSpPr>
-          <p:grpSpPr>
-            <a:xfrm>
-              <a:off x="460190" y="1943788"/>
-              <a:ext cx="7159808" cy="4245941"/>
-              <a:chOff x="460190" y="1943788"/>
-              <a:chExt cx="7159808" cy="4245941"/>
-            </a:xfrm>
-          </p:grpSpPr>
-          <p:pic>
-            <p:nvPicPr>
-              <p:cNvPr id="12" name="Grafik 11">
-                <a:extLst>
-                  <a:ext uri="{FF2B5EF4-FFF2-40B4-BE49-F238E27FC236}">
-                    <a16:creationId xmlns:a16="http://schemas.microsoft.com/office/drawing/2014/main" id="{F6AE6425-B773-417F-8908-EC6034B669AF}"/>
-                  </a:ext>
-                </a:extLst>
-              </p:cNvPr>
-              <p:cNvPicPr>
-                <a:picLocks noChangeAspect="1"/>
-              </p:cNvPicPr>
-              <p:nvPr/>
-            </p:nvPicPr>
-            <p:blipFill rotWithShape="1">
-              <a:blip r:embed="rId2">
-                <a:extLst>
-                  <a:ext uri="{28A0092B-C50C-407E-A947-70E740481C1C}">
-                    <a14:useLocalDpi xmlns:a14="http://schemas.microsoft.com/office/drawing/2010/main" val="0"/>
-                  </a:ext>
-                </a:extLst>
-              </a:blip>
-              <a:srcRect l="6159" t="15092" r="5136" b="12430"/>
-              <a:stretch/>
-            </p:blipFill>
-            <p:spPr>
-              <a:xfrm>
-                <a:off x="1039409" y="1943788"/>
-                <a:ext cx="6580589" cy="3853062"/>
-              </a:xfrm>
-              <a:prstGeom prst="rect">
-                <a:avLst/>
-              </a:prstGeom>
-            </p:spPr>
-          </p:pic>
-          <p:sp>
-            <p:nvSpPr>
-              <p:cNvPr id="19" name="Textfeld 18">
-                <a:extLst>
-                  <a:ext uri="{FF2B5EF4-FFF2-40B4-BE49-F238E27FC236}">
-                    <a16:creationId xmlns:a16="http://schemas.microsoft.com/office/drawing/2014/main" id="{5ED1AB33-2DF7-4D07-9556-6881FE212FBB}"/>
-                  </a:ext>
-                </a:extLst>
-              </p:cNvPr>
-              <p:cNvSpPr txBox="1"/>
-              <p:nvPr/>
-            </p:nvSpPr>
-            <p:spPr>
-              <a:xfrm>
-                <a:off x="3899761" y="5881952"/>
-                <a:ext cx="1204144" cy="307777"/>
-              </a:xfrm>
-              <a:prstGeom prst="rect">
-                <a:avLst/>
-              </a:prstGeom>
-              <a:noFill/>
-            </p:spPr>
-            <p:txBody>
-              <a:bodyPr wrap="square" rtlCol="0">
-                <a:spAutoFit/>
-              </a:bodyPr>
-              <a:lstStyle/>
-              <a:p>
-                <a:r>
-                  <a:rPr lang="es-ES" sz="1400" dirty="0"/>
-                  <a:t>Magnitude</a:t>
-                </a:r>
-              </a:p>
-            </p:txBody>
-          </p:sp>
-          <p:sp>
-            <p:nvSpPr>
-              <p:cNvPr id="23" name="Textfeld 22">
-                <a:extLst>
-                  <a:ext uri="{FF2B5EF4-FFF2-40B4-BE49-F238E27FC236}">
-                    <a16:creationId xmlns:a16="http://schemas.microsoft.com/office/drawing/2014/main" id="{85EEF9EF-A16D-47F4-81A0-72F2A81FC137}"/>
-                  </a:ext>
-                </a:extLst>
-              </p:cNvPr>
-              <p:cNvSpPr txBox="1"/>
-              <p:nvPr/>
-            </p:nvSpPr>
-            <p:spPr>
-              <a:xfrm rot="16200000">
-                <a:off x="-1063671" y="3467649"/>
-                <a:ext cx="3570941" cy="523220"/>
-              </a:xfrm>
-              <a:prstGeom prst="rect">
-                <a:avLst/>
-              </a:prstGeom>
-              <a:noFill/>
-            </p:spPr>
-            <p:txBody>
-              <a:bodyPr wrap="square" rtlCol="0">
-                <a:spAutoFit/>
-              </a:bodyPr>
-              <a:lstStyle/>
-              <a:p>
-                <a:pPr algn="ctr"/>
-                <a:r>
-                  <a:rPr lang="es-ES" sz="1400" dirty="0"/>
-                  <a:t>Multiplikativer Effekt auf die </a:t>
-                </a:r>
-              </a:p>
-              <a:p>
-                <a:pPr algn="ctr"/>
-                <a:r>
-                  <a:rPr lang="es-ES" sz="1400" dirty="0"/>
-                  <a:t>Varianz der getriggerten Magnitude</a:t>
-                </a:r>
-              </a:p>
-            </p:txBody>
-          </p:sp>
-        </p:grpSp>
-        <p:sp>
-          <p:nvSpPr>
-            <p:cNvPr id="15" name="Textfeld 14">
-              <a:extLst>
-                <a:ext uri="{FF2B5EF4-FFF2-40B4-BE49-F238E27FC236}">
-                  <a16:creationId xmlns:a16="http://schemas.microsoft.com/office/drawing/2014/main" id="{99D6386B-4722-46A1-BD68-8974100E5056}"/>
+                  <a16:creationId xmlns:a16="http://schemas.microsoft.com/office/drawing/2014/main" id="{5ED1AB33-2DF7-4D07-9556-6881FE212FBB}"/>
                 </a:ext>
               </a:extLst>
             </p:cNvPr>
@@ -16154,8 +17158,8 @@
           </p:nvSpPr>
           <p:spPr>
             <a:xfrm>
-              <a:off x="5520766" y="2093882"/>
-              <a:ext cx="1812364" cy="307777"/>
+              <a:off x="3887199" y="5459036"/>
+              <a:ext cx="1204144" cy="307777"/>
             </a:xfrm>
             <a:prstGeom prst="rect">
               <a:avLst/>
@@ -16170,17 +17174,17 @@
             <a:p>
               <a:r>
                 <a:rPr lang="es-ES" sz="1400" dirty="0"/>
-                <a:t>Triggernde Magnitude</a:t>
+                <a:t>Magnitude</a:t>
               </a:r>
             </a:p>
           </p:txBody>
         </p:sp>
         <p:sp>
           <p:nvSpPr>
-            <p:cNvPr id="24" name="Textfeld 23">
+            <p:cNvPr id="23" name="Textfeld 22">
               <a:extLst>
                 <a:ext uri="{FF2B5EF4-FFF2-40B4-BE49-F238E27FC236}">
-                  <a16:creationId xmlns:a16="http://schemas.microsoft.com/office/drawing/2014/main" id="{DAB84973-32AE-4D14-8713-4AC0F16AED43}"/>
+                  <a16:creationId xmlns:a16="http://schemas.microsoft.com/office/drawing/2014/main" id="{85EEF9EF-A16D-47F4-81A0-72F2A81FC137}"/>
                 </a:ext>
               </a:extLst>
             </p:cNvPr>
@@ -16188,9 +17192,9 @@
             <p:nvPr/>
           </p:nvSpPr>
           <p:spPr>
-            <a:xfrm>
-              <a:off x="3575426" y="4999477"/>
-              <a:ext cx="2072340" cy="307777"/>
+            <a:xfrm rot="16200000">
+              <a:off x="-1457535" y="3340022"/>
+              <a:ext cx="3570941" cy="523220"/>
             </a:xfrm>
             <a:prstGeom prst="rect">
               <a:avLst/>
@@ -16203,14 +17207,130 @@
             </a:bodyPr>
             <a:lstStyle/>
             <a:p>
+              <a:pPr algn="ctr"/>
               <a:r>
                 <a:rPr lang="es-ES" sz="1400" dirty="0"/>
-                <a:t>Completeness Magnitude</a:t>
+                <a:t>Multiplikativer Effekt auf die </a:t>
+              </a:r>
+            </a:p>
+            <a:p>
+              <a:pPr algn="ctr"/>
+              <a:r>
+                <a:rPr lang="es-ES" sz="1400" dirty="0"/>
+                <a:t>Varianz der getriggerten Magnitude</a:t>
               </a:r>
             </a:p>
           </p:txBody>
         </p:sp>
       </p:grpSp>
+      <p:pic>
+        <p:nvPicPr>
+          <p:cNvPr id="3" name="Grafik 2">
+            <a:extLst>
+              <a:ext uri="{FF2B5EF4-FFF2-40B4-BE49-F238E27FC236}">
+                <a16:creationId xmlns:a16="http://schemas.microsoft.com/office/drawing/2014/main" id="{2B822040-96FB-4453-90D7-97D65B07C80B}"/>
+              </a:ext>
+            </a:extLst>
+          </p:cNvPr>
+          <p:cNvPicPr>
+            <a:picLocks noChangeAspect="1"/>
+          </p:cNvPicPr>
+          <p:nvPr/>
+        </p:nvPicPr>
+        <p:blipFill rotWithShape="1">
+          <a:blip r:embed="rId2">
+            <a:extLst>
+              <a:ext uri="{28A0092B-C50C-407E-A947-70E740481C1C}">
+                <a14:useLocalDpi xmlns:a14="http://schemas.microsoft.com/office/drawing/2010/main" val="0"/>
+              </a:ext>
+            </a:extLst>
+          </a:blip>
+          <a:srcRect l="4830" t="10985" r="4297" b="11914"/>
+          <a:stretch/>
+        </p:blipFill>
+        <p:spPr>
+          <a:xfrm>
+            <a:off x="946523" y="1957818"/>
+            <a:ext cx="7141883" cy="3540212"/>
+          </a:xfrm>
+          <a:prstGeom prst="rect">
+            <a:avLst/>
+          </a:prstGeom>
+        </p:spPr>
+      </p:pic>
+      <p:sp>
+        <p:nvSpPr>
+          <p:cNvPr id="5" name="Textfeld 4">
+            <a:extLst>
+              <a:ext uri="{FF2B5EF4-FFF2-40B4-BE49-F238E27FC236}">
+                <a16:creationId xmlns:a16="http://schemas.microsoft.com/office/drawing/2014/main" id="{F6EF0187-5149-4AD7-B02C-0BD324FFD83B}"/>
+              </a:ext>
+            </a:extLst>
+          </p:cNvPr>
+          <p:cNvSpPr txBox="1"/>
+          <p:nvPr/>
+        </p:nvSpPr>
+        <p:spPr>
+          <a:xfrm>
+            <a:off x="5629834" y="2247298"/>
+            <a:ext cx="2767107" cy="307777"/>
+          </a:xfrm>
+          <a:prstGeom prst="rect">
+            <a:avLst/>
+          </a:prstGeom>
+          <a:noFill/>
+        </p:spPr>
+        <p:txBody>
+          <a:bodyPr wrap="square" rtlCol="0">
+            <a:spAutoFit/>
+          </a:bodyPr>
+          <a:lstStyle/>
+          <a:p>
+            <a:r>
+              <a:rPr lang="es-ES" sz="1400" dirty="0"/>
+              <a:t>Triggernde Magnitude</a:t>
+            </a:r>
+          </a:p>
+        </p:txBody>
+      </p:sp>
+      <p:sp>
+        <p:nvSpPr>
+          <p:cNvPr id="8" name="Textfeld 7">
+            <a:extLst>
+              <a:ext uri="{FF2B5EF4-FFF2-40B4-BE49-F238E27FC236}">
+                <a16:creationId xmlns:a16="http://schemas.microsoft.com/office/drawing/2014/main" id="{A4A3A919-0AC7-4507-867E-A889B9A7C172}"/>
+              </a:ext>
+            </a:extLst>
+          </p:cNvPr>
+          <p:cNvSpPr txBox="1"/>
+          <p:nvPr/>
+        </p:nvSpPr>
+        <p:spPr>
+          <a:xfrm>
+            <a:off x="3633693" y="4439720"/>
+            <a:ext cx="2695389" cy="584775"/>
+          </a:xfrm>
+          <a:prstGeom prst="rect">
+            <a:avLst/>
+          </a:prstGeom>
+          <a:noFill/>
+        </p:spPr>
+        <p:txBody>
+          <a:bodyPr wrap="square" rtlCol="0">
+            <a:spAutoFit/>
+          </a:bodyPr>
+          <a:lstStyle/>
+          <a:p>
+            <a:r>
+              <a:rPr lang="es-ES" sz="1400" dirty="0"/>
+              <a:t>Completeness Magnitude</a:t>
+            </a:r>
+          </a:p>
+          <a:p>
+            <a:endParaRPr lang="es-ES" dirty="0"/>
+          </a:p>
+        </p:txBody>
+      </p:sp>
     </p:spTree>
     <p:extLst>
       <p:ext uri="{BB962C8B-B14F-4D97-AF65-F5344CB8AC3E}">
@@ -16503,12 +17623,58 @@
           </a:p>
         </p:txBody>
       </p:sp>
+      <p:sp>
+        <p:nvSpPr>
+          <p:cNvPr id="8" name="Textfeld 7">
+            <a:extLst>
+              <a:ext uri="{FF2B5EF4-FFF2-40B4-BE49-F238E27FC236}">
+                <a16:creationId xmlns:a16="http://schemas.microsoft.com/office/drawing/2014/main" id="{B0808E2C-34EC-417E-ACAC-CBB401C23D97}"/>
+              </a:ext>
+            </a:extLst>
+          </p:cNvPr>
+          <p:cNvSpPr txBox="1"/>
+          <p:nvPr/>
+        </p:nvSpPr>
+        <p:spPr>
+          <a:xfrm>
+            <a:off x="8349129" y="2372659"/>
+            <a:ext cx="3430496" cy="1631216"/>
+          </a:xfrm>
+          <a:prstGeom prst="rect">
+            <a:avLst/>
+          </a:prstGeom>
+          <a:noFill/>
+        </p:spPr>
+        <p:txBody>
+          <a:bodyPr wrap="square" rtlCol="0">
+            <a:spAutoFit/>
+          </a:bodyPr>
+          <a:lstStyle/>
+          <a:p>
+            <a:pPr marL="285750" indent="-285750">
+              <a:buFont typeface="Arial" panose="020B0604020202020204" pitchFamily="34" charset="0"/>
+              <a:buChar char="•"/>
+            </a:pPr>
+            <a:r>
+              <a:rPr lang="es-ES" sz="2000" dirty="0"/>
+              <a:t>Effekt der Completeness Magnitude deutlich größer als der Effekt der triggernden Magnitude</a:t>
+            </a:r>
+          </a:p>
+          <a:p>
+            <a:pPr marL="285750" indent="-285750">
+              <a:buFont typeface="Arial" panose="020B0604020202020204" pitchFamily="34" charset="0"/>
+              <a:buChar char="•"/>
+            </a:pPr>
+            <a:endParaRPr lang="es-ES" sz="2000" dirty="0"/>
+          </a:p>
+        </p:txBody>
+      </p:sp>
       <p:grpSp>
         <p:nvGrpSpPr>
-          <p:cNvPr id="5" name="Gruppieren 4">
-            <a:extLst>
-              <a:ext uri="{FF2B5EF4-FFF2-40B4-BE49-F238E27FC236}">
-                <a16:creationId xmlns:a16="http://schemas.microsoft.com/office/drawing/2014/main" id="{4D323EFB-B59E-40BD-A240-E191130B2BCD}"/>
+          <p:cNvPr id="14" name="Gruppieren 13">
+            <a:extLst>
+              <a:ext uri="{FF2B5EF4-FFF2-40B4-BE49-F238E27FC236}">
+                <a16:creationId xmlns:a16="http://schemas.microsoft.com/office/drawing/2014/main" id="{B7F80B42-4614-49D8-B1D8-441123552D78}"/>
               </a:ext>
             </a:extLst>
           </p:cNvPr>
@@ -16517,18 +17683,110 @@
         </p:nvGrpSpPr>
         <p:grpSpPr>
           <a:xfrm>
-            <a:off x="412376" y="2086400"/>
-            <a:ext cx="7292291" cy="4190314"/>
-            <a:chOff x="419427" y="2121647"/>
-            <a:chExt cx="7292291" cy="4190314"/>
+            <a:off x="412375" y="2067891"/>
+            <a:ext cx="7722413" cy="3871967"/>
+            <a:chOff x="314981" y="1811204"/>
+            <a:chExt cx="7722413" cy="3871967"/>
           </a:xfrm>
         </p:grpSpPr>
+        <p:grpSp>
+          <p:nvGrpSpPr>
+            <p:cNvPr id="5" name="Gruppieren 4">
+              <a:extLst>
+                <a:ext uri="{FF2B5EF4-FFF2-40B4-BE49-F238E27FC236}">
+                  <a16:creationId xmlns:a16="http://schemas.microsoft.com/office/drawing/2014/main" id="{4D323EFB-B59E-40BD-A240-E191130B2BCD}"/>
+                </a:ext>
+              </a:extLst>
+            </p:cNvPr>
+            <p:cNvGrpSpPr/>
+            <p:nvPr/>
+          </p:nvGrpSpPr>
+          <p:grpSpPr>
+            <a:xfrm>
+              <a:off x="314981" y="1811204"/>
+              <a:ext cx="5321544" cy="3871967"/>
+              <a:chOff x="322032" y="1846451"/>
+              <a:chExt cx="5321544" cy="3871967"/>
+            </a:xfrm>
+          </p:grpSpPr>
+          <p:sp>
+            <p:nvSpPr>
+              <p:cNvPr id="22" name="Textfeld 21">
+                <a:extLst>
+                  <a:ext uri="{FF2B5EF4-FFF2-40B4-BE49-F238E27FC236}">
+                    <a16:creationId xmlns:a16="http://schemas.microsoft.com/office/drawing/2014/main" id="{04BFC314-2811-4041-BBDA-CA8EFC55819D}"/>
+                  </a:ext>
+                </a:extLst>
+              </p:cNvPr>
+              <p:cNvSpPr txBox="1"/>
+              <p:nvPr/>
+            </p:nvSpPr>
+            <p:spPr>
+              <a:xfrm rot="16200000">
+                <a:off x="-1123931" y="3292414"/>
+                <a:ext cx="3415145" cy="523220"/>
+              </a:xfrm>
+              <a:prstGeom prst="rect">
+                <a:avLst/>
+              </a:prstGeom>
+              <a:noFill/>
+            </p:spPr>
+            <p:txBody>
+              <a:bodyPr wrap="square" rtlCol="0">
+                <a:spAutoFit/>
+              </a:bodyPr>
+              <a:lstStyle/>
+              <a:p>
+                <a:pPr algn="ctr"/>
+                <a:r>
+                  <a:rPr lang="es-ES" sz="1400" dirty="0"/>
+                  <a:t>Multiplikativen Effekt auf den Erwartungswert der getriggerten Magnitude</a:t>
+                </a:r>
+              </a:p>
+            </p:txBody>
+          </p:sp>
+          <p:sp>
+            <p:nvSpPr>
+              <p:cNvPr id="23" name="Textfeld 22">
+                <a:extLst>
+                  <a:ext uri="{FF2B5EF4-FFF2-40B4-BE49-F238E27FC236}">
+                    <a16:creationId xmlns:a16="http://schemas.microsoft.com/office/drawing/2014/main" id="{EE29D09E-252F-4E1F-BD61-12D8D7A26AAA}"/>
+                  </a:ext>
+                </a:extLst>
+              </p:cNvPr>
+              <p:cNvSpPr txBox="1"/>
+              <p:nvPr/>
+            </p:nvSpPr>
+            <p:spPr>
+              <a:xfrm>
+                <a:off x="4124265" y="5410641"/>
+                <a:ext cx="1519311" cy="307777"/>
+              </a:xfrm>
+              <a:prstGeom prst="rect">
+                <a:avLst/>
+              </a:prstGeom>
+              <a:noFill/>
+            </p:spPr>
+            <p:txBody>
+              <a:bodyPr wrap="square" rtlCol="0">
+                <a:spAutoFit/>
+              </a:bodyPr>
+              <a:lstStyle/>
+              <a:p>
+                <a:r>
+                  <a:rPr lang="es-ES" sz="1400" dirty="0"/>
+                  <a:t>Magnitude</a:t>
+                </a:r>
+              </a:p>
+            </p:txBody>
+          </p:sp>
+        </p:grpSp>
         <p:pic>
           <p:nvPicPr>
-            <p:cNvPr id="3" name="Grafik 2">
+            <p:cNvPr id="11" name="Grafik 10">
               <a:extLst>
                 <a:ext uri="{FF2B5EF4-FFF2-40B4-BE49-F238E27FC236}">
-                  <a16:creationId xmlns:a16="http://schemas.microsoft.com/office/drawing/2014/main" id="{EC611860-2AB7-4C0F-9694-206ACB415EA1}"/>
+                  <a16:creationId xmlns:a16="http://schemas.microsoft.com/office/drawing/2014/main" id="{0E0C37E7-90B5-4C5E-8712-0B54E607EBCE}"/>
                 </a:ext>
               </a:extLst>
             </p:cNvPr>
@@ -16545,13 +17803,13 @@
                 </a:ext>
               </a:extLst>
             </a:blip>
-            <a:srcRect l="5787" t="14753" r="5507" b="12332"/>
+            <a:srcRect l="3989" t="15671" r="4409" b="13054"/>
             <a:stretch/>
           </p:blipFill>
           <p:spPr>
             <a:xfrm>
-              <a:off x="1065883" y="2121647"/>
-              <a:ext cx="6605544" cy="3891025"/>
+              <a:off x="838200" y="2045057"/>
+              <a:ext cx="7199194" cy="3272712"/>
             </a:xfrm>
             <a:prstGeom prst="rect">
               <a:avLst/>
@@ -16560,46 +17818,10 @@
         </p:pic>
         <p:sp>
           <p:nvSpPr>
-            <p:cNvPr id="22" name="Textfeld 21">
+            <p:cNvPr id="19" name="Textfeld 18">
               <a:extLst>
                 <a:ext uri="{FF2B5EF4-FFF2-40B4-BE49-F238E27FC236}">
-                  <a16:creationId xmlns:a16="http://schemas.microsoft.com/office/drawing/2014/main" id="{04BFC314-2811-4041-BBDA-CA8EFC55819D}"/>
-                </a:ext>
-              </a:extLst>
-            </p:cNvPr>
-            <p:cNvSpPr txBox="1"/>
-            <p:nvPr/>
-          </p:nvSpPr>
-          <p:spPr>
-            <a:xfrm rot="16200000">
-              <a:off x="-1026536" y="3645109"/>
-              <a:ext cx="3415145" cy="523220"/>
-            </a:xfrm>
-            <a:prstGeom prst="rect">
-              <a:avLst/>
-            </a:prstGeom>
-            <a:noFill/>
-          </p:spPr>
-          <p:txBody>
-            <a:bodyPr wrap="square" rtlCol="0">
-              <a:spAutoFit/>
-            </a:bodyPr>
-            <a:lstStyle/>
-            <a:p>
-              <a:pPr algn="ctr"/>
-              <a:r>
-                <a:rPr lang="es-ES" sz="1400" dirty="0"/>
-                <a:t>Multiplikativen Effekt auf den Erwartungswert der getriggerten Magnitude</a:t>
-              </a:r>
-            </a:p>
-          </p:txBody>
-        </p:sp>
-        <p:sp>
-          <p:nvSpPr>
-            <p:cNvPr id="23" name="Textfeld 22">
-              <a:extLst>
-                <a:ext uri="{FF2B5EF4-FFF2-40B4-BE49-F238E27FC236}">
-                  <a16:creationId xmlns:a16="http://schemas.microsoft.com/office/drawing/2014/main" id="{EE29D09E-252F-4E1F-BD61-12D8D7A26AAA}"/>
+                  <a16:creationId xmlns:a16="http://schemas.microsoft.com/office/drawing/2014/main" id="{D9B93EE9-7BAC-4DFF-874B-D4F864F8F02B}"/>
                 </a:ext>
               </a:extLst>
             </p:cNvPr>
@@ -16608,8 +17830,8 @@
           </p:nvSpPr>
           <p:spPr>
             <a:xfrm>
-              <a:off x="4077761" y="6004184"/>
-              <a:ext cx="1519311" cy="307777"/>
+              <a:off x="3519417" y="2565237"/>
+              <a:ext cx="2117108" cy="307777"/>
             </a:xfrm>
             <a:prstGeom prst="rect">
               <a:avLst/>
@@ -16617,42 +17839,7 @@
             <a:noFill/>
           </p:spPr>
           <p:txBody>
-            <a:bodyPr wrap="square" rtlCol="0">
-              <a:spAutoFit/>
-            </a:bodyPr>
-            <a:lstStyle/>
-            <a:p>
-              <a:r>
-                <a:rPr lang="es-ES" sz="1400" dirty="0"/>
-                <a:t>Magnitude</a:t>
-              </a:r>
-            </a:p>
-          </p:txBody>
-        </p:sp>
-        <p:sp>
-          <p:nvSpPr>
-            <p:cNvPr id="24" name="Textfeld 23">
-              <a:extLst>
-                <a:ext uri="{FF2B5EF4-FFF2-40B4-BE49-F238E27FC236}">
-                  <a16:creationId xmlns:a16="http://schemas.microsoft.com/office/drawing/2014/main" id="{BBC61C90-135A-4C95-9487-8F874BAD2C58}"/>
-                </a:ext>
-              </a:extLst>
-            </p:cNvPr>
-            <p:cNvSpPr txBox="1"/>
-            <p:nvPr/>
-          </p:nvSpPr>
-          <p:spPr>
-            <a:xfrm>
-              <a:off x="3538069" y="2909058"/>
-              <a:ext cx="2196353" cy="307777"/>
-            </a:xfrm>
-            <a:prstGeom prst="rect">
-              <a:avLst/>
-            </a:prstGeom>
-            <a:noFill/>
-          </p:spPr>
-          <p:txBody>
-            <a:bodyPr wrap="square" rtlCol="0">
+            <a:bodyPr wrap="square">
               <a:spAutoFit/>
             </a:bodyPr>
             <a:lstStyle/>
@@ -16666,10 +17853,10 @@
         </p:sp>
         <p:sp>
           <p:nvSpPr>
-            <p:cNvPr id="25" name="Textfeld 24">
+            <p:cNvPr id="20" name="Textfeld 19">
               <a:extLst>
                 <a:ext uri="{FF2B5EF4-FFF2-40B4-BE49-F238E27FC236}">
-                  <a16:creationId xmlns:a16="http://schemas.microsoft.com/office/drawing/2014/main" id="{23E89325-3F6D-4E94-8D24-58F26CBFAC03}"/>
+                  <a16:creationId xmlns:a16="http://schemas.microsoft.com/office/drawing/2014/main" id="{1AD20A28-746D-4603-B8D2-E4537F02CB16}"/>
                 </a:ext>
               </a:extLst>
             </p:cNvPr>
@@ -16678,8 +17865,8 @@
           </p:nvSpPr>
           <p:spPr>
             <a:xfrm>
-              <a:off x="5733506" y="5009979"/>
-              <a:ext cx="1978212" cy="307777"/>
+              <a:off x="6037429" y="3948290"/>
+              <a:ext cx="1926040" cy="304800"/>
             </a:xfrm>
             <a:prstGeom prst="rect">
               <a:avLst/>
@@ -16687,7 +17874,7 @@
             <a:noFill/>
           </p:spPr>
           <p:txBody>
-            <a:bodyPr wrap="square" rtlCol="0">
+            <a:bodyPr wrap="square">
               <a:spAutoFit/>
             </a:bodyPr>
             <a:lstStyle/>
@@ -16700,52 +17887,6 @@
           </p:txBody>
         </p:sp>
       </p:grpSp>
-      <p:sp>
-        <p:nvSpPr>
-          <p:cNvPr id="8" name="Textfeld 7">
-            <a:extLst>
-              <a:ext uri="{FF2B5EF4-FFF2-40B4-BE49-F238E27FC236}">
-                <a16:creationId xmlns:a16="http://schemas.microsoft.com/office/drawing/2014/main" id="{B0808E2C-34EC-417E-ACAC-CBB401C23D97}"/>
-              </a:ext>
-            </a:extLst>
-          </p:cNvPr>
-          <p:cNvSpPr txBox="1"/>
-          <p:nvPr/>
-        </p:nvSpPr>
-        <p:spPr>
-          <a:xfrm>
-            <a:off x="8349129" y="2372659"/>
-            <a:ext cx="3430496" cy="1631216"/>
-          </a:xfrm>
-          <a:prstGeom prst="rect">
-            <a:avLst/>
-          </a:prstGeom>
-          <a:noFill/>
-        </p:spPr>
-        <p:txBody>
-          <a:bodyPr wrap="square" rtlCol="0">
-            <a:spAutoFit/>
-          </a:bodyPr>
-          <a:lstStyle/>
-          <a:p>
-            <a:pPr marL="285750" indent="-285750">
-              <a:buFont typeface="Arial" panose="020B0604020202020204" pitchFamily="34" charset="0"/>
-              <a:buChar char="•"/>
-            </a:pPr>
-            <a:r>
-              <a:rPr lang="es-ES" sz="2000" dirty="0"/>
-              <a:t>Effekt der Completeness Magnitude deutlich größer als bei der triggernden Magnitude</a:t>
-            </a:r>
-          </a:p>
-          <a:p>
-            <a:pPr marL="285750" indent="-285750">
-              <a:buFont typeface="Arial" panose="020B0604020202020204" pitchFamily="34" charset="0"/>
-              <a:buChar char="•"/>
-            </a:pPr>
-            <a:endParaRPr lang="es-ES" sz="2000" dirty="0"/>
-          </a:p>
-        </p:txBody>
-      </p:sp>
     </p:spTree>
     <p:extLst>
       <p:ext uri="{BB962C8B-B14F-4D97-AF65-F5344CB8AC3E}">
@@ -17530,12 +18671,96 @@
           </a:p>
         </p:txBody>
       </p:sp>
+      <p:sp>
+        <p:nvSpPr>
+          <p:cNvPr id="15" name="Textfeld 14">
+            <a:extLst>
+              <a:ext uri="{FF2B5EF4-FFF2-40B4-BE49-F238E27FC236}">
+                <a16:creationId xmlns:a16="http://schemas.microsoft.com/office/drawing/2014/main" id="{8B60355C-0501-4709-844F-7B261E01AB20}"/>
+              </a:ext>
+            </a:extLst>
+          </p:cNvPr>
+          <p:cNvSpPr txBox="1"/>
+          <p:nvPr/>
+        </p:nvSpPr>
+        <p:spPr>
+          <a:xfrm>
+            <a:off x="8167723" y="3035225"/>
+            <a:ext cx="3766080" cy="1600438"/>
+          </a:xfrm>
+          <a:prstGeom prst="rect">
+            <a:avLst/>
+          </a:prstGeom>
+          <a:noFill/>
+        </p:spPr>
+        <p:txBody>
+          <a:bodyPr wrap="square" rtlCol="0">
+            <a:spAutoFit/>
+          </a:bodyPr>
+          <a:lstStyle/>
+          <a:p>
+            <a:pPr marL="342900" indent="-342900">
+              <a:buFont typeface="Arial" panose="020B0604020202020204" pitchFamily="34" charset="0"/>
+              <a:buChar char="•"/>
+            </a:pPr>
+            <a:r>
+              <a:rPr lang="es-ES" sz="2000" dirty="0"/>
+              <a:t>Effekt der Completeness Magnitude deutlich größer als der Effekt der triggernden Magnitude</a:t>
+            </a:r>
+          </a:p>
+          <a:p>
+            <a:pPr marL="342900" indent="-342900">
+              <a:buFont typeface="Arial" panose="020B0604020202020204" pitchFamily="34" charset="0"/>
+              <a:buChar char="•"/>
+            </a:pPr>
+            <a:endParaRPr lang="es-ES" sz="900" dirty="0"/>
+          </a:p>
+          <a:p>
+            <a:endParaRPr lang="es-ES" sz="900" dirty="0"/>
+          </a:p>
+        </p:txBody>
+      </p:sp>
+      <p:sp>
+        <p:nvSpPr>
+          <p:cNvPr id="18" name="Textfeld 17">
+            <a:extLst>
+              <a:ext uri="{FF2B5EF4-FFF2-40B4-BE49-F238E27FC236}">
+                <a16:creationId xmlns:a16="http://schemas.microsoft.com/office/drawing/2014/main" id="{F6932A7B-A907-4699-BE10-B9D6C18666C7}"/>
+              </a:ext>
+            </a:extLst>
+          </p:cNvPr>
+          <p:cNvSpPr txBox="1"/>
+          <p:nvPr/>
+        </p:nvSpPr>
+        <p:spPr>
+          <a:xfrm>
+            <a:off x="5627268" y="4701131"/>
+            <a:ext cx="1807461" cy="307777"/>
+          </a:xfrm>
+          <a:prstGeom prst="rect">
+            <a:avLst/>
+          </a:prstGeom>
+          <a:noFill/>
+        </p:spPr>
+        <p:txBody>
+          <a:bodyPr wrap="square" rtlCol="0">
+            <a:spAutoFit/>
+          </a:bodyPr>
+          <a:lstStyle/>
+          <a:p>
+            <a:r>
+              <a:rPr lang="es-ES" sz="1400" dirty="0"/>
+              <a:t>Triggernde Magnitude</a:t>
+            </a:r>
+          </a:p>
+        </p:txBody>
+      </p:sp>
       <p:grpSp>
         <p:nvGrpSpPr>
-          <p:cNvPr id="13" name="Gruppieren 12">
-            <a:extLst>
-              <a:ext uri="{FF2B5EF4-FFF2-40B4-BE49-F238E27FC236}">
-                <a16:creationId xmlns:a16="http://schemas.microsoft.com/office/drawing/2014/main" id="{B91A6AFA-63A3-41E1-830A-923BC6ED5AD0}"/>
+          <p:cNvPr id="21" name="Gruppieren 20">
+            <a:extLst>
+              <a:ext uri="{FF2B5EF4-FFF2-40B4-BE49-F238E27FC236}">
+                <a16:creationId xmlns:a16="http://schemas.microsoft.com/office/drawing/2014/main" id="{7C03ED6C-443D-482A-9860-7945B81E8F68}"/>
               </a:ext>
             </a:extLst>
           </p:cNvPr>
@@ -17544,18 +18769,110 @@
         </p:nvGrpSpPr>
         <p:grpSpPr>
           <a:xfrm>
-            <a:off x="360703" y="1984221"/>
-            <a:ext cx="7202027" cy="4101417"/>
-            <a:chOff x="450349" y="2019724"/>
-            <a:chExt cx="7202027" cy="4101417"/>
+            <a:off x="279849" y="2127871"/>
+            <a:ext cx="7776488" cy="3773360"/>
+            <a:chOff x="292848" y="2325763"/>
+            <a:chExt cx="7776488" cy="3773360"/>
           </a:xfrm>
         </p:grpSpPr>
+        <p:grpSp>
+          <p:nvGrpSpPr>
+            <p:cNvPr id="13" name="Gruppieren 12">
+              <a:extLst>
+                <a:ext uri="{FF2B5EF4-FFF2-40B4-BE49-F238E27FC236}">
+                  <a16:creationId xmlns:a16="http://schemas.microsoft.com/office/drawing/2014/main" id="{B91A6AFA-63A3-41E1-830A-923BC6ED5AD0}"/>
+                </a:ext>
+              </a:extLst>
+            </p:cNvPr>
+            <p:cNvGrpSpPr/>
+            <p:nvPr/>
+          </p:nvGrpSpPr>
+          <p:grpSpPr>
+            <a:xfrm>
+              <a:off x="292848" y="2325763"/>
+              <a:ext cx="5268398" cy="3773360"/>
+              <a:chOff x="382494" y="2361266"/>
+              <a:chExt cx="5268398" cy="3773360"/>
+            </a:xfrm>
+          </p:grpSpPr>
+          <p:sp>
+            <p:nvSpPr>
+              <p:cNvPr id="5" name="Textfeld 4">
+                <a:extLst>
+                  <a:ext uri="{FF2B5EF4-FFF2-40B4-BE49-F238E27FC236}">
+                    <a16:creationId xmlns:a16="http://schemas.microsoft.com/office/drawing/2014/main" id="{60B262B0-6B95-43CE-B430-6C6AD1E426CB}"/>
+                  </a:ext>
+                </a:extLst>
+              </p:cNvPr>
+              <p:cNvSpPr txBox="1"/>
+              <p:nvPr/>
+            </p:nvSpPr>
+            <p:spPr>
+              <a:xfrm>
+                <a:off x="4383880" y="5826849"/>
+                <a:ext cx="1267012" cy="307777"/>
+              </a:xfrm>
+              <a:prstGeom prst="rect">
+                <a:avLst/>
+              </a:prstGeom>
+              <a:noFill/>
+            </p:spPr>
+            <p:txBody>
+              <a:bodyPr wrap="square" rtlCol="0">
+                <a:spAutoFit/>
+              </a:bodyPr>
+              <a:lstStyle/>
+              <a:p>
+                <a:r>
+                  <a:rPr lang="es-ES" sz="1400" dirty="0"/>
+                  <a:t>Magnitude</a:t>
+                </a:r>
+              </a:p>
+            </p:txBody>
+          </p:sp>
+          <p:sp>
+            <p:nvSpPr>
+              <p:cNvPr id="14" name="Textfeld 13">
+                <a:extLst>
+                  <a:ext uri="{FF2B5EF4-FFF2-40B4-BE49-F238E27FC236}">
+                    <a16:creationId xmlns:a16="http://schemas.microsoft.com/office/drawing/2014/main" id="{B104C8DF-BA48-4D6F-BD4A-0FA693180187}"/>
+                  </a:ext>
+                </a:extLst>
+              </p:cNvPr>
+              <p:cNvSpPr txBox="1"/>
+              <p:nvPr/>
+            </p:nvSpPr>
+            <p:spPr>
+              <a:xfrm rot="16200000">
+                <a:off x="-1063469" y="3807229"/>
+                <a:ext cx="3415145" cy="523220"/>
+              </a:xfrm>
+              <a:prstGeom prst="rect">
+                <a:avLst/>
+              </a:prstGeom>
+              <a:noFill/>
+            </p:spPr>
+            <p:txBody>
+              <a:bodyPr wrap="square" rtlCol="0">
+                <a:spAutoFit/>
+              </a:bodyPr>
+              <a:lstStyle/>
+              <a:p>
+                <a:pPr algn="ctr"/>
+                <a:r>
+                  <a:rPr lang="es-ES" sz="1400" dirty="0"/>
+                  <a:t>Multiplikativen Effekt auf die Varianz der getriggerten Magnitude</a:t>
+                </a:r>
+              </a:p>
+            </p:txBody>
+          </p:sp>
+        </p:grpSp>
         <p:pic>
           <p:nvPicPr>
-            <p:cNvPr id="3" name="Grafik 2">
+            <p:cNvPr id="20" name="Grafik 19">
               <a:extLst>
                 <a:ext uri="{FF2B5EF4-FFF2-40B4-BE49-F238E27FC236}">
-                  <a16:creationId xmlns:a16="http://schemas.microsoft.com/office/drawing/2014/main" id="{3A130A85-C864-4BCD-B504-634A6A396AD8}"/>
+                  <a16:creationId xmlns:a16="http://schemas.microsoft.com/office/drawing/2014/main" id="{B197DA07-4F77-4D97-84D5-962D07F21FBD}"/>
                 </a:ext>
               </a:extLst>
             </p:cNvPr>
@@ -17572,13 +18889,13 @@
                 </a:ext>
               </a:extLst>
             </a:blip>
-            <a:srcRect l="6345" t="15287" r="5321" b="11715"/>
+            <a:srcRect l="4905" t="15132" r="4222" b="12872"/>
             <a:stretch/>
           </p:blipFill>
           <p:spPr>
             <a:xfrm>
-              <a:off x="1102163" y="2019724"/>
-              <a:ext cx="6550213" cy="3879053"/>
+              <a:off x="927454" y="2433946"/>
+              <a:ext cx="7141882" cy="3305824"/>
             </a:xfrm>
             <a:prstGeom prst="rect">
               <a:avLst/>
@@ -17587,10 +18904,10 @@
         </p:pic>
         <p:sp>
           <p:nvSpPr>
-            <p:cNvPr id="5" name="Textfeld 4">
+            <p:cNvPr id="16" name="Textfeld 15">
               <a:extLst>
                 <a:ext uri="{FF2B5EF4-FFF2-40B4-BE49-F238E27FC236}">
-                  <a16:creationId xmlns:a16="http://schemas.microsoft.com/office/drawing/2014/main" id="{60B262B0-6B95-43CE-B430-6C6AD1E426CB}"/>
+                  <a16:creationId xmlns:a16="http://schemas.microsoft.com/office/drawing/2014/main" id="{5BEBE3DC-D5BF-4202-B002-00DB1ABEDD4A}"/>
                 </a:ext>
               </a:extLst>
             </p:cNvPr>
@@ -17599,8 +18916,8 @@
           </p:nvSpPr>
           <p:spPr>
             <a:xfrm>
-              <a:off x="4028140" y="5813364"/>
-              <a:ext cx="1267012" cy="307777"/>
+              <a:off x="3473824" y="2570065"/>
+              <a:ext cx="2090589" cy="307777"/>
             </a:xfrm>
             <a:prstGeom prst="rect">
               <a:avLst/>
@@ -17608,24 +18925,24 @@
             <a:noFill/>
           </p:spPr>
           <p:txBody>
-            <a:bodyPr wrap="square" rtlCol="0">
+            <a:bodyPr wrap="square">
               <a:spAutoFit/>
             </a:bodyPr>
             <a:lstStyle/>
             <a:p>
               <a:r>
                 <a:rPr lang="es-ES" sz="1400" dirty="0"/>
-                <a:t>Magnitude</a:t>
+                <a:t>Completeness Magnitude</a:t>
               </a:r>
             </a:p>
           </p:txBody>
         </p:sp>
         <p:sp>
           <p:nvSpPr>
-            <p:cNvPr id="14" name="Textfeld 13">
+            <p:cNvPr id="19" name="Textfeld 18">
               <a:extLst>
                 <a:ext uri="{FF2B5EF4-FFF2-40B4-BE49-F238E27FC236}">
-                  <a16:creationId xmlns:a16="http://schemas.microsoft.com/office/drawing/2014/main" id="{B104C8DF-BA48-4D6F-BD4A-0FA693180187}"/>
+                  <a16:creationId xmlns:a16="http://schemas.microsoft.com/office/drawing/2014/main" id="{BD9BABD8-2089-412B-9E80-10E58FBABB25}"/>
                 </a:ext>
               </a:extLst>
             </p:cNvPr>
@@ -17633,9 +18950,9 @@
             <p:nvPr/>
           </p:nvSpPr>
           <p:spPr>
-            <a:xfrm rot="16200000">
-              <a:off x="-995614" y="3465687"/>
-              <a:ext cx="3415145" cy="523220"/>
+            <a:xfrm>
+              <a:off x="6197968" y="4424054"/>
+              <a:ext cx="1867250" cy="307777"/>
             </a:xfrm>
             <a:prstGeom prst="rect">
               <a:avLst/>
@@ -17643,139 +18960,19 @@
             <a:noFill/>
           </p:spPr>
           <p:txBody>
-            <a:bodyPr wrap="square" rtlCol="0">
+            <a:bodyPr wrap="square">
               <a:spAutoFit/>
             </a:bodyPr>
             <a:lstStyle/>
             <a:p>
-              <a:pPr algn="ctr"/>
               <a:r>
                 <a:rPr lang="es-ES" sz="1400" dirty="0"/>
-                <a:t>Multiplikativen Effekt auf die Varianz der getriggerten Magnitude</a:t>
+                <a:t>Triggernde Magnitude</a:t>
               </a:r>
             </a:p>
           </p:txBody>
         </p:sp>
       </p:grpSp>
-      <p:sp>
-        <p:nvSpPr>
-          <p:cNvPr id="15" name="Textfeld 14">
-            <a:extLst>
-              <a:ext uri="{FF2B5EF4-FFF2-40B4-BE49-F238E27FC236}">
-                <a16:creationId xmlns:a16="http://schemas.microsoft.com/office/drawing/2014/main" id="{8B60355C-0501-4709-844F-7B261E01AB20}"/>
-              </a:ext>
-            </a:extLst>
-          </p:cNvPr>
-          <p:cNvSpPr txBox="1"/>
-          <p:nvPr/>
-        </p:nvSpPr>
-        <p:spPr>
-          <a:xfrm>
-            <a:off x="8065218" y="3045045"/>
-            <a:ext cx="3766080" cy="1600438"/>
-          </a:xfrm>
-          <a:prstGeom prst="rect">
-            <a:avLst/>
-          </a:prstGeom>
-          <a:noFill/>
-        </p:spPr>
-        <p:txBody>
-          <a:bodyPr wrap="square" rtlCol="0">
-            <a:spAutoFit/>
-          </a:bodyPr>
-          <a:lstStyle/>
-          <a:p>
-            <a:pPr marL="342900" indent="-342900">
-              <a:buFont typeface="Arial" panose="020B0604020202020204" pitchFamily="34" charset="0"/>
-              <a:buChar char="•"/>
-            </a:pPr>
-            <a:r>
-              <a:rPr lang="es-ES" sz="2000" dirty="0"/>
-              <a:t>Effekt der Completeness Magnitude deutlich größer als der Effekt der triggernden Magnitude</a:t>
-            </a:r>
-          </a:p>
-          <a:p>
-            <a:pPr marL="342900" indent="-342900">
-              <a:buFont typeface="Arial" panose="020B0604020202020204" pitchFamily="34" charset="0"/>
-              <a:buChar char="•"/>
-            </a:pPr>
-            <a:endParaRPr lang="es-ES" sz="900" dirty="0"/>
-          </a:p>
-          <a:p>
-            <a:endParaRPr lang="es-ES" sz="900" dirty="0"/>
-          </a:p>
-        </p:txBody>
-      </p:sp>
-      <p:sp>
-        <p:nvSpPr>
-          <p:cNvPr id="17" name="Textfeld 16">
-            <a:extLst>
-              <a:ext uri="{FF2B5EF4-FFF2-40B4-BE49-F238E27FC236}">
-                <a16:creationId xmlns:a16="http://schemas.microsoft.com/office/drawing/2014/main" id="{73806CC9-8FF5-41FD-9BFB-C71330351D24}"/>
-              </a:ext>
-            </a:extLst>
-          </p:cNvPr>
-          <p:cNvSpPr txBox="1"/>
-          <p:nvPr/>
-        </p:nvSpPr>
-        <p:spPr>
-          <a:xfrm>
-            <a:off x="3473824" y="2126169"/>
-            <a:ext cx="2196353" cy="307777"/>
-          </a:xfrm>
-          <a:prstGeom prst="rect">
-            <a:avLst/>
-          </a:prstGeom>
-          <a:noFill/>
-        </p:spPr>
-        <p:txBody>
-          <a:bodyPr wrap="square" rtlCol="0">
-            <a:spAutoFit/>
-          </a:bodyPr>
-          <a:lstStyle/>
-          <a:p>
-            <a:r>
-              <a:rPr lang="es-ES" sz="1400" dirty="0"/>
-              <a:t>Completeness Magnitude</a:t>
-            </a:r>
-          </a:p>
-        </p:txBody>
-      </p:sp>
-      <p:sp>
-        <p:nvSpPr>
-          <p:cNvPr id="18" name="Textfeld 17">
-            <a:extLst>
-              <a:ext uri="{FF2B5EF4-FFF2-40B4-BE49-F238E27FC236}">
-                <a16:creationId xmlns:a16="http://schemas.microsoft.com/office/drawing/2014/main" id="{F6932A7B-A907-4699-BE10-B9D6C18666C7}"/>
-              </a:ext>
-            </a:extLst>
-          </p:cNvPr>
-          <p:cNvSpPr txBox="1"/>
-          <p:nvPr/>
-        </p:nvSpPr>
-        <p:spPr>
-          <a:xfrm>
-            <a:off x="5627268" y="4701131"/>
-            <a:ext cx="1807461" cy="307777"/>
-          </a:xfrm>
-          <a:prstGeom prst="rect">
-            <a:avLst/>
-          </a:prstGeom>
-          <a:noFill/>
-        </p:spPr>
-        <p:txBody>
-          <a:bodyPr wrap="square" rtlCol="0">
-            <a:spAutoFit/>
-          </a:bodyPr>
-          <a:lstStyle/>
-          <a:p>
-            <a:r>
-              <a:rPr lang="es-ES" sz="1400" dirty="0"/>
-              <a:t>Triggernde Magnitude</a:t>
-            </a:r>
-          </a:p>
-        </p:txBody>
-      </p:sp>
     </p:spTree>
     <p:extLst>
       <p:ext uri="{BB962C8B-B14F-4D97-AF65-F5344CB8AC3E}">
@@ -19579,10 +20776,10 @@
       </p:sp>
       <p:grpSp>
         <p:nvGrpSpPr>
-          <p:cNvPr id="25" name="Gruppieren 24">
-            <a:extLst>
-              <a:ext uri="{FF2B5EF4-FFF2-40B4-BE49-F238E27FC236}">
-                <a16:creationId xmlns:a16="http://schemas.microsoft.com/office/drawing/2014/main" id="{BFAF2C0E-2AE9-4164-AA8F-684C10D839FE}"/>
+          <p:cNvPr id="2" name="Gruppieren 1">
+            <a:extLst>
+              <a:ext uri="{FF2B5EF4-FFF2-40B4-BE49-F238E27FC236}">
+                <a16:creationId xmlns:a16="http://schemas.microsoft.com/office/drawing/2014/main" id="{8D7A561D-C4A2-495F-912E-6D19060F5A97}"/>
               </a:ext>
             </a:extLst>
           </p:cNvPr>
@@ -19592,243 +20789,127 @@
         <p:grpSpPr>
           <a:xfrm>
             <a:off x="0" y="1722491"/>
-            <a:ext cx="12461968" cy="4590898"/>
+            <a:ext cx="6648823" cy="4590898"/>
             <a:chOff x="0" y="1722491"/>
-            <a:chExt cx="12461968" cy="4590898"/>
+            <a:chExt cx="6648823" cy="4590898"/>
           </a:xfrm>
         </p:grpSpPr>
-        <p:grpSp>
-          <p:nvGrpSpPr>
-            <p:cNvPr id="17" name="Gruppieren 16">
+        <p:pic>
+          <p:nvPicPr>
+            <p:cNvPr id="12" name="Grafik 11">
               <a:extLst>
                 <a:ext uri="{FF2B5EF4-FFF2-40B4-BE49-F238E27FC236}">
-                  <a16:creationId xmlns:a16="http://schemas.microsoft.com/office/drawing/2014/main" id="{523F6623-0C61-4EEC-B5FE-FE219CB80892}"/>
+                  <a16:creationId xmlns:a16="http://schemas.microsoft.com/office/drawing/2014/main" id="{24CF27CE-F842-498C-A0D6-012CB782A13B}"/>
                 </a:ext>
               </a:extLst>
             </p:cNvPr>
-            <p:cNvGrpSpPr/>
+            <p:cNvPicPr>
+              <a:picLocks noChangeAspect="1"/>
+            </p:cNvPicPr>
             <p:nvPr/>
-          </p:nvGrpSpPr>
-          <p:grpSpPr>
+          </p:nvPicPr>
+          <p:blipFill rotWithShape="1">
+            <a:blip r:embed="rId2">
+              <a:extLst>
+                <a:ext uri="{28A0092B-C50C-407E-A947-70E740481C1C}">
+                  <a14:useLocalDpi xmlns:a14="http://schemas.microsoft.com/office/drawing/2010/main" val="0"/>
+                </a:ext>
+              </a:extLst>
+            </a:blip>
+            <a:srcRect l="3851" r="37" b="8333"/>
+            <a:stretch/>
+          </p:blipFill>
+          <p:spPr>
             <a:xfrm>
-              <a:off x="0" y="1722491"/>
-              <a:ext cx="12097683" cy="4297689"/>
-              <a:chOff x="0" y="1722491"/>
-              <a:chExt cx="12097683" cy="4297689"/>
+              <a:off x="471393" y="2022579"/>
+              <a:ext cx="5813145" cy="3997601"/>
             </a:xfrm>
-          </p:grpSpPr>
-          <p:grpSp>
-            <p:nvGrpSpPr>
-              <p:cNvPr id="14" name="Gruppieren 13">
-                <a:extLst>
-                  <a:ext uri="{FF2B5EF4-FFF2-40B4-BE49-F238E27FC236}">
-                    <a16:creationId xmlns:a16="http://schemas.microsoft.com/office/drawing/2014/main" id="{3558DCCC-1C5C-4A82-A16F-07AFF6BCF765}"/>
-                  </a:ext>
-                </a:extLst>
-              </p:cNvPr>
-              <p:cNvGrpSpPr/>
-              <p:nvPr/>
-            </p:nvGrpSpPr>
-            <p:grpSpPr>
-              <a:xfrm>
-                <a:off x="0" y="2022578"/>
-                <a:ext cx="12097683" cy="3997602"/>
-                <a:chOff x="293595" y="1813401"/>
-                <a:chExt cx="12097683" cy="3997602"/>
-              </a:xfrm>
-            </p:grpSpPr>
-            <p:pic>
-              <p:nvPicPr>
-                <p:cNvPr id="12" name="Grafik 11">
-                  <a:extLst>
-                    <a:ext uri="{FF2B5EF4-FFF2-40B4-BE49-F238E27FC236}">
-                      <a16:creationId xmlns:a16="http://schemas.microsoft.com/office/drawing/2014/main" id="{24CF27CE-F842-498C-A0D6-012CB782A13B}"/>
-                    </a:ext>
-                  </a:extLst>
-                </p:cNvPr>
-                <p:cNvPicPr>
-                  <a:picLocks noChangeAspect="1"/>
-                </p:cNvPicPr>
-                <p:nvPr/>
-              </p:nvPicPr>
-              <p:blipFill rotWithShape="1">
-                <a:blip r:embed="rId2">
-                  <a:extLst>
-                    <a:ext uri="{28A0092B-C50C-407E-A947-70E740481C1C}">
-                      <a14:useLocalDpi xmlns:a14="http://schemas.microsoft.com/office/drawing/2010/main" val="0"/>
-                    </a:ext>
-                  </a:extLst>
-                </a:blip>
-                <a:srcRect l="3851" r="37" b="8333"/>
-                <a:stretch/>
-              </p:blipFill>
-              <p:spPr>
-                <a:xfrm>
-                  <a:off x="764988" y="1813402"/>
-                  <a:ext cx="5813145" cy="3997601"/>
-                </a:xfrm>
-                <a:prstGeom prst="rect">
-                  <a:avLst/>
-                </a:prstGeom>
-              </p:spPr>
-            </p:pic>
-            <p:pic>
-              <p:nvPicPr>
-                <p:cNvPr id="11" name="Grafik 10">
-                  <a:extLst>
-                    <a:ext uri="{FF2B5EF4-FFF2-40B4-BE49-F238E27FC236}">
-                      <a16:creationId xmlns:a16="http://schemas.microsoft.com/office/drawing/2014/main" id="{FC3079F1-8F08-4794-9546-E068F9DAB744}"/>
-                    </a:ext>
-                  </a:extLst>
-                </p:cNvPr>
-                <p:cNvPicPr>
-                  <a:picLocks noChangeAspect="1"/>
-                </p:cNvPicPr>
-                <p:nvPr/>
-              </p:nvPicPr>
-              <p:blipFill rotWithShape="1">
-                <a:blip r:embed="rId3">
-                  <a:extLst>
-                    <a:ext uri="{28A0092B-C50C-407E-A947-70E740481C1C}">
-                      <a14:useLocalDpi xmlns:a14="http://schemas.microsoft.com/office/drawing/2010/main" val="0"/>
-                    </a:ext>
-                  </a:extLst>
-                </a:blip>
-                <a:srcRect l="3775" b="8317"/>
-                <a:stretch/>
-              </p:blipFill>
-              <p:spPr>
-                <a:xfrm>
-                  <a:off x="6578133" y="1813401"/>
-                  <a:ext cx="5813145" cy="3997602"/>
-                </a:xfrm>
-                <a:prstGeom prst="rect">
-                  <a:avLst/>
-                </a:prstGeom>
-              </p:spPr>
-            </p:pic>
-            <p:sp>
-              <p:nvSpPr>
-                <p:cNvPr id="13" name="Textfeld 12">
-                  <a:extLst>
-                    <a:ext uri="{FF2B5EF4-FFF2-40B4-BE49-F238E27FC236}">
-                      <a16:creationId xmlns:a16="http://schemas.microsoft.com/office/drawing/2014/main" id="{0D85AC65-438A-4055-9674-0CD0F2DABFFC}"/>
-                    </a:ext>
-                  </a:extLst>
-                </p:cNvPr>
-                <p:cNvSpPr txBox="1"/>
-                <p:nvPr/>
-              </p:nvSpPr>
-              <p:spPr>
-                <a:xfrm rot="16200000">
-                  <a:off x="-1240581" y="3404810"/>
-                  <a:ext cx="3591571" cy="523220"/>
-                </a:xfrm>
-                <a:prstGeom prst="rect">
-                  <a:avLst/>
-                </a:prstGeom>
-                <a:noFill/>
-              </p:spPr>
-              <p:txBody>
-                <a:bodyPr wrap="square" rtlCol="0">
-                  <a:spAutoFit/>
-                </a:bodyPr>
-                <a:lstStyle/>
-                <a:p>
-                  <a:pPr algn="ctr"/>
-                  <a:r>
-                    <a:rPr lang="es-ES" sz="1400" dirty="0"/>
-                    <a:t>Magnitude</a:t>
-                  </a:r>
-                </a:p>
-                <a:p>
-                  <a:r>
-                    <a:rPr lang="es-ES" sz="1400" dirty="0"/>
-                    <a:t>3           4            5           6            7           8            9</a:t>
-                  </a:r>
-                </a:p>
-              </p:txBody>
-            </p:sp>
-          </p:grpSp>
-          <p:sp>
-            <p:nvSpPr>
-              <p:cNvPr id="15" name="Textfeld 14">
-                <a:extLst>
-                  <a:ext uri="{FF2B5EF4-FFF2-40B4-BE49-F238E27FC236}">
-                    <a16:creationId xmlns:a16="http://schemas.microsoft.com/office/drawing/2014/main" id="{61CB6C5D-0BE1-4DA3-8023-FCD9D2ECA3F8}"/>
-                  </a:ext>
-                </a:extLst>
-              </p:cNvPr>
-              <p:cNvSpPr txBox="1"/>
-              <p:nvPr/>
-            </p:nvSpPr>
-            <p:spPr>
-              <a:xfrm>
-                <a:off x="467949" y="1722491"/>
-                <a:ext cx="986228" cy="395019"/>
-              </a:xfrm>
-              <a:prstGeom prst="rect">
-                <a:avLst/>
-              </a:prstGeom>
-              <a:noFill/>
-            </p:spPr>
-            <p:txBody>
-              <a:bodyPr wrap="square" rtlCol="0">
-                <a:spAutoFit/>
-              </a:bodyPr>
-              <a:lstStyle/>
-              <a:p>
-                <a:r>
-                  <a:rPr lang="es-ES" sz="2000" dirty="0"/>
-                  <a:t>Japan</a:t>
-                </a:r>
-                <a:r>
-                  <a:rPr lang="es-ES" dirty="0"/>
-                  <a:t> </a:t>
-                </a:r>
-              </a:p>
-            </p:txBody>
-          </p:sp>
-          <p:sp>
-            <p:nvSpPr>
-              <p:cNvPr id="16" name="Textfeld 15">
-                <a:extLst>
-                  <a:ext uri="{FF2B5EF4-FFF2-40B4-BE49-F238E27FC236}">
-                    <a16:creationId xmlns:a16="http://schemas.microsoft.com/office/drawing/2014/main" id="{6A9B6FC3-D097-43B2-94C4-A93A59A5E02A}"/>
-                  </a:ext>
-                </a:extLst>
-              </p:cNvPr>
-              <p:cNvSpPr txBox="1"/>
-              <p:nvPr/>
-            </p:nvSpPr>
-            <p:spPr>
-              <a:xfrm>
-                <a:off x="6287981" y="1745164"/>
-                <a:ext cx="1571077" cy="400110"/>
-              </a:xfrm>
-              <a:prstGeom prst="rect">
-                <a:avLst/>
-              </a:prstGeom>
-              <a:noFill/>
-            </p:spPr>
-            <p:txBody>
-              <a:bodyPr wrap="square" rtlCol="0">
-                <a:spAutoFit/>
-              </a:bodyPr>
-              <a:lstStyle/>
-              <a:p>
-                <a:r>
-                  <a:rPr lang="es-ES" sz="2000" dirty="0"/>
-                  <a:t>Kalifornien</a:t>
-                </a:r>
-                <a:r>
-                  <a:rPr lang="es-ES" dirty="0"/>
-                  <a:t> </a:t>
-                </a:r>
-              </a:p>
-            </p:txBody>
-          </p:sp>
-        </p:grpSp>
+            <a:prstGeom prst="rect">
+              <a:avLst/>
+            </a:prstGeom>
+          </p:spPr>
+        </p:pic>
+        <p:sp>
+          <p:nvSpPr>
+            <p:cNvPr id="13" name="Textfeld 12">
+              <a:extLst>
+                <a:ext uri="{FF2B5EF4-FFF2-40B4-BE49-F238E27FC236}">
+                  <a16:creationId xmlns:a16="http://schemas.microsoft.com/office/drawing/2014/main" id="{0D85AC65-438A-4055-9674-0CD0F2DABFFC}"/>
+                </a:ext>
+              </a:extLst>
+            </p:cNvPr>
+            <p:cNvSpPr txBox="1"/>
+            <p:nvPr/>
+          </p:nvSpPr>
+          <p:spPr>
+            <a:xfrm rot="16200000">
+              <a:off x="-1534176" y="3613987"/>
+              <a:ext cx="3591571" cy="523220"/>
+            </a:xfrm>
+            <a:prstGeom prst="rect">
+              <a:avLst/>
+            </a:prstGeom>
+            <a:noFill/>
+          </p:spPr>
+          <p:txBody>
+            <a:bodyPr wrap="square" rtlCol="0">
+              <a:spAutoFit/>
+            </a:bodyPr>
+            <a:lstStyle/>
+            <a:p>
+              <a:pPr algn="ctr"/>
+              <a:r>
+                <a:rPr lang="es-ES" sz="1400" dirty="0"/>
+                <a:t>Magnitude</a:t>
+              </a:r>
+            </a:p>
+            <a:p>
+              <a:r>
+                <a:rPr lang="es-ES" sz="1400" dirty="0"/>
+                <a:t>3           4            5           6            7           8            9</a:t>
+              </a:r>
+            </a:p>
+          </p:txBody>
+        </p:sp>
+        <p:sp>
+          <p:nvSpPr>
+            <p:cNvPr id="15" name="Textfeld 14">
+              <a:extLst>
+                <a:ext uri="{FF2B5EF4-FFF2-40B4-BE49-F238E27FC236}">
+                  <a16:creationId xmlns:a16="http://schemas.microsoft.com/office/drawing/2014/main" id="{61CB6C5D-0BE1-4DA3-8023-FCD9D2ECA3F8}"/>
+                </a:ext>
+              </a:extLst>
+            </p:cNvPr>
+            <p:cNvSpPr txBox="1"/>
+            <p:nvPr/>
+          </p:nvSpPr>
+          <p:spPr>
+            <a:xfrm>
+              <a:off x="467949" y="1722491"/>
+              <a:ext cx="986228" cy="395019"/>
+            </a:xfrm>
+            <a:prstGeom prst="rect">
+              <a:avLst/>
+            </a:prstGeom>
+            <a:noFill/>
+          </p:spPr>
+          <p:txBody>
+            <a:bodyPr wrap="square" rtlCol="0">
+              <a:spAutoFit/>
+            </a:bodyPr>
+            <a:lstStyle/>
+            <a:p>
+              <a:r>
+                <a:rPr lang="es-ES" sz="2000" dirty="0"/>
+                <a:t>Japan</a:t>
+              </a:r>
+              <a:r>
+                <a:rPr lang="es-ES" dirty="0"/>
+                <a:t> </a:t>
+              </a:r>
+            </a:p>
+          </p:txBody>
+        </p:sp>
         <p:sp>
           <p:nvSpPr>
             <p:cNvPr id="19" name="Textfeld 18">
@@ -19866,6 +20947,136 @@
         </p:sp>
         <p:sp>
           <p:nvSpPr>
+            <p:cNvPr id="23" name="Textfeld 22">
+              <a:extLst>
+                <a:ext uri="{FF2B5EF4-FFF2-40B4-BE49-F238E27FC236}">
+                  <a16:creationId xmlns:a16="http://schemas.microsoft.com/office/drawing/2014/main" id="{FDB645C0-6197-41CA-8937-7B075F4AD660}"/>
+                </a:ext>
+              </a:extLst>
+            </p:cNvPr>
+            <p:cNvSpPr txBox="1"/>
+            <p:nvPr/>
+          </p:nvSpPr>
+          <p:spPr>
+            <a:xfrm>
+              <a:off x="1223481" y="6005612"/>
+              <a:ext cx="4493830" cy="307777"/>
+            </a:xfrm>
+            <a:prstGeom prst="rect">
+              <a:avLst/>
+            </a:prstGeom>
+            <a:noFill/>
+          </p:spPr>
+          <p:txBody>
+            <a:bodyPr wrap="square" rtlCol="0">
+              <a:spAutoFit/>
+            </a:bodyPr>
+            <a:lstStyle/>
+            <a:p>
+              <a:r>
+                <a:rPr lang="es-ES" sz="1400" dirty="0"/>
+                <a:t>Triggernde Magnitude 	                    Getriggerte Magnitude</a:t>
+              </a:r>
+            </a:p>
+          </p:txBody>
+        </p:sp>
+      </p:grpSp>
+      <p:grpSp>
+        <p:nvGrpSpPr>
+          <p:cNvPr id="3" name="Gruppieren 2">
+            <a:extLst>
+              <a:ext uri="{FF2B5EF4-FFF2-40B4-BE49-F238E27FC236}">
+                <a16:creationId xmlns:a16="http://schemas.microsoft.com/office/drawing/2014/main" id="{E461EC1D-06D2-4DA2-A2F6-E00FCE21A158}"/>
+              </a:ext>
+            </a:extLst>
+          </p:cNvPr>
+          <p:cNvGrpSpPr/>
+          <p:nvPr/>
+        </p:nvGrpSpPr>
+        <p:grpSpPr>
+          <a:xfrm>
+            <a:off x="6284538" y="1745164"/>
+            <a:ext cx="6177430" cy="4568224"/>
+            <a:chOff x="6284538" y="1745164"/>
+            <a:chExt cx="6177430" cy="4568224"/>
+          </a:xfrm>
+        </p:grpSpPr>
+        <p:pic>
+          <p:nvPicPr>
+            <p:cNvPr id="11" name="Grafik 10">
+              <a:extLst>
+                <a:ext uri="{FF2B5EF4-FFF2-40B4-BE49-F238E27FC236}">
+                  <a16:creationId xmlns:a16="http://schemas.microsoft.com/office/drawing/2014/main" id="{FC3079F1-8F08-4794-9546-E068F9DAB744}"/>
+                </a:ext>
+              </a:extLst>
+            </p:cNvPr>
+            <p:cNvPicPr>
+              <a:picLocks noChangeAspect="1"/>
+            </p:cNvPicPr>
+            <p:nvPr/>
+          </p:nvPicPr>
+          <p:blipFill rotWithShape="1">
+            <a:blip r:embed="rId3">
+              <a:extLst>
+                <a:ext uri="{28A0092B-C50C-407E-A947-70E740481C1C}">
+                  <a14:useLocalDpi xmlns:a14="http://schemas.microsoft.com/office/drawing/2010/main" val="0"/>
+                </a:ext>
+              </a:extLst>
+            </a:blip>
+            <a:srcRect l="3775" b="8317"/>
+            <a:stretch/>
+          </p:blipFill>
+          <p:spPr>
+            <a:xfrm>
+              <a:off x="6284538" y="2022578"/>
+              <a:ext cx="5813145" cy="3997602"/>
+            </a:xfrm>
+            <a:prstGeom prst="rect">
+              <a:avLst/>
+            </a:prstGeom>
+          </p:spPr>
+        </p:pic>
+        <p:sp>
+          <p:nvSpPr>
+            <p:cNvPr id="16" name="Textfeld 15">
+              <a:extLst>
+                <a:ext uri="{FF2B5EF4-FFF2-40B4-BE49-F238E27FC236}">
+                  <a16:creationId xmlns:a16="http://schemas.microsoft.com/office/drawing/2014/main" id="{6A9B6FC3-D097-43B2-94C4-A93A59A5E02A}"/>
+                </a:ext>
+              </a:extLst>
+            </p:cNvPr>
+            <p:cNvSpPr txBox="1"/>
+            <p:nvPr/>
+          </p:nvSpPr>
+          <p:spPr>
+            <a:xfrm>
+              <a:off x="6287981" y="1745164"/>
+              <a:ext cx="1571077" cy="400110"/>
+            </a:xfrm>
+            <a:prstGeom prst="rect">
+              <a:avLst/>
+            </a:prstGeom>
+            <a:noFill/>
+          </p:spPr>
+          <p:txBody>
+            <a:bodyPr wrap="square" rtlCol="0">
+              <a:spAutoFit/>
+            </a:bodyPr>
+            <a:lstStyle/>
+            <a:p>
+              <a:r>
+                <a:rPr lang="es-ES" sz="2000" dirty="0"/>
+                <a:t>Kalifornien</a:t>
+              </a:r>
+              <a:r>
+                <a:rPr lang="es-ES" dirty="0"/>
+                <a:t> </a:t>
+              </a:r>
+            </a:p>
+          </p:txBody>
+        </p:sp>
+        <p:sp>
+          <p:nvSpPr>
             <p:cNvPr id="20" name="Textfeld 19">
               <a:extLst>
                 <a:ext uri="{FF2B5EF4-FFF2-40B4-BE49-F238E27FC236}">
@@ -19895,41 +21106,6 @@
               <a:r>
                 <a:rPr lang="es-ES" sz="1400" dirty="0"/>
                 <a:t>n = 768 </a:t>
-              </a:r>
-            </a:p>
-          </p:txBody>
-        </p:sp>
-        <p:sp>
-          <p:nvSpPr>
-            <p:cNvPr id="23" name="Textfeld 22">
-              <a:extLst>
-                <a:ext uri="{FF2B5EF4-FFF2-40B4-BE49-F238E27FC236}">
-                  <a16:creationId xmlns:a16="http://schemas.microsoft.com/office/drawing/2014/main" id="{FDB645C0-6197-41CA-8937-7B075F4AD660}"/>
-                </a:ext>
-              </a:extLst>
-            </p:cNvPr>
-            <p:cNvSpPr txBox="1"/>
-            <p:nvPr/>
-          </p:nvSpPr>
-          <p:spPr>
-            <a:xfrm>
-              <a:off x="1223481" y="6005612"/>
-              <a:ext cx="4493830" cy="307777"/>
-            </a:xfrm>
-            <a:prstGeom prst="rect">
-              <a:avLst/>
-            </a:prstGeom>
-            <a:noFill/>
-          </p:spPr>
-          <p:txBody>
-            <a:bodyPr wrap="square" rtlCol="0">
-              <a:spAutoFit/>
-            </a:bodyPr>
-            <a:lstStyle/>
-            <a:p>
-              <a:r>
-                <a:rPr lang="es-ES" sz="1400" dirty="0"/>
-                <a:t>Triggernde Magnitude 	                    Getriggerte Magnitude</a:t>
               </a:r>
             </a:p>
           </p:txBody>
@@ -19980,6 +21156,126 @@
   <p:clrMapOvr>
     <a:masterClrMapping/>
   </p:clrMapOvr>
+  <p:timing>
+    <p:tnLst>
+      <p:par>
+        <p:cTn id="1" dur="indefinite" restart="never" nodeType="tmRoot">
+          <p:childTnLst>
+            <p:seq concurrent="1" nextAc="seek">
+              <p:cTn id="2" dur="indefinite" nodeType="mainSeq">
+                <p:childTnLst>
+                  <p:par>
+                    <p:cTn id="3" fill="hold">
+                      <p:stCondLst>
+                        <p:cond delay="indefinite"/>
+                      </p:stCondLst>
+                      <p:childTnLst>
+                        <p:par>
+                          <p:cTn id="4" fill="hold">
+                            <p:stCondLst>
+                              <p:cond delay="0"/>
+                            </p:stCondLst>
+                            <p:childTnLst>
+                              <p:par>
+                                <p:cTn id="5" presetID="1" presetClass="entr" presetSubtype="0" fill="hold" nodeType="clickEffect">
+                                  <p:stCondLst>
+                                    <p:cond delay="0"/>
+                                  </p:stCondLst>
+                                  <p:childTnLst>
+                                    <p:set>
+                                      <p:cBhvr>
+                                        <p:cTn id="6" dur="1" fill="hold">
+                                          <p:stCondLst>
+                                            <p:cond delay="0"/>
+                                          </p:stCondLst>
+                                        </p:cTn>
+                                        <p:tgtEl>
+                                          <p:spTgt spid="2"/>
+                                        </p:tgtEl>
+                                        <p:attrNameLst>
+                                          <p:attrName>style.visibility</p:attrName>
+                                        </p:attrNameLst>
+                                      </p:cBhvr>
+                                      <p:to>
+                                        <p:strVal val="visible"/>
+                                      </p:to>
+                                    </p:set>
+                                  </p:childTnLst>
+                                </p:cTn>
+                              </p:par>
+                            </p:childTnLst>
+                          </p:cTn>
+                        </p:par>
+                      </p:childTnLst>
+                    </p:cTn>
+                  </p:par>
+                  <p:par>
+                    <p:cTn id="7" fill="hold">
+                      <p:stCondLst>
+                        <p:cond delay="indefinite"/>
+                      </p:stCondLst>
+                      <p:childTnLst>
+                        <p:par>
+                          <p:cTn id="8" fill="hold">
+                            <p:stCondLst>
+                              <p:cond delay="0"/>
+                            </p:stCondLst>
+                            <p:childTnLst>
+                              <p:par>
+                                <p:cTn id="9" presetID="1" presetClass="entr" presetSubtype="0" fill="hold" nodeType="clickEffect">
+                                  <p:stCondLst>
+                                    <p:cond delay="0"/>
+                                  </p:stCondLst>
+                                  <p:childTnLst>
+                                    <p:set>
+                                      <p:cBhvr>
+                                        <p:cTn id="10" dur="1" fill="hold">
+                                          <p:stCondLst>
+                                            <p:cond delay="0"/>
+                                          </p:stCondLst>
+                                        </p:cTn>
+                                        <p:tgtEl>
+                                          <p:spTgt spid="3"/>
+                                        </p:tgtEl>
+                                        <p:attrNameLst>
+                                          <p:attrName>style.visibility</p:attrName>
+                                        </p:attrNameLst>
+                                      </p:cBhvr>
+                                      <p:to>
+                                        <p:strVal val="visible"/>
+                                      </p:to>
+                                    </p:set>
+                                  </p:childTnLst>
+                                </p:cTn>
+                              </p:par>
+                            </p:childTnLst>
+                          </p:cTn>
+                        </p:par>
+                      </p:childTnLst>
+                    </p:cTn>
+                  </p:par>
+                </p:childTnLst>
+              </p:cTn>
+              <p:prevCondLst>
+                <p:cond evt="onPrev" delay="0">
+                  <p:tgtEl>
+                    <p:sldTgt/>
+                  </p:tgtEl>
+                </p:cond>
+              </p:prevCondLst>
+              <p:nextCondLst>
+                <p:cond evt="onNext" delay="0">
+                  <p:tgtEl>
+                    <p:sldTgt/>
+                  </p:tgtEl>
+                </p:cond>
+              </p:nextCondLst>
+            </p:seq>
+          </p:childTnLst>
+        </p:cTn>
+      </p:par>
+    </p:tnLst>
+  </p:timing>
 </p:sld>
 </file>
 
@@ -20372,45 +21668,6 @@
           </p:txBody>
         </p:sp>
       </p:grpSp>
-      <p:sp>
-        <p:nvSpPr>
-          <p:cNvPr id="2" name="Textfeld 1">
-            <a:extLst>
-              <a:ext uri="{FF2B5EF4-FFF2-40B4-BE49-F238E27FC236}">
-                <a16:creationId xmlns:a16="http://schemas.microsoft.com/office/drawing/2014/main" id="{359C5BFD-7E1A-4DA8-A3EE-487B6D3655E8}"/>
-              </a:ext>
-            </a:extLst>
-          </p:cNvPr>
-          <p:cNvSpPr txBox="1"/>
-          <p:nvPr/>
-        </p:nvSpPr>
-        <p:spPr>
-          <a:xfrm>
-            <a:off x="5943600" y="6133836"/>
-            <a:ext cx="1625600" cy="369332"/>
-          </a:xfrm>
-          <a:prstGeom prst="rect">
-            <a:avLst/>
-          </a:prstGeom>
-          <a:noFill/>
-        </p:spPr>
-        <p:txBody>
-          <a:bodyPr wrap="square" rtlCol="0">
-            <a:spAutoFit/>
-          </a:bodyPr>
-          <a:lstStyle/>
-          <a:p>
-            <a:r>
-              <a:rPr lang="es-ES" dirty="0">
-                <a:solidFill>
-                  <a:srgbClr val="FF0000"/>
-                </a:solidFill>
-              </a:rPr>
-              <a:t>X Achse</a:t>
-            </a:r>
-          </a:p>
-        </p:txBody>
-      </p:sp>
       <p:sp>
         <p:nvSpPr>
           <p:cNvPr id="8" name="Textfeld 7">
@@ -21251,7 +22508,7 @@
         <p:spPr>
           <a:xfrm>
             <a:off x="769925" y="3003772"/>
-            <a:ext cx="10652150" cy="2246769"/>
+            <a:ext cx="10652150" cy="1323439"/>
           </a:xfrm>
           <a:prstGeom prst="rect">
             <a:avLst/>
@@ -21265,6 +22522,9 @@
           <a:lstStyle/>
           <a:p>
             <a:pPr marL="285750" indent="-285750">
+              <a:lnSpc>
+                <a:spcPct val="150000"/>
+              </a:lnSpc>
               <a:buFont typeface="Arial" panose="020B0604020202020204" pitchFamily="34" charset="0"/>
               <a:buChar char="•"/>
             </a:pPr>
@@ -21274,6 +22534,11 @@
             </a:r>
           </a:p>
           <a:p>
+            <a:pPr>
+              <a:lnSpc>
+                <a:spcPct val="150000"/>
+              </a:lnSpc>
+            </a:pPr>
             <a:r>
               <a:rPr lang="es-ES" sz="2000" dirty="0">
                 <a:sym typeface="Wingdings" panose="05000000000000000000" pitchFamily="2" charset="2"/>
@@ -21284,356 +22549,24 @@
           <a:p>
             <a:endParaRPr lang="es-ES" sz="2000" dirty="0"/>
           </a:p>
-          <a:p>
-            <a:pPr marL="285750" indent="-285750">
-              <a:buFont typeface="Arial" panose="020B0604020202020204" pitchFamily="34" charset="0"/>
-              <a:buChar char="•"/>
-            </a:pPr>
-            <a:r>
-              <a:rPr lang="es-ES" sz="2000" dirty="0"/>
-              <a:t>Ansonsten hat die Completeness Magnitude die größte Erklärungskraft</a:t>
-            </a:r>
-          </a:p>
-          <a:p>
-            <a:r>
-              <a:rPr lang="es-ES" sz="2000" dirty="0">
-                <a:sym typeface="Wingdings" panose="05000000000000000000" pitchFamily="2" charset="2"/>
-              </a:rPr>
-              <a:t>	  Veränderung der Verteilung der getriggerten Erdbeben wird größtenteils durch die 	   	      Shortterm-Incompleteness und die dadurch nicht gemessenen Erdbeben erklärt </a:t>
-            </a:r>
-          </a:p>
-          <a:p>
-            <a:r>
-              <a:rPr lang="es-ES" sz="2000" dirty="0">
-                <a:sym typeface="Wingdings" panose="05000000000000000000" pitchFamily="2" charset="2"/>
-              </a:rPr>
-              <a:t>	  Ausnahme:  bei Japan hat die triggernde Magnitude den größten Effekt auf die Varianz</a:t>
-            </a:r>
-            <a:endParaRPr lang="es-ES" sz="2000" dirty="0"/>
-          </a:p>
-        </p:txBody>
-      </p:sp>
-    </p:spTree>
-    <p:extLst>
-      <p:ext uri="{BB962C8B-B14F-4D97-AF65-F5344CB8AC3E}">
-        <p14:creationId xmlns:p14="http://schemas.microsoft.com/office/powerpoint/2010/main" val="2422229932"/>
-      </p:ext>
-    </p:extLst>
-  </p:cSld>
-  <p:clrMapOvr>
-    <a:masterClrMapping/>
-  </p:clrMapOvr>
-</p:sld>
-</file>
-
-<file path=ppt/slides/slide37.xml><?xml version="1.0" encoding="utf-8"?>
-<p:sld xmlns:a="http://schemas.openxmlformats.org/drawingml/2006/main" xmlns:r="http://schemas.openxmlformats.org/officeDocument/2006/relationships" xmlns:p="http://schemas.openxmlformats.org/presentationml/2006/main">
-  <p:cSld>
-    <p:spTree>
-      <p:nvGrpSpPr>
-        <p:cNvPr id="1" name=""/>
-        <p:cNvGrpSpPr/>
-        <p:nvPr/>
-      </p:nvGrpSpPr>
-      <p:grpSpPr>
-        <a:xfrm>
-          <a:off x="0" y="0"/>
-          <a:ext cx="0" cy="0"/>
-          <a:chOff x="0" y="0"/>
-          <a:chExt cx="0" cy="0"/>
-        </a:xfrm>
-      </p:grpSpPr>
-      <p:sp>
-        <p:nvSpPr>
-          <p:cNvPr id="4" name="Foliennummernplatzhalter 3">
-            <a:extLst>
-              <a:ext uri="{FF2B5EF4-FFF2-40B4-BE49-F238E27FC236}">
-                <a16:creationId xmlns:a16="http://schemas.microsoft.com/office/drawing/2014/main" id="{38F51045-17B2-4CC8-80FB-808D3D232D7E}"/>
-              </a:ext>
-            </a:extLst>
-          </p:cNvPr>
-          <p:cNvSpPr>
-            <a:spLocks noGrp="1"/>
-          </p:cNvSpPr>
-          <p:nvPr>
-            <p:ph type="sldNum" sz="quarter" idx="12"/>
-          </p:nvPr>
-        </p:nvSpPr>
-        <p:spPr/>
-        <p:txBody>
-          <a:bodyPr/>
-          <a:lstStyle/>
-          <a:p>
-            <a:fld id="{5C76D808-3489-4ED6-8F45-9C53BCBA6C6D}" type="slidenum">
-              <a:rPr lang="es-ES" b="1" smtClean="0"/>
-              <a:t>37</a:t>
-            </a:fld>
-            <a:endParaRPr lang="es-ES" b="1" dirty="0"/>
-          </a:p>
-        </p:txBody>
-      </p:sp>
-      <p:sp>
-        <p:nvSpPr>
-          <p:cNvPr id="6" name="AutoShape 2" descr="Bildergebnis für mexiko  flagge">
-            <a:extLst>
-              <a:ext uri="{FF2B5EF4-FFF2-40B4-BE49-F238E27FC236}">
-                <a16:creationId xmlns:a16="http://schemas.microsoft.com/office/drawing/2014/main" id="{857C175E-0782-4771-83B5-FE30477F5ADE}"/>
-              </a:ext>
-            </a:extLst>
-          </p:cNvPr>
-          <p:cNvSpPr>
-            <a:spLocks noChangeAspect="1" noChangeArrowheads="1"/>
-          </p:cNvSpPr>
-          <p:nvPr/>
-        </p:nvSpPr>
-        <p:spPr bwMode="auto">
-          <a:xfrm>
-            <a:off x="5943600" y="3276600"/>
-            <a:ext cx="304800" cy="304800"/>
-          </a:xfrm>
-          <a:prstGeom prst="rect">
-            <a:avLst/>
-          </a:prstGeom>
-          <a:noFill/>
-          <a:extLst>
-            <a:ext uri="{909E8E84-426E-40DD-AFC4-6F175D3DCCD1}">
-              <a14:hiddenFill xmlns:a14="http://schemas.microsoft.com/office/drawing/2010/main">
-                <a:solidFill>
-                  <a:srgbClr val="FFFFFF"/>
-                </a:solidFill>
-              </a14:hiddenFill>
-            </a:ext>
-          </a:extLst>
-        </p:spPr>
-        <p:txBody>
-          <a:bodyPr vert="horz" wrap="square" lIns="91440" tIns="45720" rIns="91440" bIns="45720" numCol="1" anchor="t" anchorCtr="0" compatLnSpc="1">
-            <a:prstTxWarp prst="textNoShape">
-              <a:avLst/>
-            </a:prstTxWarp>
-          </a:bodyPr>
-          <a:lstStyle/>
-          <a:p>
-            <a:endParaRPr lang="es-ES"/>
-          </a:p>
-        </p:txBody>
-      </p:sp>
-      <p:sp>
-        <p:nvSpPr>
-          <p:cNvPr id="9" name="Titel 26">
-            <a:extLst>
-              <a:ext uri="{FF2B5EF4-FFF2-40B4-BE49-F238E27FC236}">
-                <a16:creationId xmlns:a16="http://schemas.microsoft.com/office/drawing/2014/main" id="{2EB3946F-2FEF-7647-9117-E92EBCA1223B}"/>
-              </a:ext>
-            </a:extLst>
-          </p:cNvPr>
-          <p:cNvSpPr txBox="1">
-            <a:spLocks/>
-          </p:cNvSpPr>
+        </p:txBody>
+      </p:sp>
+      <p:sp>
+        <p:nvSpPr>
+          <p:cNvPr id="10" name="Textfeld 9">
+            <a:extLst>
+              <a:ext uri="{FF2B5EF4-FFF2-40B4-BE49-F238E27FC236}">
+                <a16:creationId xmlns:a16="http://schemas.microsoft.com/office/drawing/2014/main" id="{6A77CC62-0D88-4415-BACE-AF6CF8B43B71}"/>
+              </a:ext>
+            </a:extLst>
+          </p:cNvPr>
+          <p:cNvSpPr txBox="1"/>
           <p:nvPr/>
         </p:nvSpPr>
         <p:spPr>
           <a:xfrm>
-            <a:off x="834756" y="221672"/>
-            <a:ext cx="10515600" cy="1325563"/>
-          </a:xfrm>
-          <a:prstGeom prst="rect">
-            <a:avLst/>
-          </a:prstGeom>
-        </p:spPr>
-        <p:txBody>
-          <a:bodyPr vert="horz" lIns="91440" tIns="45720" rIns="91440" bIns="45720" rtlCol="0" anchor="ctr">
-            <a:normAutofit/>
-          </a:bodyPr>
-          <a:lstStyle>
-            <a:lvl1pPr algn="l" defTabSz="914400" rtl="0" eaLnBrk="1" latinLnBrk="0" hangingPunct="1">
-              <a:lnSpc>
-                <a:spcPct val="90000"/>
-              </a:lnSpc>
-              <a:spcBef>
-                <a:spcPct val="0"/>
-              </a:spcBef>
-              <a:buNone/>
-              <a:defRPr sz="4400" kern="1200">
-                <a:solidFill>
-                  <a:schemeClr val="tx1"/>
-                </a:solidFill>
-                <a:latin typeface="+mj-lt"/>
-                <a:ea typeface="+mj-ea"/>
-                <a:cs typeface="+mj-cs"/>
-              </a:defRPr>
-            </a:lvl1pPr>
-          </a:lstStyle>
-          <a:p>
-            <a:pPr algn="ctr"/>
-            <a:r>
-              <a:rPr lang="es-ES" sz="3300" u="sng" dirty="0">
-                <a:latin typeface="Arial" panose="020B0604020202020204" pitchFamily="34" charset="0"/>
-                <a:cs typeface="Arial" panose="020B0604020202020204" pitchFamily="34" charset="0"/>
-              </a:rPr>
-              <a:t>Fazit</a:t>
-            </a:r>
-          </a:p>
-        </p:txBody>
-      </p:sp>
-      <p:sp>
-        <p:nvSpPr>
-          <p:cNvPr id="7" name="Fußzeilenplatzhalter 4">
-            <a:extLst>
-              <a:ext uri="{FF2B5EF4-FFF2-40B4-BE49-F238E27FC236}">
-                <a16:creationId xmlns:a16="http://schemas.microsoft.com/office/drawing/2014/main" id="{43BA6792-790F-48E5-A873-086A5823D09A}"/>
-              </a:ext>
-            </a:extLst>
-          </p:cNvPr>
-          <p:cNvSpPr>
-            <a:spLocks noGrp="1"/>
-          </p:cNvSpPr>
-          <p:nvPr>
-            <p:ph type="ftr" sz="quarter" idx="11"/>
-          </p:nvPr>
-        </p:nvSpPr>
-        <p:spPr>
-          <a:xfrm>
-            <a:off x="117806" y="6356350"/>
-            <a:ext cx="4050287" cy="365125"/>
-          </a:xfrm>
-        </p:spPr>
-        <p:txBody>
-          <a:bodyPr/>
-          <a:lstStyle/>
-          <a:p>
-            <a:r>
-              <a:rPr lang="es-ES" dirty="0">
-                <a:latin typeface="Arial" panose="020B0604020202020204" pitchFamily="34" charset="0"/>
-                <a:cs typeface="Arial" panose="020B0604020202020204" pitchFamily="34" charset="0"/>
-              </a:rPr>
-              <a:t>Getriggerte Erdbeben – Orzelek, Reichmeier, Riedlberger</a:t>
-            </a:r>
-          </a:p>
-        </p:txBody>
-      </p:sp>
-      <p:sp>
-        <p:nvSpPr>
-          <p:cNvPr id="8" name="Textfeld 7">
-            <a:extLst>
-              <a:ext uri="{FF2B5EF4-FFF2-40B4-BE49-F238E27FC236}">
-                <a16:creationId xmlns:a16="http://schemas.microsoft.com/office/drawing/2014/main" id="{0BDA713C-9E8F-467E-A088-46FECD7633C3}"/>
-              </a:ext>
-            </a:extLst>
-          </p:cNvPr>
-          <p:cNvSpPr txBox="1"/>
-          <p:nvPr/>
-        </p:nvSpPr>
-        <p:spPr>
-          <a:xfrm>
-            <a:off x="159368" y="160010"/>
-            <a:ext cx="11866377" cy="369332"/>
-          </a:xfrm>
-          <a:prstGeom prst="rect">
-            <a:avLst/>
-          </a:prstGeom>
-          <a:solidFill>
-            <a:schemeClr val="bg1">
-              <a:lumMod val="85000"/>
-            </a:schemeClr>
-          </a:solidFill>
-        </p:spPr>
-        <p:txBody>
-          <a:bodyPr wrap="square" rtlCol="0">
-            <a:spAutoFit/>
-          </a:bodyPr>
-          <a:lstStyle/>
-          <a:p>
-            <a:r>
-              <a:rPr lang="es-ES" dirty="0"/>
-              <a:t>6. Fazit</a:t>
-            </a:r>
-          </a:p>
-        </p:txBody>
-      </p:sp>
-      <p:sp>
-        <p:nvSpPr>
-          <p:cNvPr id="10" name="Rechteck 9">
-            <a:extLst>
-              <a:ext uri="{FF2B5EF4-FFF2-40B4-BE49-F238E27FC236}">
-                <a16:creationId xmlns:a16="http://schemas.microsoft.com/office/drawing/2014/main" id="{C26CC924-5A66-466F-9FBF-78D11C46F52B}"/>
-              </a:ext>
-            </a:extLst>
-          </p:cNvPr>
-          <p:cNvSpPr/>
-          <p:nvPr/>
-        </p:nvSpPr>
-        <p:spPr>
-          <a:xfrm>
-            <a:off x="684046" y="1462011"/>
-            <a:ext cx="10823907" cy="1277751"/>
-          </a:xfrm>
-          <a:prstGeom prst="rect">
-            <a:avLst/>
-          </a:prstGeom>
-          <a:solidFill>
-            <a:schemeClr val="bg2"/>
-          </a:solidFill>
-          <a:ln>
-            <a:solidFill>
-              <a:schemeClr val="tx1"/>
-            </a:solidFill>
-          </a:ln>
-        </p:spPr>
-        <p:style>
-          <a:lnRef idx="2">
-            <a:schemeClr val="accent1">
-              <a:shade val="50000"/>
-            </a:schemeClr>
-          </a:lnRef>
-          <a:fillRef idx="1">
-            <a:schemeClr val="accent1"/>
-          </a:fillRef>
-          <a:effectRef idx="0">
-            <a:schemeClr val="accent1"/>
-          </a:effectRef>
-          <a:fontRef idx="minor">
-            <a:schemeClr val="lt1"/>
-          </a:fontRef>
-        </p:style>
-        <p:txBody>
-          <a:bodyPr rtlCol="0" anchor="ctr"/>
-          <a:lstStyle/>
-          <a:p>
-            <a:pPr algn="ctr"/>
-            <a:r>
-              <a:rPr lang="de-DE" sz="2400" dirty="0">
-                <a:solidFill>
-                  <a:schemeClr val="tx1"/>
-                </a:solidFill>
-              </a:rPr>
-              <a:t>2. Unterscheiden sich die Beobachtungen für Erdbeben-Daten in Japan und Süd-Kalifornien? </a:t>
-            </a:r>
-            <a:endParaRPr lang="es-ES" sz="2400" dirty="0">
-              <a:solidFill>
-                <a:schemeClr val="tx1"/>
-              </a:solidFill>
-              <a:latin typeface="Arial" panose="020B0604020202020204" pitchFamily="34" charset="0"/>
-              <a:cs typeface="Arial" panose="020B0604020202020204" pitchFamily="34" charset="0"/>
-            </a:endParaRPr>
-          </a:p>
-        </p:txBody>
-      </p:sp>
-      <p:sp>
-        <p:nvSpPr>
-          <p:cNvPr id="11" name="Textfeld 10">
-            <a:extLst>
-              <a:ext uri="{FF2B5EF4-FFF2-40B4-BE49-F238E27FC236}">
-                <a16:creationId xmlns:a16="http://schemas.microsoft.com/office/drawing/2014/main" id="{31DE4B60-0DE9-4146-9506-AC8E4372C9A0}"/>
-              </a:ext>
-            </a:extLst>
-          </p:cNvPr>
-          <p:cNvSpPr txBox="1"/>
-          <p:nvPr/>
-        </p:nvSpPr>
-        <p:spPr>
-          <a:xfrm>
-            <a:off x="1191266" y="3148743"/>
-            <a:ext cx="9809468" cy="1938992"/>
+            <a:off x="769925" y="3978880"/>
+            <a:ext cx="11053742" cy="1889300"/>
           </a:xfrm>
           <a:prstGeom prst="rect">
             <a:avLst/>
@@ -21641,49 +22574,48 @@
           <a:noFill/>
         </p:spPr>
         <p:txBody>
-          <a:bodyPr wrap="square" rtlCol="0">
+          <a:bodyPr wrap="square">
             <a:spAutoFit/>
           </a:bodyPr>
           <a:lstStyle/>
           <a:p>
             <a:pPr marL="285750" indent="-285750">
+              <a:lnSpc>
+                <a:spcPct val="150000"/>
+              </a:lnSpc>
               <a:buFont typeface="Arial" panose="020B0604020202020204" pitchFamily="34" charset="0"/>
               <a:buChar char="•"/>
             </a:pPr>
             <a:r>
               <a:rPr lang="es-ES" sz="2000" dirty="0"/>
-              <a:t>Kaum Unterschiede beim Effekt auf den Erwartungswert</a:t>
-            </a:r>
-          </a:p>
-          <a:p>
-            <a:pPr marL="285750" indent="-285750">
-              <a:buFont typeface="Arial" panose="020B0604020202020204" pitchFamily="34" charset="0"/>
-              <a:buChar char="•"/>
+              <a:t>Ansonsten hat die Completeness Magnitude die größte Erklärungskraft</a:t>
+            </a:r>
+          </a:p>
+          <a:p>
+            <a:pPr>
+              <a:lnSpc>
+                <a:spcPct val="150000"/>
+              </a:lnSpc>
             </a:pPr>
-            <a:endParaRPr lang="es-ES" sz="2000" dirty="0"/>
-          </a:p>
-          <a:p>
-            <a:pPr marL="285750" indent="-285750">
-              <a:buFont typeface="Arial" panose="020B0604020202020204" pitchFamily="34" charset="0"/>
-              <a:buChar char="•"/>
+            <a:r>
+              <a:rPr lang="es-ES" sz="2000" dirty="0">
+                <a:sym typeface="Wingdings" panose="05000000000000000000" pitchFamily="2" charset="2"/>
+              </a:rPr>
+              <a:t>	  Veränderung der Verteilung der getriggerten Erdbeben wird größtenteils durch die 	   	       Shortterm-Incompleteness und die dadurch nicht gemessenen Erdbeben erklärt </a:t>
+            </a:r>
+          </a:p>
+          <a:p>
+            <a:pPr>
+              <a:lnSpc>
+                <a:spcPct val="150000"/>
+              </a:lnSpc>
             </a:pPr>
             <a:r>
-              <a:rPr lang="es-ES" sz="2000" dirty="0"/>
-              <a:t>Bei Kalifornien hat die Completeness Magnitude einen stärkeren Effekt auf die Varianz als bei Japan</a:t>
-            </a:r>
-          </a:p>
-          <a:p>
-            <a:pPr marL="285750" indent="-285750">
-              <a:buFont typeface="Arial" panose="020B0604020202020204" pitchFamily="34" charset="0"/>
-              <a:buChar char="•"/>
-            </a:pPr>
-            <a:endParaRPr lang="es-ES" sz="2000" dirty="0"/>
-          </a:p>
-          <a:p>
-            <a:pPr marL="285750" indent="-285750">
-              <a:buFont typeface="Arial" panose="020B0604020202020204" pitchFamily="34" charset="0"/>
-              <a:buChar char="•"/>
-            </a:pPr>
+              <a:rPr lang="es-ES" sz="2000" dirty="0">
+                <a:sym typeface="Wingdings" panose="05000000000000000000" pitchFamily="2" charset="2"/>
+              </a:rPr>
+              <a:t>	  Ausnahme:  bei Japan hat die triggernde Magnitude den größten Effekt auf die Varianz</a:t>
+            </a:r>
             <a:endParaRPr lang="es-ES" sz="2000" dirty="0"/>
           </a:p>
         </p:txBody>
@@ -21691,7 +22623,7 @@
     </p:spTree>
     <p:extLst>
       <p:ext uri="{BB962C8B-B14F-4D97-AF65-F5344CB8AC3E}">
-        <p14:creationId xmlns:p14="http://schemas.microsoft.com/office/powerpoint/2010/main" val="1519883755"/>
+        <p14:creationId xmlns:p14="http://schemas.microsoft.com/office/powerpoint/2010/main" val="2422229932"/>
       </p:ext>
     </p:extLst>
   </p:cSld>
@@ -21727,6 +22659,51 @@
                                     <p:set>
                                       <p:cBhvr>
                                         <p:cTn id="6" dur="1" fill="hold">
+                                          <p:stCondLst>
+                                            <p:cond delay="0"/>
+                                          </p:stCondLst>
+                                        </p:cTn>
+                                        <p:tgtEl>
+                                          <p:spTgt spid="5"/>
+                                        </p:tgtEl>
+                                        <p:attrNameLst>
+                                          <p:attrName>style.visibility</p:attrName>
+                                        </p:attrNameLst>
+                                      </p:cBhvr>
+                                      <p:to>
+                                        <p:strVal val="visible"/>
+                                      </p:to>
+                                    </p:set>
+                                  </p:childTnLst>
+                                </p:cTn>
+                              </p:par>
+                            </p:childTnLst>
+                          </p:cTn>
+                        </p:par>
+                      </p:childTnLst>
+                    </p:cTn>
+                  </p:par>
+                  <p:par>
+                    <p:cTn id="7" fill="hold">
+                      <p:stCondLst>
+                        <p:cond delay="indefinite"/>
+                      </p:stCondLst>
+                      <p:childTnLst>
+                        <p:par>
+                          <p:cTn id="8" fill="hold">
+                            <p:stCondLst>
+                              <p:cond delay="0"/>
+                            </p:stCondLst>
+                            <p:childTnLst>
+                              <p:par>
+                                <p:cTn id="9" presetID="1" presetClass="entr" presetSubtype="0" fill="hold" grpId="0" nodeType="clickEffect">
+                                  <p:stCondLst>
+                                    <p:cond delay="0"/>
+                                  </p:stCondLst>
+                                  <p:childTnLst>
+                                    <p:set>
+                                      <p:cBhvr>
+                                        <p:cTn id="10" dur="1" fill="hold">
                                           <p:stCondLst>
                                             <p:cond delay="0"/>
                                           </p:stCondLst>
@@ -21773,7 +22750,460 @@
       </p:par>
     </p:tnLst>
     <p:bldLst>
-      <p:bldP spid="10" grpId="0" animBg="1"/>
+      <p:bldP spid="5" grpId="0"/>
+      <p:bldP spid="10" grpId="0"/>
+    </p:bldLst>
+  </p:timing>
+</p:sld>
+</file>
+
+<file path=ppt/slides/slide37.xml><?xml version="1.0" encoding="utf-8"?>
+<p:sld xmlns:a="http://schemas.openxmlformats.org/drawingml/2006/main" xmlns:r="http://schemas.openxmlformats.org/officeDocument/2006/relationships" xmlns:p="http://schemas.openxmlformats.org/presentationml/2006/main">
+  <p:cSld>
+    <p:spTree>
+      <p:nvGrpSpPr>
+        <p:cNvPr id="1" name=""/>
+        <p:cNvGrpSpPr/>
+        <p:nvPr/>
+      </p:nvGrpSpPr>
+      <p:grpSpPr>
+        <a:xfrm>
+          <a:off x="0" y="0"/>
+          <a:ext cx="0" cy="0"/>
+          <a:chOff x="0" y="0"/>
+          <a:chExt cx="0" cy="0"/>
+        </a:xfrm>
+      </p:grpSpPr>
+      <p:sp>
+        <p:nvSpPr>
+          <p:cNvPr id="4" name="Foliennummernplatzhalter 3">
+            <a:extLst>
+              <a:ext uri="{FF2B5EF4-FFF2-40B4-BE49-F238E27FC236}">
+                <a16:creationId xmlns:a16="http://schemas.microsoft.com/office/drawing/2014/main" id="{38F51045-17B2-4CC8-80FB-808D3D232D7E}"/>
+              </a:ext>
+            </a:extLst>
+          </p:cNvPr>
+          <p:cNvSpPr>
+            <a:spLocks noGrp="1"/>
+          </p:cNvSpPr>
+          <p:nvPr>
+            <p:ph type="sldNum" sz="quarter" idx="12"/>
+          </p:nvPr>
+        </p:nvSpPr>
+        <p:spPr/>
+        <p:txBody>
+          <a:bodyPr/>
+          <a:lstStyle/>
+          <a:p>
+            <a:fld id="{5C76D808-3489-4ED6-8F45-9C53BCBA6C6D}" type="slidenum">
+              <a:rPr lang="es-ES" b="1" smtClean="0"/>
+              <a:t>37</a:t>
+            </a:fld>
+            <a:endParaRPr lang="es-ES" b="1" dirty="0"/>
+          </a:p>
+        </p:txBody>
+      </p:sp>
+      <p:sp>
+        <p:nvSpPr>
+          <p:cNvPr id="6" name="AutoShape 2" descr="Bildergebnis für mexiko  flagge">
+            <a:extLst>
+              <a:ext uri="{FF2B5EF4-FFF2-40B4-BE49-F238E27FC236}">
+                <a16:creationId xmlns:a16="http://schemas.microsoft.com/office/drawing/2014/main" id="{857C175E-0782-4771-83B5-FE30477F5ADE}"/>
+              </a:ext>
+            </a:extLst>
+          </p:cNvPr>
+          <p:cNvSpPr>
+            <a:spLocks noChangeAspect="1" noChangeArrowheads="1"/>
+          </p:cNvSpPr>
+          <p:nvPr/>
+        </p:nvSpPr>
+        <p:spPr bwMode="auto">
+          <a:xfrm>
+            <a:off x="5943600" y="3276600"/>
+            <a:ext cx="304800" cy="304800"/>
+          </a:xfrm>
+          <a:prstGeom prst="rect">
+            <a:avLst/>
+          </a:prstGeom>
+          <a:noFill/>
+          <a:extLst>
+            <a:ext uri="{909E8E84-426E-40DD-AFC4-6F175D3DCCD1}">
+              <a14:hiddenFill xmlns:a14="http://schemas.microsoft.com/office/drawing/2010/main">
+                <a:solidFill>
+                  <a:srgbClr val="FFFFFF"/>
+                </a:solidFill>
+              </a14:hiddenFill>
+            </a:ext>
+          </a:extLst>
+        </p:spPr>
+        <p:txBody>
+          <a:bodyPr vert="horz" wrap="square" lIns="91440" tIns="45720" rIns="91440" bIns="45720" numCol="1" anchor="t" anchorCtr="0" compatLnSpc="1">
+            <a:prstTxWarp prst="textNoShape">
+              <a:avLst/>
+            </a:prstTxWarp>
+          </a:bodyPr>
+          <a:lstStyle/>
+          <a:p>
+            <a:endParaRPr lang="es-ES"/>
+          </a:p>
+        </p:txBody>
+      </p:sp>
+      <p:sp>
+        <p:nvSpPr>
+          <p:cNvPr id="9" name="Titel 26">
+            <a:extLst>
+              <a:ext uri="{FF2B5EF4-FFF2-40B4-BE49-F238E27FC236}">
+                <a16:creationId xmlns:a16="http://schemas.microsoft.com/office/drawing/2014/main" id="{2EB3946F-2FEF-7647-9117-E92EBCA1223B}"/>
+              </a:ext>
+            </a:extLst>
+          </p:cNvPr>
+          <p:cNvSpPr txBox="1">
+            <a:spLocks/>
+          </p:cNvSpPr>
+          <p:nvPr/>
+        </p:nvSpPr>
+        <p:spPr>
+          <a:xfrm>
+            <a:off x="834756" y="221672"/>
+            <a:ext cx="10515600" cy="1325563"/>
+          </a:xfrm>
+          <a:prstGeom prst="rect">
+            <a:avLst/>
+          </a:prstGeom>
+        </p:spPr>
+        <p:txBody>
+          <a:bodyPr vert="horz" lIns="91440" tIns="45720" rIns="91440" bIns="45720" rtlCol="0" anchor="ctr">
+            <a:normAutofit/>
+          </a:bodyPr>
+          <a:lstStyle>
+            <a:lvl1pPr algn="l" defTabSz="914400" rtl="0" eaLnBrk="1" latinLnBrk="0" hangingPunct="1">
+              <a:lnSpc>
+                <a:spcPct val="90000"/>
+              </a:lnSpc>
+              <a:spcBef>
+                <a:spcPct val="0"/>
+              </a:spcBef>
+              <a:buNone/>
+              <a:defRPr sz="4400" kern="1200">
+                <a:solidFill>
+                  <a:schemeClr val="tx1"/>
+                </a:solidFill>
+                <a:latin typeface="+mj-lt"/>
+                <a:ea typeface="+mj-ea"/>
+                <a:cs typeface="+mj-cs"/>
+              </a:defRPr>
+            </a:lvl1pPr>
+          </a:lstStyle>
+          <a:p>
+            <a:pPr algn="ctr"/>
+            <a:r>
+              <a:rPr lang="es-ES" sz="3300" u="sng" dirty="0">
+                <a:latin typeface="Arial" panose="020B0604020202020204" pitchFamily="34" charset="0"/>
+                <a:cs typeface="Arial" panose="020B0604020202020204" pitchFamily="34" charset="0"/>
+              </a:rPr>
+              <a:t>Fazit</a:t>
+            </a:r>
+          </a:p>
+        </p:txBody>
+      </p:sp>
+      <p:sp>
+        <p:nvSpPr>
+          <p:cNvPr id="7" name="Fußzeilenplatzhalter 4">
+            <a:extLst>
+              <a:ext uri="{FF2B5EF4-FFF2-40B4-BE49-F238E27FC236}">
+                <a16:creationId xmlns:a16="http://schemas.microsoft.com/office/drawing/2014/main" id="{43BA6792-790F-48E5-A873-086A5823D09A}"/>
+              </a:ext>
+            </a:extLst>
+          </p:cNvPr>
+          <p:cNvSpPr>
+            <a:spLocks noGrp="1"/>
+          </p:cNvSpPr>
+          <p:nvPr>
+            <p:ph type="ftr" sz="quarter" idx="11"/>
+          </p:nvPr>
+        </p:nvSpPr>
+        <p:spPr>
+          <a:xfrm>
+            <a:off x="117806" y="6356350"/>
+            <a:ext cx="4050287" cy="365125"/>
+          </a:xfrm>
+        </p:spPr>
+        <p:txBody>
+          <a:bodyPr/>
+          <a:lstStyle/>
+          <a:p>
+            <a:r>
+              <a:rPr lang="es-ES" dirty="0">
+                <a:latin typeface="Arial" panose="020B0604020202020204" pitchFamily="34" charset="0"/>
+                <a:cs typeface="Arial" panose="020B0604020202020204" pitchFamily="34" charset="0"/>
+              </a:rPr>
+              <a:t>Getriggerte Erdbeben – Orzelek, Reichmeier, Riedlberger</a:t>
+            </a:r>
+          </a:p>
+        </p:txBody>
+      </p:sp>
+      <p:sp>
+        <p:nvSpPr>
+          <p:cNvPr id="8" name="Textfeld 7">
+            <a:extLst>
+              <a:ext uri="{FF2B5EF4-FFF2-40B4-BE49-F238E27FC236}">
+                <a16:creationId xmlns:a16="http://schemas.microsoft.com/office/drawing/2014/main" id="{0BDA713C-9E8F-467E-A088-46FECD7633C3}"/>
+              </a:ext>
+            </a:extLst>
+          </p:cNvPr>
+          <p:cNvSpPr txBox="1"/>
+          <p:nvPr/>
+        </p:nvSpPr>
+        <p:spPr>
+          <a:xfrm>
+            <a:off x="159368" y="160010"/>
+            <a:ext cx="11866377" cy="369332"/>
+          </a:xfrm>
+          <a:prstGeom prst="rect">
+            <a:avLst/>
+          </a:prstGeom>
+          <a:solidFill>
+            <a:schemeClr val="bg1">
+              <a:lumMod val="85000"/>
+            </a:schemeClr>
+          </a:solidFill>
+        </p:spPr>
+        <p:txBody>
+          <a:bodyPr wrap="square" rtlCol="0">
+            <a:spAutoFit/>
+          </a:bodyPr>
+          <a:lstStyle/>
+          <a:p>
+            <a:r>
+              <a:rPr lang="es-ES" dirty="0"/>
+              <a:t>6. Fazit</a:t>
+            </a:r>
+          </a:p>
+        </p:txBody>
+      </p:sp>
+      <p:sp>
+        <p:nvSpPr>
+          <p:cNvPr id="10" name="Rechteck 9">
+            <a:extLst>
+              <a:ext uri="{FF2B5EF4-FFF2-40B4-BE49-F238E27FC236}">
+                <a16:creationId xmlns:a16="http://schemas.microsoft.com/office/drawing/2014/main" id="{C26CC924-5A66-466F-9FBF-78D11C46F52B}"/>
+              </a:ext>
+            </a:extLst>
+          </p:cNvPr>
+          <p:cNvSpPr/>
+          <p:nvPr/>
+        </p:nvSpPr>
+        <p:spPr>
+          <a:xfrm>
+            <a:off x="684046" y="1462011"/>
+            <a:ext cx="10823907" cy="1277751"/>
+          </a:xfrm>
+          <a:prstGeom prst="rect">
+            <a:avLst/>
+          </a:prstGeom>
+          <a:solidFill>
+            <a:schemeClr val="bg2"/>
+          </a:solidFill>
+          <a:ln>
+            <a:solidFill>
+              <a:schemeClr val="tx1"/>
+            </a:solidFill>
+          </a:ln>
+        </p:spPr>
+        <p:style>
+          <a:lnRef idx="2">
+            <a:schemeClr val="accent1">
+              <a:shade val="50000"/>
+            </a:schemeClr>
+          </a:lnRef>
+          <a:fillRef idx="1">
+            <a:schemeClr val="accent1"/>
+          </a:fillRef>
+          <a:effectRef idx="0">
+            <a:schemeClr val="accent1"/>
+          </a:effectRef>
+          <a:fontRef idx="minor">
+            <a:schemeClr val="lt1"/>
+          </a:fontRef>
+        </p:style>
+        <p:txBody>
+          <a:bodyPr rtlCol="0" anchor="ctr"/>
+          <a:lstStyle/>
+          <a:p>
+            <a:pPr algn="ctr"/>
+            <a:r>
+              <a:rPr lang="de-DE" sz="2400" dirty="0">
+                <a:solidFill>
+                  <a:schemeClr val="tx1"/>
+                </a:solidFill>
+              </a:rPr>
+              <a:t>2. Unterscheiden sich die Beobachtungen für Erdbeben-Daten in Japan und Süd-Kalifornien? </a:t>
+            </a:r>
+            <a:endParaRPr lang="es-ES" sz="2400" dirty="0">
+              <a:solidFill>
+                <a:schemeClr val="tx1"/>
+              </a:solidFill>
+              <a:latin typeface="Arial" panose="020B0604020202020204" pitchFamily="34" charset="0"/>
+              <a:cs typeface="Arial" panose="020B0604020202020204" pitchFamily="34" charset="0"/>
+            </a:endParaRPr>
+          </a:p>
+        </p:txBody>
+      </p:sp>
+      <p:sp>
+        <p:nvSpPr>
+          <p:cNvPr id="11" name="Textfeld 10">
+            <a:extLst>
+              <a:ext uri="{FF2B5EF4-FFF2-40B4-BE49-F238E27FC236}">
+                <a16:creationId xmlns:a16="http://schemas.microsoft.com/office/drawing/2014/main" id="{31DE4B60-0DE9-4146-9506-AC8E4372C9A0}"/>
+              </a:ext>
+            </a:extLst>
+          </p:cNvPr>
+          <p:cNvSpPr txBox="1"/>
+          <p:nvPr/>
+        </p:nvSpPr>
+        <p:spPr>
+          <a:xfrm>
+            <a:off x="1191266" y="3148743"/>
+            <a:ext cx="9809468" cy="2246769"/>
+          </a:xfrm>
+          <a:prstGeom prst="rect">
+            <a:avLst/>
+          </a:prstGeom>
+          <a:noFill/>
+        </p:spPr>
+        <p:txBody>
+          <a:bodyPr wrap="square" rtlCol="0">
+            <a:spAutoFit/>
+          </a:bodyPr>
+          <a:lstStyle/>
+          <a:p>
+            <a:pPr marL="285750" indent="-285750">
+              <a:buFont typeface="Arial" panose="020B0604020202020204" pitchFamily="34" charset="0"/>
+              <a:buChar char="•"/>
+            </a:pPr>
+            <a:r>
+              <a:rPr lang="es-ES" sz="2000" dirty="0"/>
+              <a:t>Kaum Unterschiede beim Effekt auf den Erwartungswert</a:t>
+            </a:r>
+          </a:p>
+          <a:p>
+            <a:endParaRPr lang="es-ES" sz="2000" dirty="0"/>
+          </a:p>
+          <a:p>
+            <a:pPr marL="285750" indent="-285750">
+              <a:lnSpc>
+                <a:spcPct val="150000"/>
+              </a:lnSpc>
+              <a:buFont typeface="Arial" panose="020B0604020202020204" pitchFamily="34" charset="0"/>
+              <a:buChar char="•"/>
+            </a:pPr>
+            <a:r>
+              <a:rPr lang="es-ES" sz="2000" dirty="0"/>
+              <a:t>Bei Kalifornien hat die Completeness Magnitude einen stärkeren Effekt auf die Varianz als bei Japan</a:t>
+            </a:r>
+          </a:p>
+          <a:p>
+            <a:pPr marL="285750" indent="-285750">
+              <a:buFont typeface="Arial" panose="020B0604020202020204" pitchFamily="34" charset="0"/>
+              <a:buChar char="•"/>
+            </a:pPr>
+            <a:endParaRPr lang="es-ES" sz="2000" dirty="0"/>
+          </a:p>
+          <a:p>
+            <a:pPr marL="285750" indent="-285750">
+              <a:buFont typeface="Arial" panose="020B0604020202020204" pitchFamily="34" charset="0"/>
+              <a:buChar char="•"/>
+            </a:pPr>
+            <a:endParaRPr lang="es-ES" sz="2000" dirty="0"/>
+          </a:p>
+        </p:txBody>
+      </p:sp>
+    </p:spTree>
+    <p:extLst>
+      <p:ext uri="{BB962C8B-B14F-4D97-AF65-F5344CB8AC3E}">
+        <p14:creationId xmlns:p14="http://schemas.microsoft.com/office/powerpoint/2010/main" val="1519883755"/>
+      </p:ext>
+    </p:extLst>
+  </p:cSld>
+  <p:clrMapOvr>
+    <a:masterClrMapping/>
+  </p:clrMapOvr>
+  <p:timing>
+    <p:tnLst>
+      <p:par>
+        <p:cTn id="1" dur="indefinite" restart="never" nodeType="tmRoot">
+          <p:childTnLst>
+            <p:seq concurrent="1" nextAc="seek">
+              <p:cTn id="2" dur="indefinite" nodeType="mainSeq">
+                <p:childTnLst>
+                  <p:par>
+                    <p:cTn id="3" fill="hold">
+                      <p:stCondLst>
+                        <p:cond delay="indefinite"/>
+                      </p:stCondLst>
+                      <p:childTnLst>
+                        <p:par>
+                          <p:cTn id="4" fill="hold">
+                            <p:stCondLst>
+                              <p:cond delay="0"/>
+                            </p:stCondLst>
+                            <p:childTnLst>
+                              <p:par>
+                                <p:cTn id="5" presetID="1" presetClass="entr" presetSubtype="0" fill="hold" grpId="0" nodeType="clickEffect">
+                                  <p:stCondLst>
+                                    <p:cond delay="0"/>
+                                  </p:stCondLst>
+                                  <p:childTnLst>
+                                    <p:set>
+                                      <p:cBhvr>
+                                        <p:cTn id="6" dur="1" fill="hold">
+                                          <p:stCondLst>
+                                            <p:cond delay="0"/>
+                                          </p:stCondLst>
+                                        </p:cTn>
+                                        <p:tgtEl>
+                                          <p:spTgt spid="11"/>
+                                        </p:tgtEl>
+                                        <p:attrNameLst>
+                                          <p:attrName>style.visibility</p:attrName>
+                                        </p:attrNameLst>
+                                      </p:cBhvr>
+                                      <p:to>
+                                        <p:strVal val="visible"/>
+                                      </p:to>
+                                    </p:set>
+                                  </p:childTnLst>
+                                </p:cTn>
+                              </p:par>
+                            </p:childTnLst>
+                          </p:cTn>
+                        </p:par>
+                      </p:childTnLst>
+                    </p:cTn>
+                  </p:par>
+                </p:childTnLst>
+              </p:cTn>
+              <p:prevCondLst>
+                <p:cond evt="onPrev" delay="0">
+                  <p:tgtEl>
+                    <p:sldTgt/>
+                  </p:tgtEl>
+                </p:cond>
+              </p:prevCondLst>
+              <p:nextCondLst>
+                <p:cond evt="onNext" delay="0">
+                  <p:tgtEl>
+                    <p:sldTgt/>
+                  </p:tgtEl>
+                </p:cond>
+              </p:nextCondLst>
+            </p:seq>
+          </p:childTnLst>
+        </p:cTn>
+      </p:par>
+    </p:tnLst>
+    <p:bldLst>
+      <p:bldP spid="11" grpId="0"/>
     </p:bldLst>
   </p:timing>
 </p:sld>
@@ -22201,7 +23631,7 @@
                                           </p:stCondLst>
                                         </p:cTn>
                                         <p:tgtEl>
-                                          <p:spTgt spid="10"/>
+                                          <p:spTgt spid="12"/>
                                         </p:tgtEl>
                                         <p:attrNameLst>
                                           <p:attrName>style.visibility</p:attrName>
@@ -22242,7 +23672,7 @@
       </p:par>
     </p:tnLst>
     <p:bldLst>
-      <p:bldP spid="10" grpId="0" animBg="1"/>
+      <p:bldP spid="12" grpId="0"/>
     </p:bldLst>
   </p:timing>
 </p:sld>
@@ -23026,43 +24456,6 @@
       </p:grpSpPr>
       <p:sp>
         <p:nvSpPr>
-          <p:cNvPr id="5" name="Titel 4">
-            <a:extLst>
-              <a:ext uri="{FF2B5EF4-FFF2-40B4-BE49-F238E27FC236}">
-                <a16:creationId xmlns:a16="http://schemas.microsoft.com/office/drawing/2014/main" id="{A8DB802E-A859-4E59-A5B1-AEA2DD50647F}"/>
-              </a:ext>
-            </a:extLst>
-          </p:cNvPr>
-          <p:cNvSpPr>
-            <a:spLocks noGrp="1"/>
-          </p:cNvSpPr>
-          <p:nvPr>
-            <p:ph type="title"/>
-          </p:nvPr>
-        </p:nvSpPr>
-        <p:spPr>
-          <a:xfrm>
-            <a:off x="838200" y="1116353"/>
-            <a:ext cx="10515600" cy="1303908"/>
-          </a:xfrm>
-        </p:spPr>
-        <p:txBody>
-          <a:bodyPr/>
-          <a:lstStyle/>
-          <a:p>
-            <a:pPr algn="ctr"/>
-            <a:r>
-              <a:rPr lang="es-ES" dirty="0">
-                <a:latin typeface="Arial" panose="020B0604020202020204" pitchFamily="34" charset="0"/>
-                <a:cs typeface="Arial" panose="020B0604020202020204" pitchFamily="34" charset="0"/>
-              </a:rPr>
-              <a:t>Anhang</a:t>
-            </a:r>
-          </a:p>
-        </p:txBody>
-      </p:sp>
-      <p:sp>
-        <p:nvSpPr>
           <p:cNvPr id="4" name="Foliennummernplatzhalter 3">
             <a:extLst>
               <a:ext uri="{FF2B5EF4-FFF2-40B4-BE49-F238E27FC236}">
@@ -23129,239 +24522,7 @@
     </p:spTree>
     <p:extLst>
       <p:ext uri="{BB962C8B-B14F-4D97-AF65-F5344CB8AC3E}">
-        <p14:creationId xmlns:p14="http://schemas.microsoft.com/office/powerpoint/2010/main" val="1406681596"/>
-      </p:ext>
-    </p:extLst>
-  </p:cSld>
-  <p:clrMapOvr>
-    <a:masterClrMapping/>
-  </p:clrMapOvr>
-</p:sld>
-</file>
-
-<file path=ppt/slides/slide42.xml><?xml version="1.0" encoding="utf-8"?>
-<p:sld xmlns:a="http://schemas.openxmlformats.org/drawingml/2006/main" xmlns:r="http://schemas.openxmlformats.org/officeDocument/2006/relationships" xmlns:p="http://schemas.openxmlformats.org/presentationml/2006/main">
-  <p:cSld>
-    <p:spTree>
-      <p:nvGrpSpPr>
-        <p:cNvPr id="1" name=""/>
-        <p:cNvGrpSpPr/>
-        <p:nvPr/>
-      </p:nvGrpSpPr>
-      <p:grpSpPr>
-        <a:xfrm>
-          <a:off x="0" y="0"/>
-          <a:ext cx="0" cy="0"/>
-          <a:chOff x="0" y="0"/>
-          <a:chExt cx="0" cy="0"/>
-        </a:xfrm>
-      </p:grpSpPr>
-      <p:sp>
-        <p:nvSpPr>
-          <p:cNvPr id="4" name="Foliennummernplatzhalter 3">
-            <a:extLst>
-              <a:ext uri="{FF2B5EF4-FFF2-40B4-BE49-F238E27FC236}">
-                <a16:creationId xmlns:a16="http://schemas.microsoft.com/office/drawing/2014/main" id="{EEAB57F1-19EE-42C8-ADFF-9A10CBE81510}"/>
-              </a:ext>
-            </a:extLst>
-          </p:cNvPr>
-          <p:cNvSpPr>
-            <a:spLocks noGrp="1"/>
-          </p:cNvSpPr>
-          <p:nvPr>
-            <p:ph type="sldNum" sz="quarter" idx="12"/>
-          </p:nvPr>
-        </p:nvSpPr>
-        <p:spPr/>
-        <p:txBody>
-          <a:bodyPr/>
-          <a:lstStyle/>
-          <a:p>
-            <a:fld id="{5C76D808-3489-4ED6-8F45-9C53BCBA6C6D}" type="slidenum">
-              <a:rPr lang="es-ES" b="1" smtClean="0"/>
-              <a:t>42</a:t>
-            </a:fld>
-            <a:endParaRPr lang="es-ES" b="1" dirty="0"/>
-          </a:p>
-        </p:txBody>
-      </p:sp>
-      <p:sp>
-        <p:nvSpPr>
-          <p:cNvPr id="7" name="Fußzeilenplatzhalter 4">
-            <a:extLst>
-              <a:ext uri="{FF2B5EF4-FFF2-40B4-BE49-F238E27FC236}">
-                <a16:creationId xmlns:a16="http://schemas.microsoft.com/office/drawing/2014/main" id="{8F2BB6AB-4477-4547-A17E-6370F0F6C6FC}"/>
-              </a:ext>
-            </a:extLst>
-          </p:cNvPr>
-          <p:cNvSpPr>
-            <a:spLocks noGrp="1"/>
-          </p:cNvSpPr>
-          <p:nvPr>
-            <p:ph type="ftr" sz="quarter" idx="11"/>
-          </p:nvPr>
-        </p:nvSpPr>
-        <p:spPr>
-          <a:xfrm>
-            <a:off x="117806" y="6356350"/>
-            <a:ext cx="4050287" cy="365125"/>
-          </a:xfrm>
-        </p:spPr>
-        <p:txBody>
-          <a:bodyPr/>
-          <a:lstStyle/>
-          <a:p>
-            <a:r>
-              <a:rPr lang="es-ES" dirty="0">
-                <a:latin typeface="Arial" panose="020B0604020202020204" pitchFamily="34" charset="0"/>
-                <a:cs typeface="Arial" panose="020B0604020202020204" pitchFamily="34" charset="0"/>
-              </a:rPr>
-              <a:t>Getriggerte Erdbeben – Orzelek, Reichmeier, Riedlberger</a:t>
-            </a:r>
-          </a:p>
-        </p:txBody>
-      </p:sp>
-      <p:sp>
-        <p:nvSpPr>
-          <p:cNvPr id="8" name="Textfeld 7">
-            <a:extLst>
-              <a:ext uri="{FF2B5EF4-FFF2-40B4-BE49-F238E27FC236}">
-                <a16:creationId xmlns:a16="http://schemas.microsoft.com/office/drawing/2014/main" id="{073BC155-91B8-461D-A798-0462BF446837}"/>
-              </a:ext>
-            </a:extLst>
-          </p:cNvPr>
-          <p:cNvSpPr txBox="1"/>
-          <p:nvPr/>
-        </p:nvSpPr>
-        <p:spPr>
-          <a:xfrm>
-            <a:off x="159368" y="160010"/>
-            <a:ext cx="11866377" cy="369332"/>
-          </a:xfrm>
-          <a:prstGeom prst="rect">
-            <a:avLst/>
-          </a:prstGeom>
-          <a:solidFill>
-            <a:schemeClr val="bg1">
-              <a:lumMod val="85000"/>
-            </a:schemeClr>
-          </a:solidFill>
-        </p:spPr>
-        <p:txBody>
-          <a:bodyPr wrap="square" rtlCol="0">
-            <a:spAutoFit/>
-          </a:bodyPr>
-          <a:lstStyle/>
-          <a:p>
-            <a:r>
-              <a:rPr lang="es-ES" dirty="0"/>
-              <a:t>Anhang</a:t>
-            </a:r>
-          </a:p>
-        </p:txBody>
-      </p:sp>
-      <p:sp>
-        <p:nvSpPr>
-          <p:cNvPr id="2" name="Rechteck 1">
-            <a:extLst>
-              <a:ext uri="{FF2B5EF4-FFF2-40B4-BE49-F238E27FC236}">
-                <a16:creationId xmlns:a16="http://schemas.microsoft.com/office/drawing/2014/main" id="{ED4C716C-08C2-4C41-97FF-F469D6B7E38A}"/>
-              </a:ext>
-            </a:extLst>
-          </p:cNvPr>
-          <p:cNvSpPr/>
-          <p:nvPr/>
-        </p:nvSpPr>
-        <p:spPr>
-          <a:xfrm>
-            <a:off x="2235200" y="1233714"/>
-            <a:ext cx="1168400" cy="740229"/>
-          </a:xfrm>
-          <a:prstGeom prst="rect">
-            <a:avLst/>
-          </a:prstGeom>
-          <a:solidFill>
-            <a:srgbClr val="5F9EA0"/>
-          </a:solidFill>
-        </p:spPr>
-        <p:style>
-          <a:lnRef idx="2">
-            <a:schemeClr val="accent1">
-              <a:shade val="50000"/>
-            </a:schemeClr>
-          </a:lnRef>
-          <a:fillRef idx="1">
-            <a:schemeClr val="accent1"/>
-          </a:fillRef>
-          <a:effectRef idx="0">
-            <a:schemeClr val="accent1"/>
-          </a:effectRef>
-          <a:fontRef idx="minor">
-            <a:schemeClr val="lt1"/>
-          </a:fontRef>
-        </p:style>
-        <p:txBody>
-          <a:bodyPr rtlCol="0" anchor="ctr"/>
-          <a:lstStyle/>
-          <a:p>
-            <a:pPr algn="ctr"/>
-            <a:endParaRPr lang="es-ES"/>
-          </a:p>
-        </p:txBody>
-      </p:sp>
-      <p:sp>
-        <p:nvSpPr>
-          <p:cNvPr id="6" name="Rechteck 5">
-            <a:extLst>
-              <a:ext uri="{FF2B5EF4-FFF2-40B4-BE49-F238E27FC236}">
-                <a16:creationId xmlns:a16="http://schemas.microsoft.com/office/drawing/2014/main" id="{C86A9B11-437C-4A50-8326-0E8B423798BA}"/>
-              </a:ext>
-            </a:extLst>
-          </p:cNvPr>
-          <p:cNvSpPr/>
-          <p:nvPr/>
-        </p:nvSpPr>
-        <p:spPr>
-          <a:xfrm>
-            <a:off x="3708400" y="1233714"/>
-            <a:ext cx="1168400" cy="740229"/>
-          </a:xfrm>
-          <a:prstGeom prst="rect">
-            <a:avLst/>
-          </a:prstGeom>
-          <a:solidFill>
-            <a:srgbClr val="EE9A00"/>
-          </a:solidFill>
-        </p:spPr>
-        <p:style>
-          <a:lnRef idx="2">
-            <a:schemeClr val="accent1">
-              <a:shade val="50000"/>
-            </a:schemeClr>
-          </a:lnRef>
-          <a:fillRef idx="1">
-            <a:schemeClr val="accent1"/>
-          </a:fillRef>
-          <a:effectRef idx="0">
-            <a:schemeClr val="accent1"/>
-          </a:effectRef>
-          <a:fontRef idx="minor">
-            <a:schemeClr val="lt1"/>
-          </a:fontRef>
-        </p:style>
-        <p:txBody>
-          <a:bodyPr rtlCol="0" anchor="ctr"/>
-          <a:lstStyle/>
-          <a:p>
-            <a:pPr algn="ctr"/>
-            <a:endParaRPr lang="es-ES"/>
-          </a:p>
-        </p:txBody>
-      </p:sp>
-    </p:spTree>
-    <p:extLst>
-      <p:ext uri="{BB962C8B-B14F-4D97-AF65-F5344CB8AC3E}">
-        <p14:creationId xmlns:p14="http://schemas.microsoft.com/office/powerpoint/2010/main" val="3333532006"/>
+        <p14:creationId xmlns:p14="http://schemas.microsoft.com/office/powerpoint/2010/main" val="3801173964"/>
       </p:ext>
     </p:extLst>
   </p:cSld>
@@ -27222,11 +28383,7 @@
             </a:pPr>
             <a:r>
               <a:rPr lang="de-DE" sz="2000" b="1" dirty="0"/>
-              <a:t>Shortterm-</a:t>
-            </a:r>
-            <a:r>
-              <a:rPr lang="de-DE" sz="2000" b="1" dirty="0" err="1"/>
-              <a:t>incompleteness</a:t>
+              <a:t>Shortterm-Incompleteness</a:t>
             </a:r>
             <a:r>
               <a:rPr lang="de-DE" sz="2000" dirty="0"/>
